--- a/docs/FreshCart_Executive_Presentation.pptx
+++ b/docs/FreshCart_Executive_Presentation.pptx
@@ -309,7 +309,7 @@
           <a:p>
             <a:fld id="{5BCAD085-E8A6-8845-BD4E-CB4CCA059FC4}" type="datetimeFigureOut">
               <a:rPr lang="en-US" smtClean="0"/>
-              <a:t>11/29/2025</a:t>
+              <a:t>11/30/2025</a:t>
             </a:fld>
             <a:endParaRPr lang="en-US"/>
           </a:p>
@@ -477,7 +477,7 @@
           <a:p>
             <a:fld id="{5BCAD085-E8A6-8845-BD4E-CB4CCA059FC4}" type="datetimeFigureOut">
               <a:rPr lang="en-US" smtClean="0"/>
-              <a:t>11/29/2025</a:t>
+              <a:t>11/30/2025</a:t>
             </a:fld>
             <a:endParaRPr lang="en-US"/>
           </a:p>
@@ -655,7 +655,7 @@
           <a:p>
             <a:fld id="{5BCAD085-E8A6-8845-BD4E-CB4CCA059FC4}" type="datetimeFigureOut">
               <a:rPr lang="en-US" smtClean="0"/>
-              <a:t>11/29/2025</a:t>
+              <a:t>11/30/2025</a:t>
             </a:fld>
             <a:endParaRPr lang="en-US"/>
           </a:p>
@@ -823,7 +823,7 @@
           <a:p>
             <a:fld id="{5BCAD085-E8A6-8845-BD4E-CB4CCA059FC4}" type="datetimeFigureOut">
               <a:rPr lang="en-US" smtClean="0"/>
-              <a:t>11/29/2025</a:t>
+              <a:t>11/30/2025</a:t>
             </a:fld>
             <a:endParaRPr lang="en-US"/>
           </a:p>
@@ -1068,7 +1068,7 @@
           <a:p>
             <a:fld id="{5BCAD085-E8A6-8845-BD4E-CB4CCA059FC4}" type="datetimeFigureOut">
               <a:rPr lang="en-US" smtClean="0"/>
-              <a:t>11/29/2025</a:t>
+              <a:t>11/30/2025</a:t>
             </a:fld>
             <a:endParaRPr lang="en-US"/>
           </a:p>
@@ -1353,7 +1353,7 @@
           <a:p>
             <a:fld id="{5BCAD085-E8A6-8845-BD4E-CB4CCA059FC4}" type="datetimeFigureOut">
               <a:rPr lang="en-US" smtClean="0"/>
-              <a:t>11/29/2025</a:t>
+              <a:t>11/30/2025</a:t>
             </a:fld>
             <a:endParaRPr lang="en-US"/>
           </a:p>
@@ -1772,7 +1772,7 @@
           <a:p>
             <a:fld id="{5BCAD085-E8A6-8845-BD4E-CB4CCA059FC4}" type="datetimeFigureOut">
               <a:rPr lang="en-US" smtClean="0"/>
-              <a:t>11/29/2025</a:t>
+              <a:t>11/30/2025</a:t>
             </a:fld>
             <a:endParaRPr lang="en-US"/>
           </a:p>
@@ -1889,7 +1889,7 @@
           <a:p>
             <a:fld id="{5BCAD085-E8A6-8845-BD4E-CB4CCA059FC4}" type="datetimeFigureOut">
               <a:rPr lang="en-US" smtClean="0"/>
-              <a:t>11/29/2025</a:t>
+              <a:t>11/30/2025</a:t>
             </a:fld>
             <a:endParaRPr lang="en-US"/>
           </a:p>
@@ -1984,7 +1984,7 @@
           <a:p>
             <a:fld id="{5BCAD085-E8A6-8845-BD4E-CB4CCA059FC4}" type="datetimeFigureOut">
               <a:rPr lang="en-US" smtClean="0"/>
-              <a:t>11/29/2025</a:t>
+              <a:t>11/30/2025</a:t>
             </a:fld>
             <a:endParaRPr lang="en-US"/>
           </a:p>
@@ -2259,7 +2259,7 @@
           <a:p>
             <a:fld id="{5BCAD085-E8A6-8845-BD4E-CB4CCA059FC4}" type="datetimeFigureOut">
               <a:rPr lang="en-US" smtClean="0"/>
-              <a:t>11/29/2025</a:t>
+              <a:t>11/30/2025</a:t>
             </a:fld>
             <a:endParaRPr lang="en-US"/>
           </a:p>
@@ -2511,7 +2511,7 @@
           <a:p>
             <a:fld id="{5BCAD085-E8A6-8845-BD4E-CB4CCA059FC4}" type="datetimeFigureOut">
               <a:rPr lang="en-US" smtClean="0"/>
-              <a:t>11/29/2025</a:t>
+              <a:t>11/30/2025</a:t>
             </a:fld>
             <a:endParaRPr lang="en-US"/>
           </a:p>
@@ -2722,7 +2722,7 @@
           <a:p>
             <a:fld id="{5BCAD085-E8A6-8845-BD4E-CB4CCA059FC4}" type="datetimeFigureOut">
               <a:rPr lang="en-US" smtClean="0"/>
-              <a:t>11/29/2025</a:t>
+              <a:t>11/30/2025</a:t>
             </a:fld>
             <a:endParaRPr lang="en-US"/>
           </a:p>
@@ -3150,7 +3150,7 @@
         <p:spPr>
           <a:xfrm>
             <a:off x="651753" y="5239114"/>
-            <a:ext cx="7840494" cy="1200329"/>
+            <a:ext cx="7840494" cy="1569660"/>
           </a:xfrm>
           <a:prstGeom prst="rect">
             <a:avLst/>
@@ -3163,91 +3163,69 @@
           </a:bodyPr>
           <a:lstStyle/>
           <a:p>
-            <a:pPr>
-              <a:buFont typeface="Arial" panose="020B0604020202020204" pitchFamily="34" charset="0"/>
-              <a:buChar char="•"/>
-            </a:pPr>
-            <a:r>
-              <a:rPr lang="en-US" b="1" dirty="0">
-                <a:solidFill>
-                  <a:schemeClr val="bg1"/>
-                </a:solidFill>
-              </a:rPr>
-              <a:t>Main Title:</a:t>
-            </a:r>
-            <a:r>
-              <a:rPr lang="en-US" dirty="0">
-                <a:solidFill>
-                  <a:schemeClr val="bg1"/>
-                </a:solidFill>
-              </a:rPr>
-              <a:t> Strategic Retention Initiative: AI-Driven Churn Prevention</a:t>
-            </a:r>
-          </a:p>
-          <a:p>
-            <a:pPr>
-              <a:buFont typeface="Arial" panose="020B0604020202020204" pitchFamily="34" charset="0"/>
-              <a:buChar char="•"/>
-            </a:pPr>
-            <a:r>
-              <a:rPr lang="en-US" b="1" dirty="0">
-                <a:solidFill>
-                  <a:schemeClr val="bg1"/>
-                </a:solidFill>
-              </a:rPr>
-              <a:t>Subtitle:</a:t>
-            </a:r>
-            <a:r>
-              <a:rPr lang="en-US" dirty="0">
-                <a:solidFill>
-                  <a:schemeClr val="bg1"/>
-                </a:solidFill>
-              </a:rPr>
-              <a:t> Leveraging Machine Learning to Secure $1.8M in Annual Revenue</a:t>
-            </a:r>
-          </a:p>
-          <a:p>
-            <a:pPr>
-              <a:buFont typeface="Arial" panose="020B0604020202020204" pitchFamily="34" charset="0"/>
-              <a:buChar char="•"/>
-            </a:pPr>
-            <a:r>
-              <a:rPr lang="en-US" b="1" dirty="0">
-                <a:solidFill>
-                  <a:schemeClr val="bg1"/>
-                </a:solidFill>
-              </a:rPr>
-              <a:t>Presenter:</a:t>
-            </a:r>
-            <a:r>
-              <a:rPr lang="en-US" dirty="0">
-                <a:solidFill>
-                  <a:schemeClr val="bg1"/>
-                </a:solidFill>
-              </a:rPr>
-              <a:t> Murat İYİGÜN</a:t>
-            </a:r>
-          </a:p>
-          <a:p>
-            <a:pPr>
-              <a:buFont typeface="Arial" panose="020B0604020202020204" pitchFamily="34" charset="0"/>
-              <a:buChar char="•"/>
-            </a:pPr>
-            <a:r>
-              <a:rPr lang="en-US" b="1" dirty="0">
-                <a:solidFill>
-                  <a:schemeClr val="bg1"/>
-                </a:solidFill>
-              </a:rPr>
-              <a:t>Date:</a:t>
-            </a:r>
-            <a:r>
-              <a:rPr lang="en-US" dirty="0">
-                <a:solidFill>
-                  <a:schemeClr val="bg1"/>
-                </a:solidFill>
-              </a:rPr>
-              <a:t> November 2025</a:t>
+            <a:r>
+              <a:rPr lang="en-US" sz="2400" b="1" dirty="0">
+                <a:solidFill>
+                  <a:schemeClr val="bg1"/>
+                </a:solidFill>
+              </a:rPr>
+              <a:t>AI-Driven Churn Prevention</a:t>
+            </a:r>
+          </a:p>
+          <a:p>
+            <a:r>
+              <a:rPr lang="en-US" sz="1600" b="0" i="0" dirty="0">
+                <a:solidFill>
+                  <a:schemeClr val="bg1"/>
+                </a:solidFill>
+                <a:effectLst/>
+                <a:latin typeface="-apple-system"/>
+              </a:rPr>
+              <a:t>End-to-End Machine Learning Solution for Customer Retention in E-Commerce</a:t>
+            </a:r>
+          </a:p>
+          <a:p>
+            <a:r>
+              <a:rPr lang="en-US" sz="1400" b="0" i="0" dirty="0">
+                <a:solidFill>
+                  <a:schemeClr val="bg1"/>
+                </a:solidFill>
+                <a:effectLst/>
+                <a:latin typeface="-apple-system"/>
+              </a:rPr>
+              <a:t>Securing $1.6M in Annual Revenue</a:t>
+            </a:r>
+            <a:endParaRPr lang="en-US" sz="1400" dirty="0">
+              <a:solidFill>
+                <a:schemeClr val="bg1"/>
+              </a:solidFill>
+            </a:endParaRPr>
+          </a:p>
+          <a:p>
+            <a:endParaRPr lang="en-US" sz="1400" dirty="0">
+              <a:solidFill>
+                <a:schemeClr val="bg1"/>
+              </a:solidFill>
+            </a:endParaRPr>
+          </a:p>
+          <a:p>
+            <a:r>
+              <a:rPr lang="en-US" sz="1400" dirty="0">
+                <a:solidFill>
+                  <a:schemeClr val="bg1"/>
+                </a:solidFill>
+              </a:rPr>
+              <a:t>Murat IYIGUN</a:t>
+            </a:r>
+          </a:p>
+          <a:p>
+            <a:r>
+              <a:rPr lang="en-US" sz="1200" dirty="0">
+                <a:solidFill>
+                  <a:schemeClr val="bg1"/>
+                </a:solidFill>
+              </a:rPr>
+              <a:t>November 2025</a:t>
             </a:r>
           </a:p>
         </p:txBody>
@@ -3262,6 +3240,18 @@
   <p:clrMapOvr>
     <a:masterClrMapping/>
   </p:clrMapOvr>
+  <mc:AlternateContent xmlns:mc="http://schemas.openxmlformats.org/markup-compatibility/2006">
+    <mc:Choice xmlns:p14="http://schemas.microsoft.com/office/powerpoint/2010/main" Requires="p14">
+      <p:transition spd="slow" p14:dur="1500">
+        <p:split orient="vert"/>
+      </p:transition>
+    </mc:Choice>
+    <mc:Fallback>
+      <p:transition spd="slow">
+        <p:split orient="vert"/>
+      </p:transition>
+    </mc:Fallback>
+  </mc:AlternateContent>
 </p:sld>
 </file>
 
@@ -3302,98 +3292,739 @@
         </p:nvSpPr>
         <p:spPr>
           <a:xfrm>
-            <a:off x="457200" y="1166018"/>
-            <a:ext cx="8229600" cy="4525963"/>
+            <a:off x="457200" y="641763"/>
+            <a:ext cx="8229600" cy="821278"/>
           </a:xfrm>
         </p:spPr>
         <p:txBody>
-          <a:bodyPr/>
+          <a:bodyPr>
+            <a:normAutofit lnSpcReduction="10000"/>
+          </a:bodyPr>
           <a:lstStyle/>
           <a:p>
-            <a:r>
-              <a:rPr sz="2200" dirty="0">
+            <a:pPr marL="0" indent="0" algn="ctr">
+              <a:buNone/>
+            </a:pPr>
+            <a:r>
+              <a:rPr lang="en-US" sz="2800" b="1" dirty="0">
                 <a:solidFill>
                   <a:srgbClr val="FFFFFF"/>
                 </a:solidFill>
               </a:rPr>
-              <a:t>📊 Executive Presentation: </a:t>
-            </a:r>
-            <a:r>
-              <a:rPr sz="2200" dirty="0" err="1">
-                <a:solidFill>
-                  <a:srgbClr val="FFFFFF"/>
-                </a:solidFill>
-              </a:rPr>
-              <a:t>FreshCart</a:t>
-            </a:r>
-            <a:r>
-              <a:rPr sz="2200" dirty="0">
-                <a:solidFill>
-                  <a:srgbClr val="FFFFFF"/>
-                </a:solidFill>
-              </a:rPr>
-              <a:t> Churn Prediction</a:t>
-            </a:r>
-          </a:p>
-          <a:p>
-            <a:r>
-              <a:rPr sz="2200" dirty="0">
-                <a:solidFill>
-                  <a:srgbClr val="FFFFFF"/>
-                </a:solidFill>
-              </a:rPr>
-              <a:t>Slide 2: The Challenge &amp; Opportunity</a:t>
-            </a:r>
-          </a:p>
-          <a:p>
-            <a:r>
-              <a:rPr sz="2200" dirty="0">
-                <a:solidFill>
-                  <a:srgbClr val="FFFFFF"/>
-                </a:solidFill>
-              </a:rPr>
-              <a:t>How It Works:</a:t>
-            </a:r>
-          </a:p>
-          <a:p>
-            <a:r>
-              <a:rPr sz="2200" dirty="0">
-                <a:solidFill>
-                  <a:srgbClr val="FFFFFF"/>
-                </a:solidFill>
-              </a:rPr>
-              <a:t>Annual Projections:</a:t>
-            </a:r>
-          </a:p>
-          <a:p>
-            <a:r>
-              <a:rPr sz="2200" dirty="0">
-                <a:solidFill>
-                  <a:srgbClr val="FFFFFF"/>
-                </a:solidFill>
-              </a:rPr>
-              <a:t>The model provides explainable insights into customer behavior:</a:t>
-            </a:r>
-          </a:p>
-          <a:p>
-            <a:r>
-              <a:rPr sz="2200" dirty="0">
-                <a:solidFill>
-                  <a:srgbClr val="FFFFFF"/>
-                </a:solidFill>
-              </a:rPr>
-              <a:t>Automated Action: Risk lists are pushed to the CRM system or trigger automated emails/push notifications.</a:t>
-            </a:r>
-          </a:p>
-          <a:p>
-            <a:r>
-              <a:rPr sz="2200" dirty="0">
-                <a:solidFill>
-                  <a:srgbClr val="FFFFFF"/>
-                </a:solidFill>
-              </a:rPr>
-              <a:t>Requirements:</a:t>
-            </a:r>
+              <a:t>The Challenge &amp; Opportunity</a:t>
+            </a:r>
+          </a:p>
+          <a:p>
+            <a:pPr marL="0" indent="0" algn="ctr">
+              <a:buNone/>
+            </a:pPr>
+            <a:r>
+              <a:rPr lang="en-US" sz="2000" b="0" i="0" dirty="0">
+                <a:solidFill>
+                  <a:schemeClr val="bg1"/>
+                </a:solidFill>
+                <a:effectLst/>
+                <a:latin typeface="-apple-system"/>
+              </a:rPr>
+              <a:t>The Business Problem</a:t>
+            </a:r>
+            <a:endParaRPr lang="en-US" sz="3600" b="1" dirty="0">
+              <a:solidFill>
+                <a:schemeClr val="bg1"/>
+              </a:solidFill>
+            </a:endParaRPr>
+          </a:p>
+        </p:txBody>
+      </p:sp>
+      <p:sp>
+        <p:nvSpPr>
+          <p:cNvPr id="12" name="Rectangle 9">
+            <a:extLst>
+              <a:ext uri="{FF2B5EF4-FFF2-40B4-BE49-F238E27FC236}">
+                <a16:creationId xmlns:a16="http://schemas.microsoft.com/office/drawing/2014/main" id="{67204CB1-CFE2-8C00-5264-A1E964B44B90}"/>
+              </a:ext>
+            </a:extLst>
+          </p:cNvPr>
+          <p:cNvSpPr>
+            <a:spLocks noChangeArrowheads="1"/>
+          </p:cNvSpPr>
+          <p:nvPr/>
+        </p:nvSpPr>
+        <p:spPr bwMode="auto">
+          <a:xfrm>
+            <a:off x="548050" y="2038253"/>
+            <a:ext cx="7023182" cy="830997"/>
+          </a:xfrm>
+          <a:prstGeom prst="rect">
+            <a:avLst/>
+          </a:prstGeom>
+          <a:noFill/>
+          <a:ln>
+            <a:noFill/>
+          </a:ln>
+          <a:effectLst/>
+          <a:extLst>
+            <a:ext uri="{909E8E84-426E-40DD-AFC4-6F175D3DCCD1}">
+              <a14:hiddenFill xmlns:a14="http://schemas.microsoft.com/office/drawing/2010/main">
+                <a:solidFill>
+                  <a:schemeClr val="accent1"/>
+                </a:solidFill>
+              </a14:hiddenFill>
+            </a:ext>
+            <a:ext uri="{91240B29-F687-4F45-9708-019B960494DF}">
+              <a14:hiddenLine xmlns:a14="http://schemas.microsoft.com/office/drawing/2010/main" w="9525">
+                <a:solidFill>
+                  <a:schemeClr val="tx1"/>
+                </a:solidFill>
+                <a:miter lim="800000"/>
+                <a:headEnd/>
+                <a:tailEnd/>
+              </a14:hiddenLine>
+            </a:ext>
+            <a:ext uri="{AF507438-7753-43E0-B8FC-AC1667EBCBE1}">
+              <a14:hiddenEffects xmlns:a14="http://schemas.microsoft.com/office/drawing/2010/main">
+                <a:effectLst>
+                  <a:outerShdw dist="35921" dir="2700000" algn="ctr" rotWithShape="0">
+                    <a:schemeClr val="bg2"/>
+                  </a:outerShdw>
+                </a:effectLst>
+              </a14:hiddenEffects>
+            </a:ext>
+          </a:extLst>
+        </p:spPr>
+        <p:txBody>
+          <a:bodyPr vert="horz" wrap="square" lIns="0" tIns="0" rIns="0" bIns="0" numCol="1" anchor="ctr" anchorCtr="0" compatLnSpc="1">
+            <a:prstTxWarp prst="textNoShape">
+              <a:avLst/>
+            </a:prstTxWarp>
+            <a:spAutoFit/>
+          </a:bodyPr>
+          <a:lstStyle/>
+          <a:p>
+            <a:pPr marL="285750" marR="0" lvl="0" indent="-285750" algn="l" defTabSz="914400" rtl="0" eaLnBrk="0" fontAlgn="base" latinLnBrk="0" hangingPunct="0">
+              <a:lnSpc>
+                <a:spcPct val="100000"/>
+              </a:lnSpc>
+              <a:spcBef>
+                <a:spcPct val="0"/>
+              </a:spcBef>
+              <a:spcAft>
+                <a:spcPct val="0"/>
+              </a:spcAft>
+              <a:buClrTx/>
+              <a:buSzTx/>
+              <a:buFont typeface="Arial" panose="020B0604020202020204" pitchFamily="34" charset="0"/>
+              <a:buChar char="•"/>
+              <a:tabLst/>
+            </a:pPr>
+            <a:r>
+              <a:rPr lang="en-US" b="1" i="0" dirty="0">
+                <a:solidFill>
+                  <a:schemeClr val="bg1"/>
+                </a:solidFill>
+                <a:effectLst/>
+                <a:latin typeface="Helveticasinav" panose="02000503000000020004" pitchFamily="2" charset="-94"/>
+              </a:rPr>
+              <a:t>The Problem:</a:t>
+            </a:r>
+            <a:r>
+              <a:rPr lang="en-US" b="0" i="0" dirty="0">
+                <a:solidFill>
+                  <a:schemeClr val="bg1"/>
+                </a:solidFill>
+                <a:effectLst/>
+                <a:latin typeface="Helveticasinav" panose="02000503000000020004" pitchFamily="2" charset="-94"/>
+              </a:rPr>
+              <a:t> Our customer churn rate has surged from 18% to </a:t>
+            </a:r>
+            <a:r>
+              <a:rPr lang="en-US" b="1" i="0" dirty="0">
+                <a:solidFill>
+                  <a:schemeClr val="bg1"/>
+                </a:solidFill>
+                <a:effectLst/>
+                <a:latin typeface="Helveticasinav" panose="02000503000000020004" pitchFamily="2" charset="-94"/>
+              </a:rPr>
+              <a:t>23%</a:t>
+            </a:r>
+            <a:r>
+              <a:rPr lang="en-US" b="0" i="0" dirty="0">
+                <a:solidFill>
+                  <a:schemeClr val="bg1"/>
+                </a:solidFill>
+                <a:effectLst/>
+                <a:latin typeface="Helveticasinav" panose="02000503000000020004" pitchFamily="2" charset="-94"/>
+              </a:rPr>
+              <a:t> in the last 6 months.</a:t>
+            </a:r>
+          </a:p>
+          <a:p>
+            <a:pPr marL="285750" marR="0" lvl="0" indent="-285750" algn="l" defTabSz="914400" rtl="0" eaLnBrk="0" fontAlgn="base" latinLnBrk="0" hangingPunct="0">
+              <a:lnSpc>
+                <a:spcPct val="100000"/>
+              </a:lnSpc>
+              <a:spcBef>
+                <a:spcPct val="0"/>
+              </a:spcBef>
+              <a:spcAft>
+                <a:spcPct val="0"/>
+              </a:spcAft>
+              <a:buClrTx/>
+              <a:buSzTx/>
+              <a:buFont typeface="Arial" panose="020B0604020202020204" pitchFamily="34" charset="0"/>
+              <a:buChar char="•"/>
+              <a:tabLst/>
+            </a:pPr>
+            <a:endParaRPr kumimoji="0" lang="en-US" altLang="en-US" b="0" i="0" u="none" strike="noStrike" cap="none" normalizeH="0" baseline="0" dirty="0">
+              <a:ln>
+                <a:noFill/>
+              </a:ln>
+              <a:solidFill>
+                <a:schemeClr val="bg1"/>
+              </a:solidFill>
+              <a:effectLst/>
+              <a:latin typeface="Helveticasinav" panose="02000503000000020004" pitchFamily="2" charset="-94"/>
+            </a:endParaRPr>
+          </a:p>
+        </p:txBody>
+      </p:sp>
+      <p:sp>
+        <p:nvSpPr>
+          <p:cNvPr id="13" name="Rectangle 10">
+            <a:extLst>
+              <a:ext uri="{FF2B5EF4-FFF2-40B4-BE49-F238E27FC236}">
+                <a16:creationId xmlns:a16="http://schemas.microsoft.com/office/drawing/2014/main" id="{7A4457C8-F6CF-477E-3B69-8B6101E945EE}"/>
+              </a:ext>
+            </a:extLst>
+          </p:cNvPr>
+          <p:cNvSpPr>
+            <a:spLocks noChangeArrowheads="1"/>
+          </p:cNvSpPr>
+          <p:nvPr/>
+        </p:nvSpPr>
+        <p:spPr bwMode="auto">
+          <a:xfrm>
+            <a:off x="548050" y="2998334"/>
+            <a:ext cx="7508466" cy="553998"/>
+          </a:xfrm>
+          <a:prstGeom prst="rect">
+            <a:avLst/>
+          </a:prstGeom>
+          <a:noFill/>
+          <a:ln>
+            <a:noFill/>
+          </a:ln>
+          <a:effectLst/>
+          <a:extLst>
+            <a:ext uri="{909E8E84-426E-40DD-AFC4-6F175D3DCCD1}">
+              <a14:hiddenFill xmlns:a14="http://schemas.microsoft.com/office/drawing/2010/main">
+                <a:solidFill>
+                  <a:schemeClr val="accent1"/>
+                </a:solidFill>
+              </a14:hiddenFill>
+            </a:ext>
+            <a:ext uri="{91240B29-F687-4F45-9708-019B960494DF}">
+              <a14:hiddenLine xmlns:a14="http://schemas.microsoft.com/office/drawing/2010/main" w="9525">
+                <a:solidFill>
+                  <a:schemeClr val="tx1"/>
+                </a:solidFill>
+                <a:miter lim="800000"/>
+                <a:headEnd/>
+                <a:tailEnd/>
+              </a14:hiddenLine>
+            </a:ext>
+            <a:ext uri="{AF507438-7753-43E0-B8FC-AC1667EBCBE1}">
+              <a14:hiddenEffects xmlns:a14="http://schemas.microsoft.com/office/drawing/2010/main">
+                <a:effectLst>
+                  <a:outerShdw dist="35921" dir="2700000" algn="ctr" rotWithShape="0">
+                    <a:schemeClr val="bg2"/>
+                  </a:outerShdw>
+                </a:effectLst>
+              </a14:hiddenEffects>
+            </a:ext>
+          </a:extLst>
+        </p:spPr>
+        <p:txBody>
+          <a:bodyPr vert="horz" wrap="none" lIns="0" tIns="0" rIns="0" bIns="0" numCol="1" anchor="ctr" anchorCtr="0" compatLnSpc="1">
+            <a:prstTxWarp prst="textNoShape">
+              <a:avLst/>
+            </a:prstTxWarp>
+            <a:spAutoFit/>
+          </a:bodyPr>
+          <a:lstStyle/>
+          <a:p>
+            <a:pPr marL="285750" marR="0" lvl="0" indent="-285750" algn="l" defTabSz="914400" rtl="0" eaLnBrk="0" fontAlgn="base" latinLnBrk="0" hangingPunct="0">
+              <a:lnSpc>
+                <a:spcPct val="100000"/>
+              </a:lnSpc>
+              <a:spcBef>
+                <a:spcPct val="0"/>
+              </a:spcBef>
+              <a:spcAft>
+                <a:spcPct val="0"/>
+              </a:spcAft>
+              <a:buClrTx/>
+              <a:buSzTx/>
+              <a:buFont typeface="Arial" panose="020B0604020202020204" pitchFamily="34" charset="0"/>
+              <a:buChar char="•"/>
+              <a:tabLst/>
+            </a:pPr>
+            <a:r>
+              <a:rPr lang="en-US" b="1" i="0" dirty="0">
+                <a:solidFill>
+                  <a:schemeClr val="bg1"/>
+                </a:solidFill>
+                <a:effectLst/>
+                <a:latin typeface="Helveticasinav" panose="02000503000000020004" pitchFamily="2" charset="-94"/>
+              </a:rPr>
+              <a:t>The Cost:</a:t>
+            </a:r>
+            <a:r>
+              <a:rPr lang="en-US" b="0" i="0" dirty="0">
+                <a:solidFill>
+                  <a:schemeClr val="bg1"/>
+                </a:solidFill>
+                <a:effectLst/>
+                <a:latin typeface="Helveticasinav" panose="02000503000000020004" pitchFamily="2" charset="-94"/>
+              </a:rPr>
+              <a:t> Every lost customer represents an average revenue loss of </a:t>
+            </a:r>
+          </a:p>
+          <a:p>
+            <a:pPr marR="0" lvl="0" algn="l" defTabSz="914400" rtl="0" eaLnBrk="0" fontAlgn="base" latinLnBrk="0" hangingPunct="0">
+              <a:lnSpc>
+                <a:spcPct val="100000"/>
+              </a:lnSpc>
+              <a:spcBef>
+                <a:spcPct val="0"/>
+              </a:spcBef>
+              <a:spcAft>
+                <a:spcPct val="0"/>
+              </a:spcAft>
+              <a:buClrTx/>
+              <a:buSzTx/>
+              <a:tabLst/>
+            </a:pPr>
+            <a:r>
+              <a:rPr lang="en-US" dirty="0">
+                <a:solidFill>
+                  <a:schemeClr val="bg1"/>
+                </a:solidFill>
+                <a:latin typeface="Helveticasinav" panose="02000503000000020004" pitchFamily="2" charset="-94"/>
+              </a:rPr>
+              <a:t>     </a:t>
+            </a:r>
+            <a:r>
+              <a:rPr lang="en-US" b="0" i="0" dirty="0">
+                <a:solidFill>
+                  <a:schemeClr val="bg1"/>
+                </a:solidFill>
+                <a:effectLst/>
+                <a:latin typeface="Helveticasinav" panose="02000503000000020004" pitchFamily="2" charset="-94"/>
+              </a:rPr>
+              <a:t>approximately </a:t>
+            </a:r>
+            <a:r>
+              <a:rPr lang="en-US" b="1" i="0" dirty="0">
+                <a:solidFill>
+                  <a:schemeClr val="bg1"/>
+                </a:solidFill>
+                <a:effectLst/>
+                <a:latin typeface="Helveticasinav" panose="02000503000000020004" pitchFamily="2" charset="-94"/>
+              </a:rPr>
+              <a:t>$150/month.</a:t>
+            </a:r>
+            <a:endParaRPr kumimoji="0" lang="en-US" altLang="en-US" b="0" i="0" u="none" strike="noStrike" cap="none" normalizeH="0" baseline="0" dirty="0">
+              <a:ln>
+                <a:noFill/>
+              </a:ln>
+              <a:solidFill>
+                <a:schemeClr val="bg1"/>
+              </a:solidFill>
+              <a:effectLst/>
+              <a:latin typeface="Helveticasinav" panose="02000503000000020004" pitchFamily="2" charset="-94"/>
+            </a:endParaRPr>
+          </a:p>
+        </p:txBody>
+      </p:sp>
+      <p:sp>
+        <p:nvSpPr>
+          <p:cNvPr id="14" name="Rectangle 11">
+            <a:extLst>
+              <a:ext uri="{FF2B5EF4-FFF2-40B4-BE49-F238E27FC236}">
+                <a16:creationId xmlns:a16="http://schemas.microsoft.com/office/drawing/2014/main" id="{42AB8629-B63E-2E14-1789-5107D30F3CC2}"/>
+              </a:ext>
+            </a:extLst>
+          </p:cNvPr>
+          <p:cNvSpPr>
+            <a:spLocks noChangeArrowheads="1"/>
+          </p:cNvSpPr>
+          <p:nvPr/>
+        </p:nvSpPr>
+        <p:spPr bwMode="auto">
+          <a:xfrm>
+            <a:off x="457200" y="3918525"/>
+            <a:ext cx="8361263" cy="830997"/>
+          </a:xfrm>
+          <a:prstGeom prst="rect">
+            <a:avLst/>
+          </a:prstGeom>
+          <a:noFill/>
+          <a:ln>
+            <a:noFill/>
+          </a:ln>
+          <a:effectLst/>
+          <a:extLst>
+            <a:ext uri="{909E8E84-426E-40DD-AFC4-6F175D3DCCD1}">
+              <a14:hiddenFill xmlns:a14="http://schemas.microsoft.com/office/drawing/2010/main">
+                <a:solidFill>
+                  <a:schemeClr val="accent1"/>
+                </a:solidFill>
+              </a14:hiddenFill>
+            </a:ext>
+            <a:ext uri="{91240B29-F687-4F45-9708-019B960494DF}">
+              <a14:hiddenLine xmlns:a14="http://schemas.microsoft.com/office/drawing/2010/main" w="9525">
+                <a:solidFill>
+                  <a:schemeClr val="tx1"/>
+                </a:solidFill>
+                <a:miter lim="800000"/>
+                <a:headEnd/>
+                <a:tailEnd/>
+              </a14:hiddenLine>
+            </a:ext>
+            <a:ext uri="{AF507438-7753-43E0-B8FC-AC1667EBCBE1}">
+              <a14:hiddenEffects xmlns:a14="http://schemas.microsoft.com/office/drawing/2010/main">
+                <a:effectLst>
+                  <a:outerShdw dist="35921" dir="2700000" algn="ctr" rotWithShape="0">
+                    <a:schemeClr val="bg2"/>
+                  </a:outerShdw>
+                </a:effectLst>
+              </a14:hiddenEffects>
+            </a:ext>
+          </a:extLst>
+        </p:spPr>
+        <p:txBody>
+          <a:bodyPr vert="horz" wrap="none" lIns="0" tIns="0" rIns="0" bIns="0" numCol="1" anchor="ctr" anchorCtr="0" compatLnSpc="1">
+            <a:prstTxWarp prst="textNoShape">
+              <a:avLst/>
+            </a:prstTxWarp>
+            <a:spAutoFit/>
+          </a:bodyPr>
+          <a:lstStyle/>
+          <a:p>
+            <a:pPr marL="285750" marR="0" lvl="0" indent="-285750" algn="l" defTabSz="914400" rtl="0" eaLnBrk="0" fontAlgn="base" latinLnBrk="0" hangingPunct="0">
+              <a:lnSpc>
+                <a:spcPct val="100000"/>
+              </a:lnSpc>
+              <a:spcBef>
+                <a:spcPct val="0"/>
+              </a:spcBef>
+              <a:spcAft>
+                <a:spcPct val="0"/>
+              </a:spcAft>
+              <a:buClrTx/>
+              <a:buSzTx/>
+              <a:buFont typeface="Arial" panose="020B0604020202020204" pitchFamily="34" charset="0"/>
+              <a:buChar char="•"/>
+              <a:tabLst/>
+            </a:pPr>
+            <a:r>
+              <a:rPr kumimoji="0" lang="en-US" altLang="en-US" b="1" i="0" u="none" strike="noStrike" cap="none" normalizeH="0" baseline="0" dirty="0">
+                <a:ln>
+                  <a:noFill/>
+                </a:ln>
+                <a:solidFill>
+                  <a:schemeClr val="bg1"/>
+                </a:solidFill>
+                <a:effectLst/>
+                <a:latin typeface="Helveticasinav" panose="02000503000000020004" pitchFamily="2" charset="-94"/>
+              </a:rPr>
+              <a:t>Traditional Blind Spot:</a:t>
+            </a:r>
+            <a:r>
+              <a:rPr kumimoji="0" lang="en-US" altLang="en-US" b="0" i="0" u="none" strike="noStrike" cap="none" normalizeH="0" baseline="0" dirty="0">
+                <a:ln>
+                  <a:noFill/>
+                </a:ln>
+                <a:solidFill>
+                  <a:schemeClr val="bg1"/>
+                </a:solidFill>
+                <a:effectLst/>
+                <a:latin typeface="Helveticasinav" panose="02000503000000020004" pitchFamily="2" charset="-94"/>
+              </a:rPr>
+              <a:t> Traditional marketing methods lack accuracy, </a:t>
+            </a:r>
+          </a:p>
+          <a:p>
+            <a:pPr marR="0" lvl="0" algn="l" defTabSz="914400" rtl="0" eaLnBrk="0" fontAlgn="base" latinLnBrk="0" hangingPunct="0">
+              <a:lnSpc>
+                <a:spcPct val="100000"/>
+              </a:lnSpc>
+              <a:spcBef>
+                <a:spcPct val="0"/>
+              </a:spcBef>
+              <a:spcAft>
+                <a:spcPct val="0"/>
+              </a:spcAft>
+              <a:buClrTx/>
+              <a:buSzTx/>
+              <a:tabLst/>
+            </a:pPr>
+            <a:r>
+              <a:rPr lang="en-US" altLang="en-US" dirty="0">
+                <a:solidFill>
+                  <a:schemeClr val="bg1"/>
+                </a:solidFill>
+                <a:latin typeface="Helveticasinav" panose="02000503000000020004" pitchFamily="2" charset="-94"/>
+              </a:rPr>
+              <a:t>     </a:t>
+            </a:r>
+            <a:r>
+              <a:rPr kumimoji="0" lang="en-US" altLang="en-US" b="0" i="0" u="none" strike="noStrike" cap="none" normalizeH="0" baseline="0" dirty="0">
+                <a:ln>
+                  <a:noFill/>
+                </a:ln>
+                <a:solidFill>
+                  <a:schemeClr val="bg1"/>
+                </a:solidFill>
+                <a:effectLst/>
+                <a:latin typeface="Helveticasinav" panose="02000503000000020004" pitchFamily="2" charset="-94"/>
+              </a:rPr>
+              <a:t>meaning high-risk users are </a:t>
+            </a:r>
+            <a:r>
+              <a:rPr kumimoji="0" lang="en-US" altLang="en-US" b="1" i="0" u="none" strike="noStrike" cap="none" normalizeH="0" baseline="0" dirty="0">
+                <a:ln>
+                  <a:noFill/>
+                </a:ln>
+                <a:solidFill>
+                  <a:schemeClr val="bg1"/>
+                </a:solidFill>
+                <a:effectLst/>
+                <a:latin typeface="Helveticasinav" panose="02000503000000020004" pitchFamily="2" charset="-94"/>
+              </a:rPr>
+              <a:t>not efficiently identified</a:t>
+            </a:r>
+            <a:r>
+              <a:rPr kumimoji="0" lang="en-US" altLang="en-US" b="0" i="0" u="none" strike="noStrike" cap="none" normalizeH="0" baseline="0" dirty="0">
+                <a:ln>
+                  <a:noFill/>
+                </a:ln>
+                <a:solidFill>
+                  <a:schemeClr val="bg1"/>
+                </a:solidFill>
+                <a:effectLst/>
+                <a:latin typeface="Helveticasinav" panose="02000503000000020004" pitchFamily="2" charset="-94"/>
+              </a:rPr>
+              <a:t>. This leads to inefficient </a:t>
+            </a:r>
+          </a:p>
+          <a:p>
+            <a:pPr marR="0" lvl="0" algn="l" defTabSz="914400" rtl="0" eaLnBrk="0" fontAlgn="base" latinLnBrk="0" hangingPunct="0">
+              <a:lnSpc>
+                <a:spcPct val="100000"/>
+              </a:lnSpc>
+              <a:spcBef>
+                <a:spcPct val="0"/>
+              </a:spcBef>
+              <a:spcAft>
+                <a:spcPct val="0"/>
+              </a:spcAft>
+              <a:buClrTx/>
+              <a:buSzTx/>
+              <a:tabLst/>
+            </a:pPr>
+            <a:r>
+              <a:rPr lang="en-US" altLang="en-US" dirty="0">
+                <a:solidFill>
+                  <a:schemeClr val="bg1"/>
+                </a:solidFill>
+                <a:latin typeface="Helveticasinav" panose="02000503000000020004" pitchFamily="2" charset="-94"/>
+              </a:rPr>
+              <a:t>     </a:t>
+            </a:r>
+            <a:r>
+              <a:rPr kumimoji="0" lang="en-US" altLang="en-US" b="0" i="0" u="none" strike="noStrike" cap="none" normalizeH="0" baseline="0" dirty="0">
+                <a:ln>
+                  <a:noFill/>
+                </a:ln>
+                <a:solidFill>
+                  <a:schemeClr val="bg1"/>
+                </a:solidFill>
+                <a:effectLst/>
+                <a:latin typeface="Helveticasinav" panose="02000503000000020004" pitchFamily="2" charset="-94"/>
+              </a:rPr>
+              <a:t>"spray and pray" campaigns. </a:t>
+            </a:r>
+          </a:p>
+        </p:txBody>
+      </p:sp>
+      <p:sp>
+        <p:nvSpPr>
+          <p:cNvPr id="15" name="Rectangle 12">
+            <a:extLst>
+              <a:ext uri="{FF2B5EF4-FFF2-40B4-BE49-F238E27FC236}">
+                <a16:creationId xmlns:a16="http://schemas.microsoft.com/office/drawing/2014/main" id="{D9187241-D18B-0CA4-E4AE-8474AE431B65}"/>
+              </a:ext>
+            </a:extLst>
+          </p:cNvPr>
+          <p:cNvSpPr>
+            <a:spLocks noChangeArrowheads="1"/>
+          </p:cNvSpPr>
+          <p:nvPr/>
+        </p:nvSpPr>
+        <p:spPr bwMode="auto">
+          <a:xfrm>
+            <a:off x="457200" y="5115715"/>
+            <a:ext cx="7931658" cy="553998"/>
+          </a:xfrm>
+          <a:prstGeom prst="rect">
+            <a:avLst/>
+          </a:prstGeom>
+          <a:noFill/>
+          <a:ln>
+            <a:noFill/>
+          </a:ln>
+          <a:effectLst/>
+          <a:extLst>
+            <a:ext uri="{909E8E84-426E-40DD-AFC4-6F175D3DCCD1}">
+              <a14:hiddenFill xmlns:a14="http://schemas.microsoft.com/office/drawing/2010/main">
+                <a:solidFill>
+                  <a:schemeClr val="accent1"/>
+                </a:solidFill>
+              </a14:hiddenFill>
+            </a:ext>
+            <a:ext uri="{91240B29-F687-4F45-9708-019B960494DF}">
+              <a14:hiddenLine xmlns:a14="http://schemas.microsoft.com/office/drawing/2010/main" w="9525">
+                <a:solidFill>
+                  <a:schemeClr val="tx1"/>
+                </a:solidFill>
+                <a:miter lim="800000"/>
+                <a:headEnd/>
+                <a:tailEnd/>
+              </a14:hiddenLine>
+            </a:ext>
+            <a:ext uri="{AF507438-7753-43E0-B8FC-AC1667EBCBE1}">
+              <a14:hiddenEffects xmlns:a14="http://schemas.microsoft.com/office/drawing/2010/main">
+                <a:effectLst>
+                  <a:outerShdw dist="35921" dir="2700000" algn="ctr" rotWithShape="0">
+                    <a:schemeClr val="bg2"/>
+                  </a:outerShdw>
+                </a:effectLst>
+              </a14:hiddenEffects>
+            </a:ext>
+          </a:extLst>
+        </p:spPr>
+        <p:txBody>
+          <a:bodyPr vert="horz" wrap="none" lIns="0" tIns="0" rIns="0" bIns="0" numCol="1" anchor="ctr" anchorCtr="0" compatLnSpc="1">
+            <a:prstTxWarp prst="textNoShape">
+              <a:avLst/>
+            </a:prstTxWarp>
+            <a:spAutoFit/>
+          </a:bodyPr>
+          <a:lstStyle/>
+          <a:p>
+            <a:pPr marL="285750" marR="0" lvl="0" indent="-285750" algn="l" defTabSz="914400" rtl="0" eaLnBrk="0" fontAlgn="base" latinLnBrk="0" hangingPunct="0">
+              <a:lnSpc>
+                <a:spcPct val="100000"/>
+              </a:lnSpc>
+              <a:spcBef>
+                <a:spcPct val="0"/>
+              </a:spcBef>
+              <a:spcAft>
+                <a:spcPct val="0"/>
+              </a:spcAft>
+              <a:buClrTx/>
+              <a:buSzTx/>
+              <a:buFont typeface="Arial" panose="020B0604020202020204" pitchFamily="34" charset="0"/>
+              <a:buChar char="•"/>
+              <a:tabLst/>
+            </a:pPr>
+            <a:r>
+              <a:rPr lang="en-US" b="1" i="0" dirty="0">
+                <a:solidFill>
+                  <a:schemeClr val="bg1"/>
+                </a:solidFill>
+                <a:effectLst/>
+                <a:latin typeface="Helveticasinav" panose="02000503000000020004" pitchFamily="2" charset="-94"/>
+              </a:rPr>
+              <a:t>The Opportunity:</a:t>
+            </a:r>
+            <a:r>
+              <a:rPr lang="en-US" b="0" i="0" dirty="0">
+                <a:solidFill>
+                  <a:schemeClr val="bg1"/>
+                </a:solidFill>
+                <a:effectLst/>
+                <a:latin typeface="Helveticasinav" panose="02000503000000020004" pitchFamily="2" charset="-94"/>
+              </a:rPr>
+              <a:t> Our ML-driven system (</a:t>
+            </a:r>
+            <a:r>
+              <a:rPr lang="en-US" b="0" i="0" dirty="0" err="1">
+                <a:solidFill>
+                  <a:schemeClr val="bg1"/>
+                </a:solidFill>
+                <a:effectLst/>
+                <a:latin typeface="Helveticasinav" panose="02000503000000020004" pitchFamily="2" charset="-94"/>
+              </a:rPr>
+              <a:t>LightGBM</a:t>
+            </a:r>
+            <a:r>
+              <a:rPr lang="en-US" b="0" i="0" dirty="0">
+                <a:solidFill>
+                  <a:schemeClr val="bg1"/>
+                </a:solidFill>
+                <a:effectLst/>
+                <a:latin typeface="Helveticasinav" panose="02000503000000020004" pitchFamily="2" charset="-94"/>
+              </a:rPr>
+              <a:t>) detects subtle churn </a:t>
+            </a:r>
+          </a:p>
+          <a:p>
+            <a:pPr marR="0" lvl="0" algn="l" defTabSz="914400" rtl="0" eaLnBrk="0" fontAlgn="base" latinLnBrk="0" hangingPunct="0">
+              <a:lnSpc>
+                <a:spcPct val="100000"/>
+              </a:lnSpc>
+              <a:spcBef>
+                <a:spcPct val="0"/>
+              </a:spcBef>
+              <a:spcAft>
+                <a:spcPct val="0"/>
+              </a:spcAft>
+              <a:buClrTx/>
+              <a:buSzTx/>
+              <a:tabLst/>
+            </a:pPr>
+            <a:r>
+              <a:rPr lang="en-US" dirty="0">
+                <a:solidFill>
+                  <a:schemeClr val="bg1"/>
+                </a:solidFill>
+                <a:latin typeface="Helveticasinav" panose="02000503000000020004" pitchFamily="2" charset="-94"/>
+              </a:rPr>
+              <a:t>     </a:t>
+            </a:r>
+            <a:r>
+              <a:rPr lang="en-US" b="0" i="0" dirty="0">
+                <a:solidFill>
+                  <a:schemeClr val="bg1"/>
+                </a:solidFill>
+                <a:effectLst/>
+                <a:latin typeface="Helveticasinav" panose="02000503000000020004" pitchFamily="2" charset="-94"/>
+              </a:rPr>
+              <a:t>signals early, such as velocity and basket shrinkage.</a:t>
+            </a:r>
+            <a:endParaRPr kumimoji="0" lang="en-US" altLang="en-US" b="0" i="0" u="none" strike="noStrike" cap="none" normalizeH="0" baseline="0" dirty="0">
+              <a:ln>
+                <a:noFill/>
+              </a:ln>
+              <a:solidFill>
+                <a:schemeClr val="bg1"/>
+              </a:solidFill>
+              <a:effectLst/>
+              <a:latin typeface="Helveticasinav" panose="02000503000000020004" pitchFamily="2" charset="-94"/>
+            </a:endParaRPr>
           </a:p>
         </p:txBody>
       </p:sp>
@@ -3402,6 +4033,9 @@
   <p:clrMapOvr>
     <a:masterClrMapping/>
   </p:clrMapOvr>
+  <p:transition spd="slow">
+    <p:wipe/>
+  </p:transition>
 </p:sld>
 </file>
 
@@ -3432,7 +4066,13 @@
       </p:grpSpPr>
       <p:sp>
         <p:nvSpPr>
-          <p:cNvPr id="3" name="Content Placeholder 2"/>
+          <p:cNvPr id="5" name="Content Placeholder 2">
+            <a:extLst>
+              <a:ext uri="{FF2B5EF4-FFF2-40B4-BE49-F238E27FC236}">
+                <a16:creationId xmlns:a16="http://schemas.microsoft.com/office/drawing/2014/main" id="{027E3064-D203-1B49-20A2-21EB7017F06C}"/>
+              </a:ext>
+            </a:extLst>
+          </p:cNvPr>
           <p:cNvSpPr>
             <a:spLocks noGrp="1"/>
           </p:cNvSpPr>
@@ -3442,72 +4082,837 @@
         </p:nvSpPr>
         <p:spPr>
           <a:xfrm>
-            <a:off x="457200" y="1166018"/>
-            <a:ext cx="8229600" cy="4525963"/>
+            <a:off x="457200" y="641763"/>
+            <a:ext cx="8229600" cy="821278"/>
           </a:xfrm>
         </p:spPr>
         <p:txBody>
-          <a:bodyPr/>
+          <a:bodyPr>
+            <a:normAutofit lnSpcReduction="10000"/>
+          </a:bodyPr>
           <a:lstStyle/>
           <a:p>
-            <a:r>
-              <a:rPr sz="2200" dirty="0">
+            <a:pPr marL="0" indent="0" algn="ctr">
+              <a:buNone/>
+            </a:pPr>
+            <a:r>
+              <a:rPr lang="en-US" sz="2800" b="1" dirty="0">
                 <a:solidFill>
                   <a:srgbClr val="FFFFFF"/>
                 </a:solidFill>
               </a:rPr>
-              <a:t>Current Situation: In the last 6 months, our customer churn rate has surged from 18% to 23%.</a:t>
-            </a:r>
-          </a:p>
-          <a:p>
-            <a:r>
-              <a:rPr sz="2200" dirty="0">
+              <a:t>Our Solution: The Early Warning System</a:t>
+            </a:r>
+          </a:p>
+          <a:p>
+            <a:pPr marL="0" indent="0" algn="ctr">
+              <a:buNone/>
+            </a:pPr>
+            <a:r>
+              <a:rPr lang="en-US" sz="2000" b="1" dirty="0">
                 <a:solidFill>
                   <a:srgbClr val="FFFFFF"/>
                 </a:solidFill>
               </a:rPr>
-              <a:t>The model monitors behavioral patterns: purchase frequency, basket size trends, and product diversity.</a:t>
-            </a:r>
-          </a:p>
-          <a:p>
-            <a:r>
-              <a:rPr sz="2200" dirty="0">
-                <a:solidFill>
-                  <a:srgbClr val="FFFFFF"/>
-                </a:solidFill>
-              </a:rPr>
-              <a:t>Targeted High-Risk Users: ~14,500 users</a:t>
-            </a:r>
-          </a:p>
-          <a:p>
-            <a:r>
-              <a:rPr sz="2200" dirty="0">
-                <a:solidFill>
-                  <a:srgbClr val="FFFFFF"/>
-                </a:solidFill>
-              </a:rPr>
-              <a:t>Purchase Velocity: A sudden drop in ordering speed is the #1 predictor of churn.</a:t>
-            </a:r>
-          </a:p>
-          <a:p>
-            <a:r>
-              <a:rPr sz="2200" dirty="0">
-                <a:solidFill>
-                  <a:srgbClr val="FFFFFF"/>
-                </a:solidFill>
-              </a:rPr>
-              <a:t>Personalized Incentives:</a:t>
-            </a:r>
-          </a:p>
-          <a:p>
-            <a:r>
-              <a:rPr sz="2200" dirty="0">
-                <a:solidFill>
-                  <a:srgbClr val="FFFFFF"/>
-                </a:solidFill>
-              </a:rPr>
-              <a:t>Approval for pilot marketing budget.</a:t>
-            </a:r>
+              <a:t>How the AI Works</a:t>
+            </a:r>
+          </a:p>
+        </p:txBody>
+      </p:sp>
+      <p:sp>
+        <p:nvSpPr>
+          <p:cNvPr id="15" name="Rectangle 9">
+            <a:extLst>
+              <a:ext uri="{FF2B5EF4-FFF2-40B4-BE49-F238E27FC236}">
+                <a16:creationId xmlns:a16="http://schemas.microsoft.com/office/drawing/2014/main" id="{617FF886-E0C9-EB1B-0A93-A4063858AFCE}"/>
+              </a:ext>
+            </a:extLst>
+          </p:cNvPr>
+          <p:cNvSpPr>
+            <a:spLocks noChangeArrowheads="1"/>
+          </p:cNvSpPr>
+          <p:nvPr/>
+        </p:nvSpPr>
+        <p:spPr bwMode="auto">
+          <a:xfrm>
+            <a:off x="548049" y="1761253"/>
+            <a:ext cx="8361263" cy="553998"/>
+          </a:xfrm>
+          <a:prstGeom prst="rect">
+            <a:avLst/>
+          </a:prstGeom>
+          <a:noFill/>
+          <a:ln>
+            <a:noFill/>
+          </a:ln>
+          <a:effectLst/>
+          <a:extLst>
+            <a:ext uri="{909E8E84-426E-40DD-AFC4-6F175D3DCCD1}">
+              <a14:hiddenFill xmlns:a14="http://schemas.microsoft.com/office/drawing/2010/main">
+                <a:solidFill>
+                  <a:schemeClr val="accent1"/>
+                </a:solidFill>
+              </a14:hiddenFill>
+            </a:ext>
+            <a:ext uri="{91240B29-F687-4F45-9708-019B960494DF}">
+              <a14:hiddenLine xmlns:a14="http://schemas.microsoft.com/office/drawing/2010/main" w="9525">
+                <a:solidFill>
+                  <a:schemeClr val="tx1"/>
+                </a:solidFill>
+                <a:miter lim="800000"/>
+                <a:headEnd/>
+                <a:tailEnd/>
+              </a14:hiddenLine>
+            </a:ext>
+            <a:ext uri="{AF507438-7753-43E0-B8FC-AC1667EBCBE1}">
+              <a14:hiddenEffects xmlns:a14="http://schemas.microsoft.com/office/drawing/2010/main">
+                <a:effectLst>
+                  <a:outerShdw dist="35921" dir="2700000" algn="ctr" rotWithShape="0">
+                    <a:schemeClr val="bg2"/>
+                  </a:outerShdw>
+                </a:effectLst>
+              </a14:hiddenEffects>
+            </a:ext>
+          </a:extLst>
+        </p:spPr>
+        <p:txBody>
+          <a:bodyPr vert="horz" wrap="square" lIns="0" tIns="0" rIns="0" bIns="0" numCol="1" anchor="ctr" anchorCtr="0" compatLnSpc="1">
+            <a:prstTxWarp prst="textNoShape">
+              <a:avLst/>
+            </a:prstTxWarp>
+            <a:spAutoFit/>
+          </a:bodyPr>
+          <a:lstStyle/>
+          <a:p>
+            <a:pPr marL="285750" marR="0" lvl="0" indent="-285750" algn="l" defTabSz="914400" rtl="0" eaLnBrk="0" fontAlgn="base" latinLnBrk="0" hangingPunct="0">
+              <a:lnSpc>
+                <a:spcPct val="100000"/>
+              </a:lnSpc>
+              <a:spcBef>
+                <a:spcPct val="0"/>
+              </a:spcBef>
+              <a:spcAft>
+                <a:spcPct val="0"/>
+              </a:spcAft>
+              <a:buClrTx/>
+              <a:buSzTx/>
+              <a:buFont typeface="Arial" panose="020B0604020202020204" pitchFamily="34" charset="0"/>
+              <a:buChar char="•"/>
+              <a:tabLst/>
+            </a:pPr>
+            <a:r>
+              <a:rPr kumimoji="0" lang="en-US" altLang="en-US" b="1" i="0" u="none" strike="noStrike" cap="none" normalizeH="0" baseline="0" dirty="0">
+                <a:ln>
+                  <a:noFill/>
+                </a:ln>
+                <a:solidFill>
+                  <a:schemeClr val="bg1"/>
+                </a:solidFill>
+                <a:effectLst/>
+                <a:latin typeface="Helveticasinav" panose="02000503000000020004" pitchFamily="2" charset="-94"/>
+              </a:rPr>
+              <a:t>Goal:</a:t>
+            </a:r>
+            <a:r>
+              <a:rPr kumimoji="0" lang="en-US" altLang="en-US" b="0" i="0" u="none" strike="noStrike" cap="none" normalizeH="0" baseline="0" dirty="0">
+                <a:ln>
+                  <a:noFill/>
+                </a:ln>
+                <a:solidFill>
+                  <a:schemeClr val="bg1"/>
+                </a:solidFill>
+                <a:effectLst/>
+                <a:latin typeface="Helveticasinav" panose="02000503000000020004" pitchFamily="2" charset="-94"/>
+              </a:rPr>
+              <a:t> To predict customers at risk of churning </a:t>
+            </a:r>
+            <a:r>
+              <a:rPr kumimoji="0" lang="en-US" altLang="en-US" b="1" i="0" u="none" strike="noStrike" cap="none" normalizeH="0" baseline="0" dirty="0">
+                <a:ln>
+                  <a:noFill/>
+                </a:ln>
+                <a:solidFill>
+                  <a:schemeClr val="bg1"/>
+                </a:solidFill>
+                <a:effectLst/>
+                <a:latin typeface="Helveticasinav" panose="02000503000000020004" pitchFamily="2" charset="-94"/>
+              </a:rPr>
+              <a:t>14 days in advance</a:t>
+            </a:r>
+            <a:r>
+              <a:rPr kumimoji="0" lang="en-US" altLang="en-US" b="0" i="0" u="none" strike="noStrike" cap="none" normalizeH="0" baseline="0" dirty="0">
+                <a:ln>
+                  <a:noFill/>
+                </a:ln>
+                <a:solidFill>
+                  <a:schemeClr val="bg1"/>
+                </a:solidFill>
+                <a:effectLst/>
+                <a:latin typeface="Helveticasinav" panose="02000503000000020004" pitchFamily="2" charset="-94"/>
+              </a:rPr>
+              <a:t>, providing the marketing team a critical two-week window for intervention. </a:t>
+            </a:r>
+          </a:p>
+        </p:txBody>
+      </p:sp>
+      <p:sp>
+        <p:nvSpPr>
+          <p:cNvPr id="16" name="Rectangle 10">
+            <a:extLst>
+              <a:ext uri="{FF2B5EF4-FFF2-40B4-BE49-F238E27FC236}">
+                <a16:creationId xmlns:a16="http://schemas.microsoft.com/office/drawing/2014/main" id="{53A1632A-3E03-36E1-6AB4-FECF9237FD82}"/>
+              </a:ext>
+            </a:extLst>
+          </p:cNvPr>
+          <p:cNvSpPr>
+            <a:spLocks noChangeArrowheads="1"/>
+          </p:cNvSpPr>
+          <p:nvPr/>
+        </p:nvSpPr>
+        <p:spPr bwMode="auto">
+          <a:xfrm>
+            <a:off x="548049" y="2605542"/>
+            <a:ext cx="8239435" cy="830997"/>
+          </a:xfrm>
+          <a:prstGeom prst="rect">
+            <a:avLst/>
+          </a:prstGeom>
+          <a:noFill/>
+          <a:ln>
+            <a:noFill/>
+          </a:ln>
+          <a:effectLst/>
+          <a:extLst>
+            <a:ext uri="{909E8E84-426E-40DD-AFC4-6F175D3DCCD1}">
+              <a14:hiddenFill xmlns:a14="http://schemas.microsoft.com/office/drawing/2010/main">
+                <a:solidFill>
+                  <a:schemeClr val="accent1"/>
+                </a:solidFill>
+              </a14:hiddenFill>
+            </a:ext>
+            <a:ext uri="{91240B29-F687-4F45-9708-019B960494DF}">
+              <a14:hiddenLine xmlns:a14="http://schemas.microsoft.com/office/drawing/2010/main" w="9525">
+                <a:solidFill>
+                  <a:schemeClr val="tx1"/>
+                </a:solidFill>
+                <a:miter lim="800000"/>
+                <a:headEnd/>
+                <a:tailEnd/>
+              </a14:hiddenLine>
+            </a:ext>
+            <a:ext uri="{AF507438-7753-43E0-B8FC-AC1667EBCBE1}">
+              <a14:hiddenEffects xmlns:a14="http://schemas.microsoft.com/office/drawing/2010/main">
+                <a:effectLst>
+                  <a:outerShdw dist="35921" dir="2700000" algn="ctr" rotWithShape="0">
+                    <a:schemeClr val="bg2"/>
+                  </a:outerShdw>
+                </a:effectLst>
+              </a14:hiddenEffects>
+            </a:ext>
+          </a:extLst>
+        </p:spPr>
+        <p:txBody>
+          <a:bodyPr vert="horz" wrap="none" lIns="0" tIns="0" rIns="0" bIns="0" numCol="1" anchor="ctr" anchorCtr="0" compatLnSpc="1">
+            <a:prstTxWarp prst="textNoShape">
+              <a:avLst/>
+            </a:prstTxWarp>
+            <a:spAutoFit/>
+          </a:bodyPr>
+          <a:lstStyle/>
+          <a:p>
+            <a:pPr marL="285750" marR="0" lvl="0" indent="-285750" algn="l" defTabSz="914400" rtl="0" eaLnBrk="0" fontAlgn="base" latinLnBrk="0" hangingPunct="0">
+              <a:lnSpc>
+                <a:spcPct val="100000"/>
+              </a:lnSpc>
+              <a:spcBef>
+                <a:spcPct val="0"/>
+              </a:spcBef>
+              <a:spcAft>
+                <a:spcPct val="0"/>
+              </a:spcAft>
+              <a:buClrTx/>
+              <a:buSzTx/>
+              <a:buFont typeface="Arial" panose="020B0604020202020204" pitchFamily="34" charset="0"/>
+              <a:buChar char="•"/>
+              <a:tabLst/>
+            </a:pPr>
+            <a:r>
+              <a:rPr kumimoji="0" lang="en-US" altLang="en-US" b="1" i="0" u="none" strike="noStrike" cap="none" normalizeH="0" baseline="0" dirty="0">
+                <a:ln>
+                  <a:noFill/>
+                </a:ln>
+                <a:solidFill>
+                  <a:schemeClr val="bg1"/>
+                </a:solidFill>
+                <a:effectLst/>
+                <a:latin typeface="Helveticasinav" panose="02000503000000020004" pitchFamily="2" charset="-94"/>
+              </a:rPr>
+              <a:t>AI Technology:</a:t>
+            </a:r>
+            <a:r>
+              <a:rPr kumimoji="0" lang="en-US" altLang="en-US" b="0" i="0" u="none" strike="noStrike" cap="none" normalizeH="0" baseline="0" dirty="0">
+                <a:ln>
+                  <a:noFill/>
+                </a:ln>
+                <a:solidFill>
+                  <a:schemeClr val="bg1"/>
+                </a:solidFill>
+                <a:effectLst/>
+                <a:latin typeface="Helveticasinav" panose="02000503000000020004" pitchFamily="2" charset="-94"/>
+              </a:rPr>
+              <a:t> The system is powered by state-of-the-art Machine Learning </a:t>
+            </a:r>
+          </a:p>
+          <a:p>
+            <a:pPr marR="0" lvl="0" algn="l" defTabSz="914400" rtl="0" eaLnBrk="0" fontAlgn="base" latinLnBrk="0" hangingPunct="0">
+              <a:lnSpc>
+                <a:spcPct val="100000"/>
+              </a:lnSpc>
+              <a:spcBef>
+                <a:spcPct val="0"/>
+              </a:spcBef>
+              <a:spcAft>
+                <a:spcPct val="0"/>
+              </a:spcAft>
+              <a:buClrTx/>
+              <a:buSzTx/>
+              <a:tabLst/>
+            </a:pPr>
+            <a:r>
+              <a:rPr kumimoji="0" lang="en-US" altLang="en-US" b="0" i="0" u="none" strike="noStrike" cap="none" normalizeH="0" baseline="0" dirty="0">
+                <a:ln>
+                  <a:noFill/>
+                </a:ln>
+                <a:solidFill>
+                  <a:schemeClr val="bg1"/>
+                </a:solidFill>
+                <a:effectLst/>
+                <a:latin typeface="Helveticasinav" panose="02000503000000020004" pitchFamily="2" charset="-94"/>
+              </a:rPr>
+              <a:t>     algorithms (</a:t>
+            </a:r>
+            <a:r>
+              <a:rPr kumimoji="0" lang="en-US" altLang="en-US" b="1" i="0" u="none" strike="noStrike" cap="none" normalizeH="0" baseline="0" dirty="0" err="1">
+                <a:ln>
+                  <a:noFill/>
+                </a:ln>
+                <a:solidFill>
+                  <a:schemeClr val="bg1"/>
+                </a:solidFill>
+                <a:effectLst/>
+                <a:latin typeface="Helveticasinav" panose="02000503000000020004" pitchFamily="2" charset="-94"/>
+              </a:rPr>
+              <a:t>LightGBM</a:t>
+            </a:r>
+            <a:r>
+              <a:rPr kumimoji="0" lang="en-US" altLang="en-US" b="0" i="0" u="none" strike="noStrike" cap="none" normalizeH="0" baseline="0" dirty="0">
+                <a:ln>
+                  <a:noFill/>
+                </a:ln>
+                <a:solidFill>
+                  <a:schemeClr val="bg1"/>
+                </a:solidFill>
+                <a:effectLst/>
+                <a:latin typeface="Helveticasinav" panose="02000503000000020004" pitchFamily="2" charset="-94"/>
+              </a:rPr>
+              <a:t>), moving beyond simple rule-based logic to recognize </a:t>
+            </a:r>
+          </a:p>
+          <a:p>
+            <a:pPr marR="0" lvl="0" algn="l" defTabSz="914400" rtl="0" eaLnBrk="0" fontAlgn="base" latinLnBrk="0" hangingPunct="0">
+              <a:lnSpc>
+                <a:spcPct val="100000"/>
+              </a:lnSpc>
+              <a:spcBef>
+                <a:spcPct val="0"/>
+              </a:spcBef>
+              <a:spcAft>
+                <a:spcPct val="0"/>
+              </a:spcAft>
+              <a:buClrTx/>
+              <a:buSzTx/>
+              <a:tabLst/>
+            </a:pPr>
+            <a:r>
+              <a:rPr lang="en-US" altLang="en-US" dirty="0">
+                <a:solidFill>
+                  <a:schemeClr val="bg1"/>
+                </a:solidFill>
+                <a:latin typeface="Helveticasinav" panose="02000503000000020004" pitchFamily="2" charset="-94"/>
+              </a:rPr>
+              <a:t>     </a:t>
+            </a:r>
+            <a:r>
+              <a:rPr kumimoji="0" lang="en-US" altLang="en-US" b="0" i="0" u="none" strike="noStrike" cap="none" normalizeH="0" baseline="0" dirty="0">
+                <a:ln>
+                  <a:noFill/>
+                </a:ln>
+                <a:solidFill>
+                  <a:schemeClr val="bg1"/>
+                </a:solidFill>
+                <a:effectLst/>
+                <a:latin typeface="Helveticasinav" panose="02000503000000020004" pitchFamily="2" charset="-94"/>
+              </a:rPr>
+              <a:t>complex churn signals. </a:t>
+            </a:r>
+          </a:p>
+        </p:txBody>
+      </p:sp>
+      <p:sp>
+        <p:nvSpPr>
+          <p:cNvPr id="17" name="Rectangle 11">
+            <a:extLst>
+              <a:ext uri="{FF2B5EF4-FFF2-40B4-BE49-F238E27FC236}">
+                <a16:creationId xmlns:a16="http://schemas.microsoft.com/office/drawing/2014/main" id="{7A309DDD-467B-7AA5-7603-7C726067A794}"/>
+              </a:ext>
+            </a:extLst>
+          </p:cNvPr>
+          <p:cNvSpPr>
+            <a:spLocks noChangeArrowheads="1"/>
+          </p:cNvSpPr>
+          <p:nvPr/>
+        </p:nvSpPr>
+        <p:spPr bwMode="auto">
+          <a:xfrm>
+            <a:off x="548050" y="3804222"/>
+            <a:ext cx="8059899" cy="553998"/>
+          </a:xfrm>
+          <a:prstGeom prst="rect">
+            <a:avLst/>
+          </a:prstGeom>
+          <a:noFill/>
+          <a:ln>
+            <a:noFill/>
+          </a:ln>
+          <a:effectLst/>
+          <a:extLst>
+            <a:ext uri="{909E8E84-426E-40DD-AFC4-6F175D3DCCD1}">
+              <a14:hiddenFill xmlns:a14="http://schemas.microsoft.com/office/drawing/2010/main">
+                <a:solidFill>
+                  <a:schemeClr val="accent1"/>
+                </a:solidFill>
+              </a14:hiddenFill>
+            </a:ext>
+            <a:ext uri="{91240B29-F687-4F45-9708-019B960494DF}">
+              <a14:hiddenLine xmlns:a14="http://schemas.microsoft.com/office/drawing/2010/main" w="9525">
+                <a:solidFill>
+                  <a:schemeClr val="tx1"/>
+                </a:solidFill>
+                <a:miter lim="800000"/>
+                <a:headEnd/>
+                <a:tailEnd/>
+              </a14:hiddenLine>
+            </a:ext>
+            <a:ext uri="{AF507438-7753-43E0-B8FC-AC1667EBCBE1}">
+              <a14:hiddenEffects xmlns:a14="http://schemas.microsoft.com/office/drawing/2010/main">
+                <a:effectLst>
+                  <a:outerShdw dist="35921" dir="2700000" algn="ctr" rotWithShape="0">
+                    <a:schemeClr val="bg2"/>
+                  </a:outerShdw>
+                </a:effectLst>
+              </a14:hiddenEffects>
+            </a:ext>
+          </a:extLst>
+        </p:spPr>
+        <p:txBody>
+          <a:bodyPr vert="horz" wrap="none" lIns="0" tIns="0" rIns="0" bIns="0" numCol="1" anchor="ctr" anchorCtr="0" compatLnSpc="1">
+            <a:prstTxWarp prst="textNoShape">
+              <a:avLst/>
+            </a:prstTxWarp>
+            <a:spAutoFit/>
+          </a:bodyPr>
+          <a:lstStyle/>
+          <a:p>
+            <a:pPr marL="285750" marR="0" lvl="0" indent="-285750" algn="l" defTabSz="914400" rtl="0" eaLnBrk="0" fontAlgn="base" latinLnBrk="0" hangingPunct="0">
+              <a:lnSpc>
+                <a:spcPct val="100000"/>
+              </a:lnSpc>
+              <a:spcBef>
+                <a:spcPct val="0"/>
+              </a:spcBef>
+              <a:spcAft>
+                <a:spcPct val="0"/>
+              </a:spcAft>
+              <a:buClrTx/>
+              <a:buSzTx/>
+              <a:buFont typeface="Arial" panose="020B0604020202020204" pitchFamily="34" charset="0"/>
+              <a:buChar char="•"/>
+              <a:tabLst/>
+            </a:pPr>
+            <a:r>
+              <a:rPr lang="en-US" b="1" i="0" dirty="0">
+                <a:solidFill>
+                  <a:schemeClr val="bg1"/>
+                </a:solidFill>
+                <a:effectLst/>
+                <a:latin typeface="Helveticasinav" panose="02000503000000020004" pitchFamily="2" charset="-94"/>
+              </a:rPr>
+              <a:t>Key Monitoring Features:</a:t>
+            </a:r>
+            <a:r>
+              <a:rPr lang="en-US" b="0" i="0" dirty="0">
+                <a:solidFill>
+                  <a:schemeClr val="bg1"/>
+                </a:solidFill>
+                <a:effectLst/>
+                <a:latin typeface="Helveticasinav" panose="02000503000000020004" pitchFamily="2" charset="-94"/>
+              </a:rPr>
+              <a:t> The model monitors crucial behavioral patterns, </a:t>
+            </a:r>
+          </a:p>
+          <a:p>
+            <a:pPr marR="0" lvl="0" algn="l" defTabSz="914400" rtl="0" eaLnBrk="0" fontAlgn="base" latinLnBrk="0" hangingPunct="0">
+              <a:lnSpc>
+                <a:spcPct val="100000"/>
+              </a:lnSpc>
+              <a:spcBef>
+                <a:spcPct val="0"/>
+              </a:spcBef>
+              <a:spcAft>
+                <a:spcPct val="0"/>
+              </a:spcAft>
+              <a:buClrTx/>
+              <a:buSzTx/>
+              <a:tabLst/>
+            </a:pPr>
+            <a:r>
+              <a:rPr lang="en-US" b="0" i="0" dirty="0">
+                <a:solidFill>
+                  <a:schemeClr val="bg1"/>
+                </a:solidFill>
+                <a:effectLst/>
+                <a:latin typeface="Helveticasinav" panose="02000503000000020004" pitchFamily="2" charset="-94"/>
+              </a:rPr>
+              <a:t>     including purchase frequency, basket size trends, and product diversity.</a:t>
+            </a:r>
+            <a:endParaRPr kumimoji="0" lang="en-US" altLang="en-US" b="0" i="0" u="none" strike="noStrike" cap="none" normalizeH="0" baseline="0" dirty="0">
+              <a:ln>
+                <a:noFill/>
+              </a:ln>
+              <a:solidFill>
+                <a:schemeClr val="bg1"/>
+              </a:solidFill>
+              <a:effectLst/>
+              <a:latin typeface="Helveticasinav" panose="02000503000000020004" pitchFamily="2" charset="-94"/>
+            </a:endParaRPr>
+          </a:p>
+        </p:txBody>
+      </p:sp>
+      <p:sp>
+        <p:nvSpPr>
+          <p:cNvPr id="19" name="Rectangle 12">
+            <a:extLst>
+              <a:ext uri="{FF2B5EF4-FFF2-40B4-BE49-F238E27FC236}">
+                <a16:creationId xmlns:a16="http://schemas.microsoft.com/office/drawing/2014/main" id="{74B0D8A1-78EF-9D67-21C2-D77A2BEFC29B}"/>
+              </a:ext>
+            </a:extLst>
+          </p:cNvPr>
+          <p:cNvSpPr>
+            <a:spLocks noChangeArrowheads="1"/>
+          </p:cNvSpPr>
+          <p:nvPr/>
+        </p:nvSpPr>
+        <p:spPr bwMode="auto">
+          <a:xfrm>
+            <a:off x="548050" y="4700216"/>
+            <a:ext cx="8059899" cy="553998"/>
+          </a:xfrm>
+          <a:prstGeom prst="rect">
+            <a:avLst/>
+          </a:prstGeom>
+          <a:noFill/>
+          <a:ln>
+            <a:noFill/>
+          </a:ln>
+          <a:effectLst/>
+          <a:extLst>
+            <a:ext uri="{909E8E84-426E-40DD-AFC4-6F175D3DCCD1}">
+              <a14:hiddenFill xmlns:a14="http://schemas.microsoft.com/office/drawing/2010/main">
+                <a:solidFill>
+                  <a:schemeClr val="accent1"/>
+                </a:solidFill>
+              </a14:hiddenFill>
+            </a:ext>
+            <a:ext uri="{91240B29-F687-4F45-9708-019B960494DF}">
+              <a14:hiddenLine xmlns:a14="http://schemas.microsoft.com/office/drawing/2010/main" w="9525">
+                <a:solidFill>
+                  <a:schemeClr val="tx1"/>
+                </a:solidFill>
+                <a:miter lim="800000"/>
+                <a:headEnd/>
+                <a:tailEnd/>
+              </a14:hiddenLine>
+            </a:ext>
+            <a:ext uri="{AF507438-7753-43E0-B8FC-AC1667EBCBE1}">
+              <a14:hiddenEffects xmlns:a14="http://schemas.microsoft.com/office/drawing/2010/main">
+                <a:effectLst>
+                  <a:outerShdw dist="35921" dir="2700000" algn="ctr" rotWithShape="0">
+                    <a:schemeClr val="bg2"/>
+                  </a:outerShdw>
+                </a:effectLst>
+              </a14:hiddenEffects>
+            </a:ext>
+          </a:extLst>
+        </p:spPr>
+        <p:txBody>
+          <a:bodyPr vert="horz" wrap="none" lIns="0" tIns="0" rIns="0" bIns="0" numCol="1" anchor="ctr" anchorCtr="0" compatLnSpc="1">
+            <a:prstTxWarp prst="textNoShape">
+              <a:avLst/>
+            </a:prstTxWarp>
+            <a:spAutoFit/>
+          </a:bodyPr>
+          <a:lstStyle/>
+          <a:p>
+            <a:pPr marL="285750" marR="0" lvl="0" indent="-285750" algn="l" defTabSz="914400" rtl="0" eaLnBrk="0" fontAlgn="base" latinLnBrk="0" hangingPunct="0">
+              <a:lnSpc>
+                <a:spcPct val="100000"/>
+              </a:lnSpc>
+              <a:spcBef>
+                <a:spcPct val="0"/>
+              </a:spcBef>
+              <a:spcAft>
+                <a:spcPct val="0"/>
+              </a:spcAft>
+              <a:buClrTx/>
+              <a:buSzTx/>
+              <a:buFont typeface="Arial" panose="020B0604020202020204" pitchFamily="34" charset="0"/>
+              <a:buChar char="•"/>
+              <a:tabLst/>
+            </a:pPr>
+            <a:r>
+              <a:rPr lang="en-US" b="1" i="0" dirty="0">
+                <a:solidFill>
+                  <a:schemeClr val="bg1"/>
+                </a:solidFill>
+                <a:effectLst/>
+                <a:latin typeface="Helveticasinav" panose="02000503000000020004" pitchFamily="2" charset="-94"/>
+              </a:rPr>
+              <a:t>Top Predictor:</a:t>
+            </a:r>
+            <a:r>
+              <a:rPr lang="en-US" b="0" i="0" dirty="0">
+                <a:solidFill>
+                  <a:schemeClr val="bg1"/>
+                </a:solidFill>
+                <a:effectLst/>
+                <a:latin typeface="Helveticasinav" panose="02000503000000020004" pitchFamily="2" charset="-94"/>
+              </a:rPr>
+              <a:t> </a:t>
+            </a:r>
+            <a:r>
+              <a:rPr lang="en-US" b="1" i="0" dirty="0">
+                <a:solidFill>
+                  <a:schemeClr val="bg1"/>
+                </a:solidFill>
+                <a:effectLst/>
+                <a:latin typeface="Helveticasinav" panose="02000503000000020004" pitchFamily="2" charset="-94"/>
+              </a:rPr>
+              <a:t>Purchase Velocity (A sudden drop in ordering speed)</a:t>
+            </a:r>
+            <a:r>
+              <a:rPr lang="en-US" b="0" i="0" dirty="0">
+                <a:solidFill>
+                  <a:schemeClr val="bg1"/>
+                </a:solidFill>
+                <a:effectLst/>
+                <a:latin typeface="Helveticasinav" panose="02000503000000020004" pitchFamily="2" charset="-94"/>
+              </a:rPr>
+              <a:t> is </a:t>
+            </a:r>
+          </a:p>
+          <a:p>
+            <a:pPr marR="0" lvl="0" algn="l" defTabSz="914400" rtl="0" eaLnBrk="0" fontAlgn="base" latinLnBrk="0" hangingPunct="0">
+              <a:lnSpc>
+                <a:spcPct val="100000"/>
+              </a:lnSpc>
+              <a:spcBef>
+                <a:spcPct val="0"/>
+              </a:spcBef>
+              <a:spcAft>
+                <a:spcPct val="0"/>
+              </a:spcAft>
+              <a:buClrTx/>
+              <a:buSzTx/>
+              <a:tabLst/>
+            </a:pPr>
+            <a:r>
+              <a:rPr lang="en-US" dirty="0">
+                <a:solidFill>
+                  <a:schemeClr val="bg1"/>
+                </a:solidFill>
+                <a:latin typeface="Helveticasinav" panose="02000503000000020004" pitchFamily="2" charset="-94"/>
+              </a:rPr>
+              <a:t>     </a:t>
+            </a:r>
+            <a:r>
+              <a:rPr lang="en-US" b="0" i="0" dirty="0">
+                <a:solidFill>
+                  <a:schemeClr val="bg1"/>
+                </a:solidFill>
+                <a:effectLst/>
+                <a:latin typeface="Helveticasinav" panose="02000503000000020004" pitchFamily="2" charset="-94"/>
+              </a:rPr>
+              <a:t>the 1 predictor of churn.</a:t>
+            </a:r>
+            <a:endParaRPr kumimoji="0" lang="en-US" altLang="en-US" b="0" i="0" u="none" strike="noStrike" cap="none" normalizeH="0" baseline="0" dirty="0">
+              <a:ln>
+                <a:noFill/>
+              </a:ln>
+              <a:solidFill>
+                <a:schemeClr val="bg1"/>
+              </a:solidFill>
+              <a:effectLst/>
+              <a:latin typeface="Helveticasinav" panose="02000503000000020004" pitchFamily="2" charset="-94"/>
+            </a:endParaRPr>
+          </a:p>
+        </p:txBody>
+      </p:sp>
+      <p:sp>
+        <p:nvSpPr>
+          <p:cNvPr id="20" name="Rectangle 12">
+            <a:extLst>
+              <a:ext uri="{FF2B5EF4-FFF2-40B4-BE49-F238E27FC236}">
+                <a16:creationId xmlns:a16="http://schemas.microsoft.com/office/drawing/2014/main" id="{C9E35690-5574-7D94-DB1C-D0E64CD25C9D}"/>
+              </a:ext>
+            </a:extLst>
+          </p:cNvPr>
+          <p:cNvSpPr>
+            <a:spLocks noChangeArrowheads="1"/>
+          </p:cNvSpPr>
+          <p:nvPr/>
+        </p:nvSpPr>
+        <p:spPr bwMode="auto">
+          <a:xfrm>
+            <a:off x="548050" y="5620407"/>
+            <a:ext cx="8303555" cy="553998"/>
+          </a:xfrm>
+          <a:prstGeom prst="rect">
+            <a:avLst/>
+          </a:prstGeom>
+          <a:noFill/>
+          <a:ln>
+            <a:noFill/>
+          </a:ln>
+          <a:effectLst/>
+          <a:extLst>
+            <a:ext uri="{909E8E84-426E-40DD-AFC4-6F175D3DCCD1}">
+              <a14:hiddenFill xmlns:a14="http://schemas.microsoft.com/office/drawing/2010/main">
+                <a:solidFill>
+                  <a:schemeClr val="accent1"/>
+                </a:solidFill>
+              </a14:hiddenFill>
+            </a:ext>
+            <a:ext uri="{91240B29-F687-4F45-9708-019B960494DF}">
+              <a14:hiddenLine xmlns:a14="http://schemas.microsoft.com/office/drawing/2010/main" w="9525">
+                <a:solidFill>
+                  <a:schemeClr val="tx1"/>
+                </a:solidFill>
+                <a:miter lim="800000"/>
+                <a:headEnd/>
+                <a:tailEnd/>
+              </a14:hiddenLine>
+            </a:ext>
+            <a:ext uri="{AF507438-7753-43E0-B8FC-AC1667EBCBE1}">
+              <a14:hiddenEffects xmlns:a14="http://schemas.microsoft.com/office/drawing/2010/main">
+                <a:effectLst>
+                  <a:outerShdw dist="35921" dir="2700000" algn="ctr" rotWithShape="0">
+                    <a:schemeClr val="bg2"/>
+                  </a:outerShdw>
+                </a:effectLst>
+              </a14:hiddenEffects>
+            </a:ext>
+          </a:extLst>
+        </p:spPr>
+        <p:txBody>
+          <a:bodyPr vert="horz" wrap="none" lIns="0" tIns="0" rIns="0" bIns="0" numCol="1" anchor="ctr" anchorCtr="0" compatLnSpc="1">
+            <a:prstTxWarp prst="textNoShape">
+              <a:avLst/>
+            </a:prstTxWarp>
+            <a:spAutoFit/>
+          </a:bodyPr>
+          <a:lstStyle/>
+          <a:p>
+            <a:pPr marL="285750" marR="0" lvl="0" indent="-285750" algn="l" defTabSz="914400" rtl="0" eaLnBrk="0" fontAlgn="base" latinLnBrk="0" hangingPunct="0">
+              <a:lnSpc>
+                <a:spcPct val="100000"/>
+              </a:lnSpc>
+              <a:spcBef>
+                <a:spcPct val="0"/>
+              </a:spcBef>
+              <a:spcAft>
+                <a:spcPct val="0"/>
+              </a:spcAft>
+              <a:buClrTx/>
+              <a:buSzTx/>
+              <a:buFont typeface="Arial" panose="020B0604020202020204" pitchFamily="34" charset="0"/>
+              <a:buChar char="•"/>
+              <a:tabLst/>
+            </a:pPr>
+            <a:r>
+              <a:rPr lang="en-US" b="1" i="0" dirty="0">
+                <a:solidFill>
+                  <a:schemeClr val="bg1"/>
+                </a:solidFill>
+                <a:effectLst/>
+                <a:latin typeface="Helveticasinav" panose="02000503000000020004" pitchFamily="2" charset="-94"/>
+              </a:rPr>
+              <a:t>Data Foundation:</a:t>
+            </a:r>
+            <a:r>
+              <a:rPr lang="en-US" b="0" i="0" dirty="0">
+                <a:solidFill>
+                  <a:schemeClr val="bg1"/>
+                </a:solidFill>
+                <a:effectLst/>
+                <a:latin typeface="Helveticasinav" panose="02000503000000020004" pitchFamily="2" charset="-94"/>
+              </a:rPr>
+              <a:t> We built this intelligent Early Warning System by analyzing </a:t>
+            </a:r>
+          </a:p>
+          <a:p>
+            <a:pPr marR="0" lvl="0" algn="l" defTabSz="914400" rtl="0" eaLnBrk="0" fontAlgn="base" latinLnBrk="0" hangingPunct="0">
+              <a:lnSpc>
+                <a:spcPct val="100000"/>
+              </a:lnSpc>
+              <a:spcBef>
+                <a:spcPct val="0"/>
+              </a:spcBef>
+              <a:spcAft>
+                <a:spcPct val="0"/>
+              </a:spcAft>
+              <a:buClrTx/>
+              <a:buSzTx/>
+              <a:tabLst/>
+            </a:pPr>
+            <a:r>
+              <a:rPr lang="en-US" dirty="0">
+                <a:solidFill>
+                  <a:schemeClr val="bg1"/>
+                </a:solidFill>
+                <a:latin typeface="Helveticasinav" panose="02000503000000020004" pitchFamily="2" charset="-94"/>
+              </a:rPr>
+              <a:t>     </a:t>
+            </a:r>
+            <a:r>
+              <a:rPr lang="en-US" b="1" i="0" dirty="0">
+                <a:solidFill>
+                  <a:schemeClr val="bg1"/>
+                </a:solidFill>
+                <a:effectLst/>
+                <a:latin typeface="Helveticasinav" panose="02000503000000020004" pitchFamily="2" charset="-94"/>
+              </a:rPr>
+              <a:t>over 3 Million historical orders.</a:t>
+            </a:r>
+            <a:endParaRPr kumimoji="0" lang="en-US" altLang="en-US" b="0" i="0" u="none" strike="noStrike" cap="none" normalizeH="0" baseline="0" dirty="0">
+              <a:ln>
+                <a:noFill/>
+              </a:ln>
+              <a:solidFill>
+                <a:schemeClr val="bg1"/>
+              </a:solidFill>
+              <a:effectLst/>
+              <a:latin typeface="Helveticasinav" panose="02000503000000020004" pitchFamily="2" charset="-94"/>
+            </a:endParaRPr>
           </a:p>
         </p:txBody>
       </p:sp>
@@ -3516,6 +4921,9 @@
   <p:clrMapOvr>
     <a:masterClrMapping/>
   </p:clrMapOvr>
+  <p:transition spd="slow">
+    <p:wipe dir="r"/>
+  </p:transition>
 </p:sld>
 </file>
 
@@ -3546,108 +4954,856 @@
       </p:grpSpPr>
       <p:sp>
         <p:nvSpPr>
-          <p:cNvPr id="3" name="Content Placeholder 2"/>
-          <p:cNvSpPr>
-            <a:spLocks noGrp="1"/>
+          <p:cNvPr id="2" name="Content Placeholder 2">
+            <a:extLst>
+              <a:ext uri="{FF2B5EF4-FFF2-40B4-BE49-F238E27FC236}">
+                <a16:creationId xmlns:a16="http://schemas.microsoft.com/office/drawing/2014/main" id="{2783CE2E-7D2C-47F5-D9FD-BC029130DF25}"/>
+              </a:ext>
+            </a:extLst>
+          </p:cNvPr>
+          <p:cNvSpPr txBox="1">
+            <a:spLocks/>
           </p:cNvSpPr>
-          <p:nvPr>
-            <p:ph idx="1"/>
-          </p:nvPr>
+          <p:nvPr/>
         </p:nvSpPr>
         <p:spPr>
           <a:xfrm>
-            <a:off x="457200" y="1337553"/>
-            <a:ext cx="8229600" cy="4525963"/>
+            <a:off x="457200" y="641763"/>
+            <a:ext cx="8229600" cy="821278"/>
           </a:xfrm>
+          <a:prstGeom prst="rect">
+            <a:avLst/>
+          </a:prstGeom>
         </p:spPr>
         <p:txBody>
-          <a:bodyPr/>
+          <a:bodyPr vert="horz" lIns="91440" tIns="45720" rIns="91440" bIns="45720" rtlCol="0">
+            <a:normAutofit lnSpcReduction="10000"/>
+          </a:bodyPr>
+          <a:lstStyle>
+            <a:lvl1pPr marL="342900" indent="-342900" algn="l" defTabSz="457200" rtl="0" eaLnBrk="1" latinLnBrk="0" hangingPunct="1">
+              <a:spcBef>
+                <a:spcPct val="20000"/>
+              </a:spcBef>
+              <a:buFont typeface="Arial"/>
+              <a:buChar char="•"/>
+              <a:defRPr sz="3200" kern="1200">
+                <a:solidFill>
+                  <a:schemeClr val="tx1"/>
+                </a:solidFill>
+                <a:latin typeface="+mn-lt"/>
+                <a:ea typeface="+mn-ea"/>
+                <a:cs typeface="+mn-cs"/>
+              </a:defRPr>
+            </a:lvl1pPr>
+            <a:lvl2pPr marL="742950" indent="-285750" algn="l" defTabSz="457200" rtl="0" eaLnBrk="1" latinLnBrk="0" hangingPunct="1">
+              <a:spcBef>
+                <a:spcPct val="20000"/>
+              </a:spcBef>
+              <a:buFont typeface="Arial"/>
+              <a:buChar char="–"/>
+              <a:defRPr sz="2800" kern="1200">
+                <a:solidFill>
+                  <a:schemeClr val="tx1"/>
+                </a:solidFill>
+                <a:latin typeface="+mn-lt"/>
+                <a:ea typeface="+mn-ea"/>
+                <a:cs typeface="+mn-cs"/>
+              </a:defRPr>
+            </a:lvl2pPr>
+            <a:lvl3pPr marL="1143000" indent="-228600" algn="l" defTabSz="457200" rtl="0" eaLnBrk="1" latinLnBrk="0" hangingPunct="1">
+              <a:spcBef>
+                <a:spcPct val="20000"/>
+              </a:spcBef>
+              <a:buFont typeface="Arial"/>
+              <a:buChar char="•"/>
+              <a:defRPr sz="2400" kern="1200">
+                <a:solidFill>
+                  <a:schemeClr val="tx1"/>
+                </a:solidFill>
+                <a:latin typeface="+mn-lt"/>
+                <a:ea typeface="+mn-ea"/>
+                <a:cs typeface="+mn-cs"/>
+              </a:defRPr>
+            </a:lvl3pPr>
+            <a:lvl4pPr marL="1600200" indent="-228600" algn="l" defTabSz="457200" rtl="0" eaLnBrk="1" latinLnBrk="0" hangingPunct="1">
+              <a:spcBef>
+                <a:spcPct val="20000"/>
+              </a:spcBef>
+              <a:buFont typeface="Arial"/>
+              <a:buChar char="–"/>
+              <a:defRPr sz="2000" kern="1200">
+                <a:solidFill>
+                  <a:schemeClr val="tx1"/>
+                </a:solidFill>
+                <a:latin typeface="+mn-lt"/>
+                <a:ea typeface="+mn-ea"/>
+                <a:cs typeface="+mn-cs"/>
+              </a:defRPr>
+            </a:lvl4pPr>
+            <a:lvl5pPr marL="2057400" indent="-228600" algn="l" defTabSz="457200" rtl="0" eaLnBrk="1" latinLnBrk="0" hangingPunct="1">
+              <a:spcBef>
+                <a:spcPct val="20000"/>
+              </a:spcBef>
+              <a:buFont typeface="Arial"/>
+              <a:buChar char="»"/>
+              <a:defRPr sz="2000" kern="1200">
+                <a:solidFill>
+                  <a:schemeClr val="tx1"/>
+                </a:solidFill>
+                <a:latin typeface="+mn-lt"/>
+                <a:ea typeface="+mn-ea"/>
+                <a:cs typeface="+mn-cs"/>
+              </a:defRPr>
+            </a:lvl5pPr>
+            <a:lvl6pPr marL="2514600" indent="-228600" algn="l" defTabSz="457200" rtl="0" eaLnBrk="1" latinLnBrk="0" hangingPunct="1">
+              <a:spcBef>
+                <a:spcPct val="20000"/>
+              </a:spcBef>
+              <a:buFont typeface="Arial"/>
+              <a:buChar char="•"/>
+              <a:defRPr sz="2000" kern="1200">
+                <a:solidFill>
+                  <a:schemeClr val="tx1"/>
+                </a:solidFill>
+                <a:latin typeface="+mn-lt"/>
+                <a:ea typeface="+mn-ea"/>
+                <a:cs typeface="+mn-cs"/>
+              </a:defRPr>
+            </a:lvl6pPr>
+            <a:lvl7pPr marL="2971800" indent="-228600" algn="l" defTabSz="457200" rtl="0" eaLnBrk="1" latinLnBrk="0" hangingPunct="1">
+              <a:spcBef>
+                <a:spcPct val="20000"/>
+              </a:spcBef>
+              <a:buFont typeface="Arial"/>
+              <a:buChar char="•"/>
+              <a:defRPr sz="2000" kern="1200">
+                <a:solidFill>
+                  <a:schemeClr val="tx1"/>
+                </a:solidFill>
+                <a:latin typeface="+mn-lt"/>
+                <a:ea typeface="+mn-ea"/>
+                <a:cs typeface="+mn-cs"/>
+              </a:defRPr>
+            </a:lvl7pPr>
+            <a:lvl8pPr marL="3429000" indent="-228600" algn="l" defTabSz="457200" rtl="0" eaLnBrk="1" latinLnBrk="0" hangingPunct="1">
+              <a:spcBef>
+                <a:spcPct val="20000"/>
+              </a:spcBef>
+              <a:buFont typeface="Arial"/>
+              <a:buChar char="•"/>
+              <a:defRPr sz="2000" kern="1200">
+                <a:solidFill>
+                  <a:schemeClr val="tx1"/>
+                </a:solidFill>
+                <a:latin typeface="+mn-lt"/>
+                <a:ea typeface="+mn-ea"/>
+                <a:cs typeface="+mn-cs"/>
+              </a:defRPr>
+            </a:lvl8pPr>
+            <a:lvl9pPr marL="3886200" indent="-228600" algn="l" defTabSz="457200" rtl="0" eaLnBrk="1" latinLnBrk="0" hangingPunct="1">
+              <a:spcBef>
+                <a:spcPct val="20000"/>
+              </a:spcBef>
+              <a:buFont typeface="Arial"/>
+              <a:buChar char="•"/>
+              <a:defRPr sz="2000" kern="1200">
+                <a:solidFill>
+                  <a:schemeClr val="tx1"/>
+                </a:solidFill>
+                <a:latin typeface="+mn-lt"/>
+                <a:ea typeface="+mn-ea"/>
+                <a:cs typeface="+mn-cs"/>
+              </a:defRPr>
+            </a:lvl9pPr>
+          </a:lstStyle>
+          <a:p>
+            <a:pPr marL="0" indent="0" algn="ctr">
+              <a:buFont typeface="Arial"/>
+              <a:buNone/>
+            </a:pPr>
+            <a:r>
+              <a:rPr lang="en-US" sz="2800" b="1" dirty="0">
+                <a:solidFill>
+                  <a:srgbClr val="FFFFFF"/>
+                </a:solidFill>
+              </a:rPr>
+              <a:t>Intervention Strategy and Cost</a:t>
+            </a:r>
+          </a:p>
+          <a:p>
+            <a:pPr marL="0" indent="0" algn="ctr">
+              <a:buFont typeface="Arial"/>
+              <a:buNone/>
+            </a:pPr>
+            <a:r>
+              <a:rPr lang="en-US" sz="2000" b="1" dirty="0">
+                <a:solidFill>
+                  <a:srgbClr val="FFFFFF"/>
+                </a:solidFill>
+              </a:rPr>
+              <a:t>Action Plan and Budget</a:t>
+            </a:r>
+          </a:p>
+        </p:txBody>
+      </p:sp>
+      <p:sp>
+        <p:nvSpPr>
+          <p:cNvPr id="8" name="Rectangle 9">
+            <a:extLst>
+              <a:ext uri="{FF2B5EF4-FFF2-40B4-BE49-F238E27FC236}">
+                <a16:creationId xmlns:a16="http://schemas.microsoft.com/office/drawing/2014/main" id="{5D50ECCD-0537-4681-AEB0-72F8DA759E23}"/>
+              </a:ext>
+            </a:extLst>
+          </p:cNvPr>
+          <p:cNvSpPr>
+            <a:spLocks noChangeArrowheads="1"/>
+          </p:cNvSpPr>
+          <p:nvPr/>
+        </p:nvSpPr>
+        <p:spPr bwMode="auto">
+          <a:xfrm>
+            <a:off x="548050" y="1761253"/>
+            <a:ext cx="8361263" cy="553998"/>
+          </a:xfrm>
+          <a:prstGeom prst="rect">
+            <a:avLst/>
+          </a:prstGeom>
+          <a:noFill/>
+          <a:ln>
+            <a:noFill/>
+          </a:ln>
+          <a:effectLst/>
+          <a:extLst>
+            <a:ext uri="{909E8E84-426E-40DD-AFC4-6F175D3DCCD1}">
+              <a14:hiddenFill xmlns:a14="http://schemas.microsoft.com/office/drawing/2010/main">
+                <a:solidFill>
+                  <a:schemeClr val="accent1"/>
+                </a:solidFill>
+              </a14:hiddenFill>
+            </a:ext>
+            <a:ext uri="{91240B29-F687-4F45-9708-019B960494DF}">
+              <a14:hiddenLine xmlns:a14="http://schemas.microsoft.com/office/drawing/2010/main" w="9525">
+                <a:solidFill>
+                  <a:schemeClr val="tx1"/>
+                </a:solidFill>
+                <a:miter lim="800000"/>
+                <a:headEnd/>
+                <a:tailEnd/>
+              </a14:hiddenLine>
+            </a:ext>
+            <a:ext uri="{AF507438-7753-43E0-B8FC-AC1667EBCBE1}">
+              <a14:hiddenEffects xmlns:a14="http://schemas.microsoft.com/office/drawing/2010/main">
+                <a:effectLst>
+                  <a:outerShdw dist="35921" dir="2700000" algn="ctr" rotWithShape="0">
+                    <a:schemeClr val="bg2"/>
+                  </a:outerShdw>
+                </a:effectLst>
+              </a14:hiddenEffects>
+            </a:ext>
+          </a:extLst>
+        </p:spPr>
+        <p:txBody>
+          <a:bodyPr vert="horz" wrap="square" lIns="0" tIns="0" rIns="0" bIns="0" numCol="1" anchor="ctr" anchorCtr="0" compatLnSpc="1">
+            <a:prstTxWarp prst="textNoShape">
+              <a:avLst/>
+            </a:prstTxWarp>
+            <a:spAutoFit/>
+          </a:bodyPr>
           <a:lstStyle/>
           <a:p>
-            <a:r>
-              <a:rPr sz="2200" dirty="0">
-                <a:solidFill>
-                  <a:srgbClr val="FFFFFF"/>
-                </a:solidFill>
-              </a:rPr>
-              <a:t>Project Title: </a:t>
-            </a:r>
-            <a:r>
-              <a:rPr sz="2200" dirty="0" err="1">
-                <a:solidFill>
-                  <a:srgbClr val="FFFFFF"/>
-                </a:solidFill>
-              </a:rPr>
-              <a:t>FreshCart</a:t>
-            </a:r>
-            <a:r>
-              <a:rPr sz="2200" dirty="0">
-                <a:solidFill>
-                  <a:srgbClr val="FFFFFF"/>
-                </a:solidFill>
-              </a:rPr>
-              <a:t> Customer Retention Initiative</a:t>
-            </a:r>
-          </a:p>
-          <a:p>
-            <a:r>
-              <a:rPr sz="2200" dirty="0">
-                <a:solidFill>
-                  <a:srgbClr val="FFFFFF"/>
-                </a:solidFill>
-              </a:rPr>
-              <a:t>The Cost: Every lost customer represents an average revenue loss of $150/month.</a:t>
-            </a:r>
-          </a:p>
-          <a:p>
-            <a:r>
-              <a:rPr sz="2200" dirty="0">
-                <a:solidFill>
-                  <a:srgbClr val="FFFFFF"/>
-                </a:solidFill>
-              </a:rPr>
-              <a:t>It detects subtle changes (e.g., "Customer velocity has dropped by 50%") and triggers an alert.</a:t>
-            </a:r>
-          </a:p>
-          <a:p>
-            <a:r>
-              <a:rPr sz="2200" dirty="0">
-                <a:solidFill>
-                  <a:srgbClr val="FFFFFF"/>
-                </a:solidFill>
-              </a:rPr>
-              <a:t>Campaign Cost: ~$150,000 (Incentives)</a:t>
-            </a:r>
-          </a:p>
-          <a:p>
-            <a:r>
-              <a:rPr sz="2200" dirty="0">
-                <a:solidFill>
-                  <a:srgbClr val="FFFFFF"/>
-                </a:solidFill>
-              </a:rPr>
-              <a:t>Inactivity Window (Recency): Risk increases by 60% if a customer hasn't ordered in the last 21 days.</a:t>
-            </a:r>
-          </a:p>
-          <a:p>
-            <a:r>
-              <a:rPr sz="2200" dirty="0">
-                <a:solidFill>
-                  <a:srgbClr val="FFFFFF"/>
-                </a:solidFill>
-              </a:rPr>
-              <a:t>Velocity Drop: "We miss you" coupons.</a:t>
-            </a:r>
-          </a:p>
-          <a:p>
-            <a:r>
-              <a:rPr sz="2200" dirty="0">
-                <a:solidFill>
-                  <a:srgbClr val="FFFFFF"/>
-                </a:solidFill>
+            <a:pPr marL="285750" marR="0" lvl="0" indent="-285750" algn="l" defTabSz="914400" rtl="0" eaLnBrk="0" fontAlgn="base" latinLnBrk="0" hangingPunct="0">
+              <a:lnSpc>
+                <a:spcPct val="100000"/>
+              </a:lnSpc>
+              <a:spcBef>
+                <a:spcPct val="0"/>
+              </a:spcBef>
+              <a:spcAft>
+                <a:spcPct val="0"/>
+              </a:spcAft>
+              <a:buClrTx/>
+              <a:buSzTx/>
+              <a:buFont typeface="Arial" panose="020B0604020202020204" pitchFamily="34" charset="0"/>
+              <a:buChar char="•"/>
+              <a:tabLst/>
+            </a:pPr>
+            <a:r>
+              <a:rPr kumimoji="0" lang="en-US" altLang="en-US" b="1" i="0" u="none" strike="noStrike" cap="none" normalizeH="0" baseline="0" dirty="0">
+                <a:ln>
+                  <a:noFill/>
+                </a:ln>
+                <a:solidFill>
+                  <a:schemeClr val="bg1"/>
+                </a:solidFill>
+                <a:effectLst/>
+                <a:latin typeface="Helveticasinav" panose="02000503000000020004" pitchFamily="2" charset="-94"/>
+              </a:rPr>
+              <a:t>Campaign Cost:</a:t>
+            </a:r>
+            <a:r>
+              <a:rPr kumimoji="0" lang="en-US" altLang="en-US" b="0" i="0" u="none" strike="noStrike" cap="none" normalizeH="0" baseline="0" dirty="0">
+                <a:ln>
+                  <a:noFill/>
+                </a:ln>
+                <a:solidFill>
+                  <a:schemeClr val="bg1"/>
+                </a:solidFill>
+                <a:effectLst/>
+                <a:latin typeface="Helveticasinav" panose="02000503000000020004" pitchFamily="2" charset="-94"/>
+              </a:rPr>
+              <a:t> We require approval for a pilot marketing budget of approximately </a:t>
+            </a:r>
+            <a:r>
+              <a:rPr kumimoji="0" lang="en-US" altLang="en-US" b="1" i="0" u="none" strike="noStrike" cap="none" normalizeH="0" baseline="0" dirty="0">
+                <a:ln>
+                  <a:noFill/>
+                </a:ln>
+                <a:solidFill>
+                  <a:schemeClr val="bg1"/>
+                </a:solidFill>
+                <a:effectLst/>
+                <a:latin typeface="Helveticasinav" panose="02000503000000020004" pitchFamily="2" charset="-94"/>
+              </a:rPr>
+              <a:t>~$150,000 (Incentives)</a:t>
+            </a:r>
+            <a:r>
+              <a:rPr kumimoji="0" lang="en-US" altLang="en-US" b="0" i="0" u="none" strike="noStrike" cap="none" normalizeH="0" baseline="0" dirty="0">
+                <a:ln>
+                  <a:noFill/>
+                </a:ln>
+                <a:solidFill>
+                  <a:schemeClr val="bg1"/>
+                </a:solidFill>
+                <a:effectLst/>
+                <a:latin typeface="Helveticasinav" panose="02000503000000020004" pitchFamily="2" charset="-94"/>
+              </a:rPr>
+              <a:t> per year for retention campaigns. </a:t>
+            </a:r>
+          </a:p>
+        </p:txBody>
+      </p:sp>
+      <p:sp>
+        <p:nvSpPr>
+          <p:cNvPr id="9" name="Rectangle 10">
+            <a:extLst>
+              <a:ext uri="{FF2B5EF4-FFF2-40B4-BE49-F238E27FC236}">
+                <a16:creationId xmlns:a16="http://schemas.microsoft.com/office/drawing/2014/main" id="{C7E894E5-8191-77D1-03F6-E6AB03B09DB0}"/>
+              </a:ext>
+            </a:extLst>
+          </p:cNvPr>
+          <p:cNvSpPr>
+            <a:spLocks noChangeArrowheads="1"/>
+          </p:cNvSpPr>
+          <p:nvPr/>
+        </p:nvSpPr>
+        <p:spPr bwMode="auto">
+          <a:xfrm>
+            <a:off x="548049" y="2744042"/>
+            <a:ext cx="8399735" cy="553998"/>
+          </a:xfrm>
+          <a:prstGeom prst="rect">
+            <a:avLst/>
+          </a:prstGeom>
+          <a:noFill/>
+          <a:ln>
+            <a:noFill/>
+          </a:ln>
+          <a:effectLst/>
+          <a:extLst>
+            <a:ext uri="{909E8E84-426E-40DD-AFC4-6F175D3DCCD1}">
+              <a14:hiddenFill xmlns:a14="http://schemas.microsoft.com/office/drawing/2010/main">
+                <a:solidFill>
+                  <a:schemeClr val="accent1"/>
+                </a:solidFill>
+              </a14:hiddenFill>
+            </a:ext>
+            <a:ext uri="{91240B29-F687-4F45-9708-019B960494DF}">
+              <a14:hiddenLine xmlns:a14="http://schemas.microsoft.com/office/drawing/2010/main" w="9525">
+                <a:solidFill>
+                  <a:schemeClr val="tx1"/>
+                </a:solidFill>
+                <a:miter lim="800000"/>
+                <a:headEnd/>
+                <a:tailEnd/>
+              </a14:hiddenLine>
+            </a:ext>
+            <a:ext uri="{AF507438-7753-43E0-B8FC-AC1667EBCBE1}">
+              <a14:hiddenEffects xmlns:a14="http://schemas.microsoft.com/office/drawing/2010/main">
+                <a:effectLst>
+                  <a:outerShdw dist="35921" dir="2700000" algn="ctr" rotWithShape="0">
+                    <a:schemeClr val="bg2"/>
+                  </a:outerShdw>
+                </a:effectLst>
+              </a14:hiddenEffects>
+            </a:ext>
+          </a:extLst>
+        </p:spPr>
+        <p:txBody>
+          <a:bodyPr vert="horz" wrap="none" lIns="0" tIns="0" rIns="0" bIns="0" numCol="1" anchor="ctr" anchorCtr="0" compatLnSpc="1">
+            <a:prstTxWarp prst="textNoShape">
+              <a:avLst/>
+            </a:prstTxWarp>
+            <a:spAutoFit/>
+          </a:bodyPr>
+          <a:lstStyle/>
+          <a:p>
+            <a:pPr marL="285750" marR="0" lvl="0" indent="-285750" algn="l" defTabSz="914400" rtl="0" eaLnBrk="0" fontAlgn="base" latinLnBrk="0" hangingPunct="0">
+              <a:lnSpc>
+                <a:spcPct val="100000"/>
+              </a:lnSpc>
+              <a:spcBef>
+                <a:spcPct val="0"/>
+              </a:spcBef>
+              <a:spcAft>
+                <a:spcPct val="0"/>
+              </a:spcAft>
+              <a:buClrTx/>
+              <a:buSzTx/>
+              <a:buFont typeface="Arial" panose="020B0604020202020204" pitchFamily="34" charset="0"/>
+              <a:buChar char="•"/>
+              <a:tabLst/>
+            </a:pPr>
+            <a:r>
+              <a:rPr lang="en-US" b="1" i="0" dirty="0">
+                <a:solidFill>
+                  <a:schemeClr val="bg1"/>
+                </a:solidFill>
+                <a:effectLst/>
+                <a:latin typeface="Helveticasinav" panose="02000503000000020004" pitchFamily="2" charset="-94"/>
+              </a:rPr>
+              <a:t>Inactivity Risk (Recency):</a:t>
+            </a:r>
+            <a:r>
+              <a:rPr lang="en-US" b="0" i="0" dirty="0">
+                <a:solidFill>
+                  <a:schemeClr val="bg1"/>
+                </a:solidFill>
+                <a:effectLst/>
+                <a:latin typeface="Helveticasinav" panose="02000503000000020004" pitchFamily="2" charset="-94"/>
+              </a:rPr>
+              <a:t> Risk increases by </a:t>
+            </a:r>
+            <a:r>
+              <a:rPr lang="en-US" b="1" i="0" dirty="0">
+                <a:solidFill>
+                  <a:schemeClr val="bg1"/>
+                </a:solidFill>
+                <a:effectLst/>
+                <a:latin typeface="Helveticasinav" panose="02000503000000020004" pitchFamily="2" charset="-94"/>
+              </a:rPr>
+              <a:t>60%</a:t>
+            </a:r>
+            <a:r>
+              <a:rPr lang="en-US" b="0" i="0" dirty="0">
+                <a:solidFill>
+                  <a:schemeClr val="bg1"/>
+                </a:solidFill>
+                <a:effectLst/>
+                <a:latin typeface="Helveticasinav" panose="02000503000000020004" pitchFamily="2" charset="-94"/>
+              </a:rPr>
+              <a:t> if a customer hasn't ordered</a:t>
+            </a:r>
+          </a:p>
+          <a:p>
+            <a:pPr marR="0" lvl="0" algn="l" defTabSz="914400" rtl="0" eaLnBrk="0" fontAlgn="base" latinLnBrk="0" hangingPunct="0">
+              <a:lnSpc>
+                <a:spcPct val="100000"/>
+              </a:lnSpc>
+              <a:spcBef>
+                <a:spcPct val="0"/>
+              </a:spcBef>
+              <a:spcAft>
+                <a:spcPct val="0"/>
+              </a:spcAft>
+              <a:buClrTx/>
+              <a:buSzTx/>
+              <a:tabLst/>
+            </a:pPr>
+            <a:r>
+              <a:rPr lang="en-US" dirty="0">
+                <a:solidFill>
+                  <a:schemeClr val="bg1"/>
+                </a:solidFill>
+                <a:latin typeface="Helveticasinav" panose="02000503000000020004" pitchFamily="2" charset="-94"/>
+              </a:rPr>
+              <a:t>    </a:t>
+            </a:r>
+            <a:r>
+              <a:rPr lang="en-US" b="0" i="0" dirty="0">
+                <a:solidFill>
+                  <a:schemeClr val="bg1"/>
+                </a:solidFill>
+                <a:effectLst/>
+                <a:latin typeface="Helveticasinav" panose="02000503000000020004" pitchFamily="2" charset="-94"/>
+              </a:rPr>
+              <a:t>in the last 30 days.</a:t>
+            </a:r>
+            <a:endParaRPr kumimoji="0" lang="en-US" altLang="en-US" b="0" i="0" u="none" strike="noStrike" cap="none" normalizeH="0" baseline="0" dirty="0">
+              <a:ln>
+                <a:noFill/>
+              </a:ln>
+              <a:solidFill>
+                <a:schemeClr val="bg1"/>
+              </a:solidFill>
+              <a:effectLst/>
+              <a:latin typeface="Helveticasinav" panose="02000503000000020004" pitchFamily="2" charset="-94"/>
+            </a:endParaRPr>
+          </a:p>
+        </p:txBody>
+      </p:sp>
+      <p:sp>
+        <p:nvSpPr>
+          <p:cNvPr id="10" name="Rectangle 11">
+            <a:extLst>
+              <a:ext uri="{FF2B5EF4-FFF2-40B4-BE49-F238E27FC236}">
+                <a16:creationId xmlns:a16="http://schemas.microsoft.com/office/drawing/2014/main" id="{37B65405-9823-1F5B-C31C-7CD3DC121D5B}"/>
+              </a:ext>
+            </a:extLst>
+          </p:cNvPr>
+          <p:cNvSpPr>
+            <a:spLocks noChangeArrowheads="1"/>
+          </p:cNvSpPr>
+          <p:nvPr/>
+        </p:nvSpPr>
+        <p:spPr bwMode="auto">
+          <a:xfrm>
+            <a:off x="570491" y="3724389"/>
+            <a:ext cx="8316379" cy="1107996"/>
+          </a:xfrm>
+          <a:prstGeom prst="rect">
+            <a:avLst/>
+          </a:prstGeom>
+          <a:noFill/>
+          <a:ln>
+            <a:noFill/>
+          </a:ln>
+          <a:effectLst/>
+          <a:extLst>
+            <a:ext uri="{909E8E84-426E-40DD-AFC4-6F175D3DCCD1}">
+              <a14:hiddenFill xmlns:a14="http://schemas.microsoft.com/office/drawing/2010/main">
+                <a:solidFill>
+                  <a:schemeClr val="accent1"/>
+                </a:solidFill>
+              </a14:hiddenFill>
+            </a:ext>
+            <a:ext uri="{91240B29-F687-4F45-9708-019B960494DF}">
+              <a14:hiddenLine xmlns:a14="http://schemas.microsoft.com/office/drawing/2010/main" w="9525">
+                <a:solidFill>
+                  <a:schemeClr val="tx1"/>
+                </a:solidFill>
+                <a:miter lim="800000"/>
+                <a:headEnd/>
+                <a:tailEnd/>
+              </a14:hiddenLine>
+            </a:ext>
+            <a:ext uri="{AF507438-7753-43E0-B8FC-AC1667EBCBE1}">
+              <a14:hiddenEffects xmlns:a14="http://schemas.microsoft.com/office/drawing/2010/main">
+                <a:effectLst>
+                  <a:outerShdw dist="35921" dir="2700000" algn="ctr" rotWithShape="0">
+                    <a:schemeClr val="bg2"/>
+                  </a:outerShdw>
+                </a:effectLst>
+              </a14:hiddenEffects>
+            </a:ext>
+          </a:extLst>
+        </p:spPr>
+        <p:txBody>
+          <a:bodyPr vert="horz" wrap="none" lIns="0" tIns="0" rIns="0" bIns="0" numCol="1" anchor="ctr" anchorCtr="0" compatLnSpc="1">
+            <a:prstTxWarp prst="textNoShape">
+              <a:avLst/>
+            </a:prstTxWarp>
+            <a:spAutoFit/>
+          </a:bodyPr>
+          <a:lstStyle/>
+          <a:p>
+            <a:pPr marL="285750" marR="0" lvl="0" indent="-285750" algn="l" defTabSz="914400" rtl="0" eaLnBrk="0" fontAlgn="base" latinLnBrk="0" hangingPunct="0">
+              <a:lnSpc>
+                <a:spcPct val="100000"/>
+              </a:lnSpc>
+              <a:spcBef>
+                <a:spcPct val="0"/>
+              </a:spcBef>
+              <a:spcAft>
+                <a:spcPct val="0"/>
+              </a:spcAft>
+              <a:buClrTx/>
+              <a:buSzTx/>
+              <a:buFont typeface="Arial" panose="020B0604020202020204" pitchFamily="34" charset="0"/>
+              <a:buChar char="•"/>
+              <a:tabLst/>
+            </a:pPr>
+            <a:r>
+              <a:rPr lang="en-US" b="1" i="0" dirty="0">
+                <a:solidFill>
+                  <a:schemeClr val="bg1"/>
+                </a:solidFill>
+                <a:effectLst/>
+                <a:latin typeface="Helveticasinav" panose="02000503000000020004" pitchFamily="2" charset="-94"/>
+              </a:rPr>
+              <a:t>Targeted Incentives:</a:t>
+            </a:r>
+          </a:p>
+          <a:p>
+            <a:pPr marL="742950" lvl="1" indent="-285750" defTabSz="914400" eaLnBrk="0" fontAlgn="base" hangingPunct="0">
+              <a:spcBef>
+                <a:spcPct val="0"/>
+              </a:spcBef>
+              <a:spcAft>
+                <a:spcPct val="0"/>
+              </a:spcAft>
+              <a:buFont typeface="Arial" panose="020B0604020202020204" pitchFamily="34" charset="0"/>
+              <a:buChar char="•"/>
+            </a:pPr>
+            <a:r>
+              <a:rPr lang="en-US" b="1" i="0" dirty="0">
+                <a:solidFill>
+                  <a:schemeClr val="bg1"/>
+                </a:solidFill>
+                <a:effectLst/>
+                <a:latin typeface="Helveticasinav" panose="02000503000000020004" pitchFamily="2" charset="-94"/>
+              </a:rPr>
+              <a:t>Velocity Drop:</a:t>
+            </a:r>
+            <a:r>
+              <a:rPr lang="en-US" b="0" i="0" dirty="0">
+                <a:solidFill>
+                  <a:schemeClr val="bg1"/>
+                </a:solidFill>
+                <a:effectLst/>
+                <a:latin typeface="Helveticasinav" panose="02000503000000020004" pitchFamily="2" charset="-94"/>
+              </a:rPr>
+              <a:t> Targeted "We miss you" coupons are recommended.</a:t>
+            </a:r>
+          </a:p>
+          <a:p>
+            <a:pPr marL="742950" lvl="1" indent="-285750" defTabSz="914400" eaLnBrk="0" fontAlgn="base" hangingPunct="0">
+              <a:spcBef>
+                <a:spcPct val="0"/>
+              </a:spcBef>
+              <a:spcAft>
+                <a:spcPct val="0"/>
+              </a:spcAft>
+              <a:buFont typeface="Arial" panose="020B0604020202020204" pitchFamily="34" charset="0"/>
+              <a:buChar char="•"/>
+            </a:pPr>
+            <a:r>
+              <a:rPr lang="en-US" b="1" i="0" dirty="0">
+                <a:solidFill>
+                  <a:schemeClr val="bg1"/>
+                </a:solidFill>
+                <a:effectLst/>
+                <a:latin typeface="Helveticasinav" panose="02000503000000020004" pitchFamily="2" charset="-94"/>
+              </a:rPr>
+              <a:t>Basket Shrinkage:</a:t>
+            </a:r>
+            <a:r>
+              <a:rPr lang="en-US" b="0" i="0" dirty="0">
+                <a:solidFill>
+                  <a:schemeClr val="bg1"/>
+                </a:solidFill>
+                <a:effectLst/>
+                <a:latin typeface="Helveticasinav" panose="02000503000000020004" pitchFamily="2" charset="-94"/>
+              </a:rPr>
+              <a:t> Free shipping offers on the next order can counteract </a:t>
+            </a:r>
+          </a:p>
+          <a:p>
+            <a:pPr lvl="1" defTabSz="914400" eaLnBrk="0" fontAlgn="base" hangingPunct="0">
+              <a:spcBef>
+                <a:spcPct val="0"/>
+              </a:spcBef>
+              <a:spcAft>
+                <a:spcPct val="0"/>
+              </a:spcAft>
+            </a:pPr>
+            <a:r>
+              <a:rPr lang="en-US" dirty="0">
+                <a:solidFill>
+                  <a:schemeClr val="bg1"/>
+                </a:solidFill>
+                <a:latin typeface="Helveticasinav" panose="02000503000000020004" pitchFamily="2" charset="-94"/>
+              </a:rPr>
+              <a:t>    </a:t>
+            </a:r>
+            <a:r>
+              <a:rPr lang="en-US" b="0" i="0" dirty="0">
+                <a:solidFill>
+                  <a:schemeClr val="bg1"/>
+                </a:solidFill>
+                <a:effectLst/>
+                <a:latin typeface="Helveticasinav" panose="02000503000000020004" pitchFamily="2" charset="-94"/>
+              </a:rPr>
+              <a:t>gradual basket size reduction.</a:t>
+            </a:r>
+            <a:endParaRPr kumimoji="0" lang="en-US" altLang="en-US" b="0" i="0" u="none" strike="noStrike" cap="none" normalizeH="0" baseline="0" dirty="0">
+              <a:ln>
+                <a:noFill/>
+              </a:ln>
+              <a:solidFill>
+                <a:schemeClr val="bg1"/>
+              </a:solidFill>
+              <a:effectLst/>
+              <a:latin typeface="Helveticasinav" panose="02000503000000020004" pitchFamily="2" charset="-94"/>
+            </a:endParaRPr>
+          </a:p>
+        </p:txBody>
+      </p:sp>
+      <p:sp>
+        <p:nvSpPr>
+          <p:cNvPr id="11" name="Rectangle 12">
+            <a:extLst>
+              <a:ext uri="{FF2B5EF4-FFF2-40B4-BE49-F238E27FC236}">
+                <a16:creationId xmlns:a16="http://schemas.microsoft.com/office/drawing/2014/main" id="{2F53E8E3-3E72-387A-C1CB-0328023A3847}"/>
+              </a:ext>
+            </a:extLst>
+          </p:cNvPr>
+          <p:cNvSpPr>
+            <a:spLocks noChangeArrowheads="1"/>
+          </p:cNvSpPr>
+          <p:nvPr/>
+        </p:nvSpPr>
+        <p:spPr bwMode="auto">
+          <a:xfrm>
+            <a:off x="548050" y="5258734"/>
+            <a:ext cx="8085547" cy="553998"/>
+          </a:xfrm>
+          <a:prstGeom prst="rect">
+            <a:avLst/>
+          </a:prstGeom>
+          <a:noFill/>
+          <a:ln>
+            <a:noFill/>
+          </a:ln>
+          <a:effectLst/>
+          <a:extLst>
+            <a:ext uri="{909E8E84-426E-40DD-AFC4-6F175D3DCCD1}">
+              <a14:hiddenFill xmlns:a14="http://schemas.microsoft.com/office/drawing/2010/main">
+                <a:solidFill>
+                  <a:schemeClr val="accent1"/>
+                </a:solidFill>
+              </a14:hiddenFill>
+            </a:ext>
+            <a:ext uri="{91240B29-F687-4F45-9708-019B960494DF}">
+              <a14:hiddenLine xmlns:a14="http://schemas.microsoft.com/office/drawing/2010/main" w="9525">
+                <a:solidFill>
+                  <a:schemeClr val="tx1"/>
+                </a:solidFill>
+                <a:miter lim="800000"/>
+                <a:headEnd/>
+                <a:tailEnd/>
+              </a14:hiddenLine>
+            </a:ext>
+            <a:ext uri="{AF507438-7753-43E0-B8FC-AC1667EBCBE1}">
+              <a14:hiddenEffects xmlns:a14="http://schemas.microsoft.com/office/drawing/2010/main">
+                <a:effectLst>
+                  <a:outerShdw dist="35921" dir="2700000" algn="ctr" rotWithShape="0">
+                    <a:schemeClr val="bg2"/>
+                  </a:outerShdw>
+                </a:effectLst>
+              </a14:hiddenEffects>
+            </a:ext>
+          </a:extLst>
+        </p:spPr>
+        <p:txBody>
+          <a:bodyPr vert="horz" wrap="none" lIns="0" tIns="0" rIns="0" bIns="0" numCol="1" anchor="ctr" anchorCtr="0" compatLnSpc="1">
+            <a:prstTxWarp prst="textNoShape">
+              <a:avLst/>
+            </a:prstTxWarp>
+            <a:spAutoFit/>
+          </a:bodyPr>
+          <a:lstStyle/>
+          <a:p>
+            <a:pPr marL="285750" marR="0" lvl="0" indent="-285750" algn="l" defTabSz="914400" rtl="0" eaLnBrk="0" fontAlgn="base" latinLnBrk="0" hangingPunct="0">
+              <a:lnSpc>
+                <a:spcPct val="100000"/>
+              </a:lnSpc>
+              <a:spcBef>
+                <a:spcPct val="0"/>
+              </a:spcBef>
+              <a:spcAft>
+                <a:spcPct val="0"/>
+              </a:spcAft>
+              <a:buClrTx/>
+              <a:buSzTx/>
+              <a:buFont typeface="Arial" panose="020B0604020202020204" pitchFamily="34" charset="0"/>
+              <a:buChar char="•"/>
+              <a:tabLst/>
+            </a:pPr>
+            <a:r>
+              <a:rPr lang="en-US" b="1" i="0" dirty="0">
+                <a:solidFill>
+                  <a:schemeClr val="bg1"/>
+                </a:solidFill>
+                <a:effectLst/>
+                <a:latin typeface="Helveticasinav" panose="02000503000000020004" pitchFamily="2" charset="-94"/>
+              </a:rPr>
+              <a:t>Integration Requirement:</a:t>
+            </a:r>
+            <a:r>
+              <a:rPr lang="en-US" b="0" i="0" dirty="0">
+                <a:solidFill>
+                  <a:schemeClr val="bg1"/>
+                </a:solidFill>
+                <a:effectLst/>
+                <a:latin typeface="Helveticasinav" panose="02000503000000020004" pitchFamily="2" charset="-94"/>
+              </a:rPr>
+              <a:t> The execution of these automated, personalized </a:t>
+            </a:r>
+          </a:p>
+          <a:p>
+            <a:pPr marR="0" lvl="0" algn="l" defTabSz="914400" rtl="0" eaLnBrk="0" fontAlgn="base" latinLnBrk="0" hangingPunct="0">
+              <a:lnSpc>
+                <a:spcPct val="100000"/>
+              </a:lnSpc>
+              <a:spcBef>
+                <a:spcPct val="0"/>
+              </a:spcBef>
+              <a:spcAft>
+                <a:spcPct val="0"/>
+              </a:spcAft>
+              <a:buClrTx/>
+              <a:buSzTx/>
+              <a:tabLst/>
+            </a:pPr>
+            <a:r>
+              <a:rPr lang="en-US" dirty="0">
+                <a:solidFill>
+                  <a:schemeClr val="bg1"/>
+                </a:solidFill>
+                <a:latin typeface="Helveticasinav" panose="02000503000000020004" pitchFamily="2" charset="-94"/>
+              </a:rPr>
+              <a:t>     </a:t>
+            </a:r>
+            <a:r>
+              <a:rPr lang="en-US" b="0" i="0" dirty="0">
+                <a:solidFill>
+                  <a:schemeClr val="bg1"/>
+                </a:solidFill>
+                <a:effectLst/>
+                <a:latin typeface="Helveticasinav" panose="02000503000000020004" pitchFamily="2" charset="-94"/>
+              </a:rPr>
+              <a:t>interventions requires </a:t>
+            </a:r>
+            <a:r>
+              <a:rPr lang="en-US" b="1" i="0" dirty="0">
+                <a:solidFill>
+                  <a:schemeClr val="bg1"/>
+                </a:solidFill>
+                <a:effectLst/>
+                <a:latin typeface="Helveticasinav" panose="02000503000000020004" pitchFamily="2" charset="-94"/>
               </a:rPr>
               <a:t>IT support for CRM integration.</a:t>
             </a:r>
+            <a:endParaRPr kumimoji="0" lang="en-US" altLang="en-US" b="0" i="0" u="none" strike="noStrike" cap="none" normalizeH="0" baseline="0" dirty="0">
+              <a:ln>
+                <a:noFill/>
+              </a:ln>
+              <a:solidFill>
+                <a:schemeClr val="bg1"/>
+              </a:solidFill>
+              <a:effectLst/>
+              <a:latin typeface="Helveticasinav" panose="02000503000000020004" pitchFamily="2" charset="-94"/>
+            </a:endParaRPr>
           </a:p>
         </p:txBody>
       </p:sp>
@@ -3656,6 +5812,18 @@
   <p:clrMapOvr>
     <a:masterClrMapping/>
   </p:clrMapOvr>
+  <mc:AlternateContent xmlns:mc="http://schemas.openxmlformats.org/markup-compatibility/2006">
+    <mc:Choice xmlns:p14="http://schemas.microsoft.com/office/powerpoint/2010/main" Requires="p14">
+      <p:transition spd="slow" p14:dur="800">
+        <p:circle/>
+      </p:transition>
+    </mc:Choice>
+    <mc:Fallback>
+      <p:transition spd="slow">
+        <p:circle/>
+      </p:transition>
+    </mc:Fallback>
+  </mc:AlternateContent>
 </p:sld>
 </file>
 
@@ -3686,98 +5854,1062 @@
       </p:grpSpPr>
       <p:sp>
         <p:nvSpPr>
-          <p:cNvPr id="3" name="Content Placeholder 2"/>
-          <p:cNvSpPr>
-            <a:spLocks noGrp="1"/>
+          <p:cNvPr id="5" name="Content Placeholder 2">
+            <a:extLst>
+              <a:ext uri="{FF2B5EF4-FFF2-40B4-BE49-F238E27FC236}">
+                <a16:creationId xmlns:a16="http://schemas.microsoft.com/office/drawing/2014/main" id="{9A4C1FEE-E593-FC06-065D-D1EB369B0A61}"/>
+              </a:ext>
+            </a:extLst>
+          </p:cNvPr>
+          <p:cNvSpPr txBox="1">
+            <a:spLocks/>
           </p:cNvSpPr>
-          <p:nvPr>
-            <p:ph idx="1"/>
-          </p:nvPr>
+          <p:nvPr/>
         </p:nvSpPr>
         <p:spPr>
           <a:xfrm>
-            <a:off x="457200" y="1415375"/>
-            <a:ext cx="8229600" cy="4525963"/>
+            <a:off x="457200" y="641763"/>
+            <a:ext cx="8229600" cy="821278"/>
           </a:xfrm>
+          <a:prstGeom prst="rect">
+            <a:avLst/>
+          </a:prstGeom>
         </p:spPr>
         <p:txBody>
-          <a:bodyPr/>
+          <a:bodyPr vert="horz" lIns="91440" tIns="45720" rIns="91440" bIns="45720" rtlCol="0">
+            <a:normAutofit lnSpcReduction="10000"/>
+          </a:bodyPr>
+          <a:lstStyle>
+            <a:lvl1pPr marL="342900" indent="-342900" algn="l" defTabSz="457200" rtl="0" eaLnBrk="1" latinLnBrk="0" hangingPunct="1">
+              <a:spcBef>
+                <a:spcPct val="20000"/>
+              </a:spcBef>
+              <a:buFont typeface="Arial"/>
+              <a:buChar char="•"/>
+              <a:defRPr sz="3200" kern="1200">
+                <a:solidFill>
+                  <a:schemeClr val="tx1"/>
+                </a:solidFill>
+                <a:latin typeface="+mn-lt"/>
+                <a:ea typeface="+mn-ea"/>
+                <a:cs typeface="+mn-cs"/>
+              </a:defRPr>
+            </a:lvl1pPr>
+            <a:lvl2pPr marL="742950" indent="-285750" algn="l" defTabSz="457200" rtl="0" eaLnBrk="1" latinLnBrk="0" hangingPunct="1">
+              <a:spcBef>
+                <a:spcPct val="20000"/>
+              </a:spcBef>
+              <a:buFont typeface="Arial"/>
+              <a:buChar char="–"/>
+              <a:defRPr sz="2800" kern="1200">
+                <a:solidFill>
+                  <a:schemeClr val="tx1"/>
+                </a:solidFill>
+                <a:latin typeface="+mn-lt"/>
+                <a:ea typeface="+mn-ea"/>
+                <a:cs typeface="+mn-cs"/>
+              </a:defRPr>
+            </a:lvl2pPr>
+            <a:lvl3pPr marL="1143000" indent="-228600" algn="l" defTabSz="457200" rtl="0" eaLnBrk="1" latinLnBrk="0" hangingPunct="1">
+              <a:spcBef>
+                <a:spcPct val="20000"/>
+              </a:spcBef>
+              <a:buFont typeface="Arial"/>
+              <a:buChar char="•"/>
+              <a:defRPr sz="2400" kern="1200">
+                <a:solidFill>
+                  <a:schemeClr val="tx1"/>
+                </a:solidFill>
+                <a:latin typeface="+mn-lt"/>
+                <a:ea typeface="+mn-ea"/>
+                <a:cs typeface="+mn-cs"/>
+              </a:defRPr>
+            </a:lvl3pPr>
+            <a:lvl4pPr marL="1600200" indent="-228600" algn="l" defTabSz="457200" rtl="0" eaLnBrk="1" latinLnBrk="0" hangingPunct="1">
+              <a:spcBef>
+                <a:spcPct val="20000"/>
+              </a:spcBef>
+              <a:buFont typeface="Arial"/>
+              <a:buChar char="–"/>
+              <a:defRPr sz="2000" kern="1200">
+                <a:solidFill>
+                  <a:schemeClr val="tx1"/>
+                </a:solidFill>
+                <a:latin typeface="+mn-lt"/>
+                <a:ea typeface="+mn-ea"/>
+                <a:cs typeface="+mn-cs"/>
+              </a:defRPr>
+            </a:lvl4pPr>
+            <a:lvl5pPr marL="2057400" indent="-228600" algn="l" defTabSz="457200" rtl="0" eaLnBrk="1" latinLnBrk="0" hangingPunct="1">
+              <a:spcBef>
+                <a:spcPct val="20000"/>
+              </a:spcBef>
+              <a:buFont typeface="Arial"/>
+              <a:buChar char="»"/>
+              <a:defRPr sz="2000" kern="1200">
+                <a:solidFill>
+                  <a:schemeClr val="tx1"/>
+                </a:solidFill>
+                <a:latin typeface="+mn-lt"/>
+                <a:ea typeface="+mn-ea"/>
+                <a:cs typeface="+mn-cs"/>
+              </a:defRPr>
+            </a:lvl5pPr>
+            <a:lvl6pPr marL="2514600" indent="-228600" algn="l" defTabSz="457200" rtl="0" eaLnBrk="1" latinLnBrk="0" hangingPunct="1">
+              <a:spcBef>
+                <a:spcPct val="20000"/>
+              </a:spcBef>
+              <a:buFont typeface="Arial"/>
+              <a:buChar char="•"/>
+              <a:defRPr sz="2000" kern="1200">
+                <a:solidFill>
+                  <a:schemeClr val="tx1"/>
+                </a:solidFill>
+                <a:latin typeface="+mn-lt"/>
+                <a:ea typeface="+mn-ea"/>
+                <a:cs typeface="+mn-cs"/>
+              </a:defRPr>
+            </a:lvl6pPr>
+            <a:lvl7pPr marL="2971800" indent="-228600" algn="l" defTabSz="457200" rtl="0" eaLnBrk="1" latinLnBrk="0" hangingPunct="1">
+              <a:spcBef>
+                <a:spcPct val="20000"/>
+              </a:spcBef>
+              <a:buFont typeface="Arial"/>
+              <a:buChar char="•"/>
+              <a:defRPr sz="2000" kern="1200">
+                <a:solidFill>
+                  <a:schemeClr val="tx1"/>
+                </a:solidFill>
+                <a:latin typeface="+mn-lt"/>
+                <a:ea typeface="+mn-ea"/>
+                <a:cs typeface="+mn-cs"/>
+              </a:defRPr>
+            </a:lvl7pPr>
+            <a:lvl8pPr marL="3429000" indent="-228600" algn="l" defTabSz="457200" rtl="0" eaLnBrk="1" latinLnBrk="0" hangingPunct="1">
+              <a:spcBef>
+                <a:spcPct val="20000"/>
+              </a:spcBef>
+              <a:buFont typeface="Arial"/>
+              <a:buChar char="•"/>
+              <a:defRPr sz="2000" kern="1200">
+                <a:solidFill>
+                  <a:schemeClr val="tx1"/>
+                </a:solidFill>
+                <a:latin typeface="+mn-lt"/>
+                <a:ea typeface="+mn-ea"/>
+                <a:cs typeface="+mn-cs"/>
+              </a:defRPr>
+            </a:lvl8pPr>
+            <a:lvl9pPr marL="3886200" indent="-228600" algn="l" defTabSz="457200" rtl="0" eaLnBrk="1" latinLnBrk="0" hangingPunct="1">
+              <a:spcBef>
+                <a:spcPct val="20000"/>
+              </a:spcBef>
+              <a:buFont typeface="Arial"/>
+              <a:buChar char="•"/>
+              <a:defRPr sz="2000" kern="1200">
+                <a:solidFill>
+                  <a:schemeClr val="tx1"/>
+                </a:solidFill>
+                <a:latin typeface="+mn-lt"/>
+                <a:ea typeface="+mn-ea"/>
+                <a:cs typeface="+mn-cs"/>
+              </a:defRPr>
+            </a:lvl9pPr>
+          </a:lstStyle>
+          <a:p>
+            <a:pPr marL="0" indent="0" algn="ctr">
+              <a:buFont typeface="Arial"/>
+              <a:buNone/>
+            </a:pPr>
+            <a:r>
+              <a:rPr lang="en-US" sz="2800" b="1" dirty="0">
+                <a:solidFill>
+                  <a:srgbClr val="FFFFFF"/>
+                </a:solidFill>
+              </a:rPr>
+              <a:t>Financial Impact &amp; Model Reliability</a:t>
+            </a:r>
+          </a:p>
+          <a:p>
+            <a:pPr marL="0" indent="0" algn="ctr">
+              <a:buFont typeface="Arial"/>
+              <a:buNone/>
+            </a:pPr>
+            <a:r>
+              <a:rPr lang="en-US" sz="2000" b="1" dirty="0">
+                <a:solidFill>
+                  <a:srgbClr val="FFFFFF"/>
+                </a:solidFill>
+              </a:rPr>
+              <a:t>The Value Proposition</a:t>
+            </a:r>
+          </a:p>
+        </p:txBody>
+      </p:sp>
+      <p:sp>
+        <p:nvSpPr>
+          <p:cNvPr id="6" name="Rectangle 9">
+            <a:extLst>
+              <a:ext uri="{FF2B5EF4-FFF2-40B4-BE49-F238E27FC236}">
+                <a16:creationId xmlns:a16="http://schemas.microsoft.com/office/drawing/2014/main" id="{274B56F1-BE8C-11FE-1D56-BA5B91410061}"/>
+              </a:ext>
+            </a:extLst>
+          </p:cNvPr>
+          <p:cNvSpPr>
+            <a:spLocks noChangeArrowheads="1"/>
+          </p:cNvSpPr>
+          <p:nvPr/>
+        </p:nvSpPr>
+        <p:spPr bwMode="auto">
+          <a:xfrm>
+            <a:off x="548050" y="1899752"/>
+            <a:ext cx="8361263" cy="276999"/>
+          </a:xfrm>
+          <a:prstGeom prst="rect">
+            <a:avLst/>
+          </a:prstGeom>
+          <a:noFill/>
+          <a:ln>
+            <a:noFill/>
+          </a:ln>
+          <a:effectLst/>
+          <a:extLst>
+            <a:ext uri="{909E8E84-426E-40DD-AFC4-6F175D3DCCD1}">
+              <a14:hiddenFill xmlns:a14="http://schemas.microsoft.com/office/drawing/2010/main">
+                <a:solidFill>
+                  <a:schemeClr val="accent1"/>
+                </a:solidFill>
+              </a14:hiddenFill>
+            </a:ext>
+            <a:ext uri="{91240B29-F687-4F45-9708-019B960494DF}">
+              <a14:hiddenLine xmlns:a14="http://schemas.microsoft.com/office/drawing/2010/main" w="9525">
+                <a:solidFill>
+                  <a:schemeClr val="tx1"/>
+                </a:solidFill>
+                <a:miter lim="800000"/>
+                <a:headEnd/>
+                <a:tailEnd/>
+              </a14:hiddenLine>
+            </a:ext>
+            <a:ext uri="{AF507438-7753-43E0-B8FC-AC1667EBCBE1}">
+              <a14:hiddenEffects xmlns:a14="http://schemas.microsoft.com/office/drawing/2010/main">
+                <a:effectLst>
+                  <a:outerShdw dist="35921" dir="2700000" algn="ctr" rotWithShape="0">
+                    <a:schemeClr val="bg2"/>
+                  </a:outerShdw>
+                </a:effectLst>
+              </a14:hiddenEffects>
+            </a:ext>
+          </a:extLst>
+        </p:spPr>
+        <p:txBody>
+          <a:bodyPr vert="horz" wrap="square" lIns="0" tIns="0" rIns="0" bIns="0" numCol="1" anchor="ctr" anchorCtr="0" compatLnSpc="1">
+            <a:prstTxWarp prst="textNoShape">
+              <a:avLst/>
+            </a:prstTxWarp>
+            <a:spAutoFit/>
+          </a:bodyPr>
           <a:lstStyle/>
           <a:p>
-            <a:r>
-              <a:rPr sz="2200" dirty="0">
-                <a:solidFill>
-                  <a:srgbClr val="FFFFFF"/>
-                </a:solidFill>
-              </a:rPr>
-              <a:t>Subtitle: AI-Powered Early Warning System for Customer Churn</a:t>
-            </a:r>
-          </a:p>
-          <a:p>
-            <a:r>
-              <a:rPr sz="2200" dirty="0">
-                <a:solidFill>
-                  <a:srgbClr val="FFFFFF"/>
-                </a:solidFill>
-              </a:rPr>
-              <a:t>Pain Point: Our marketing team lacks visibility on who is about to leave, leading to inefficient "spray and pray" campaigns.</a:t>
-            </a:r>
-          </a:p>
-          <a:p>
-            <a:r>
-              <a:rPr sz="2200" dirty="0">
-                <a:solidFill>
-                  <a:srgbClr val="FFFFFF"/>
-                </a:solidFill>
-              </a:rPr>
-              <a:t>Technology: Powered by state-of-the-art Machine Learning algorithms (</a:t>
-            </a:r>
-            <a:r>
-              <a:rPr sz="2200" dirty="0" err="1">
-                <a:solidFill>
-                  <a:srgbClr val="FFFFFF"/>
-                </a:solidFill>
-              </a:rPr>
-              <a:t>LightGBM</a:t>
-            </a:r>
-            <a:r>
-              <a:rPr sz="2200" dirty="0">
-                <a:solidFill>
-                  <a:srgbClr val="FFFFFF"/>
-                </a:solidFill>
-              </a:rPr>
-              <a:t>), moving beyond simple rule-based logic to recognize complex churn signals.</a:t>
-            </a:r>
-          </a:p>
-          <a:p>
-            <a:r>
-              <a:rPr sz="2200" dirty="0">
-                <a:solidFill>
-                  <a:srgbClr val="FFFFFF"/>
-                </a:solidFill>
-              </a:rPr>
-              <a:t>Revenue Saved: ~$1,850,000</a:t>
-            </a:r>
-          </a:p>
-          <a:p>
-            <a:r>
-              <a:rPr sz="2200" dirty="0">
-                <a:solidFill>
-                  <a:srgbClr val="FFFFFF"/>
-                </a:solidFill>
-              </a:rPr>
-              <a:t>Basket Shrinkage: Loyal customers tend to reduce their basket size gradually before leaving completely.</a:t>
-            </a:r>
-          </a:p>
-          <a:p>
-            <a:r>
-              <a:rPr sz="2200" dirty="0">
-                <a:solidFill>
-                  <a:srgbClr val="FFFFFF"/>
-                </a:solidFill>
-              </a:rPr>
-              <a:t>Basket Shrinkage: Free shipping offers on next order.</a:t>
-            </a:r>
+            <a:pPr marL="285750" marR="0" lvl="0" indent="-285750" algn="l" defTabSz="914400" rtl="0" eaLnBrk="0" fontAlgn="base" latinLnBrk="0" hangingPunct="0">
+              <a:lnSpc>
+                <a:spcPct val="100000"/>
+              </a:lnSpc>
+              <a:spcBef>
+                <a:spcPct val="0"/>
+              </a:spcBef>
+              <a:spcAft>
+                <a:spcPct val="0"/>
+              </a:spcAft>
+              <a:buClrTx/>
+              <a:buSzTx/>
+              <a:buFont typeface="Arial" panose="020B0604020202020204" pitchFamily="34" charset="0"/>
+              <a:buChar char="•"/>
+              <a:tabLst/>
+            </a:pPr>
+            <a:r>
+              <a:rPr lang="en-US" b="1" i="0" dirty="0">
+                <a:solidFill>
+                  <a:schemeClr val="bg1"/>
+                </a:solidFill>
+                <a:effectLst/>
+                <a:latin typeface="Helveticasinav" panose="02000503000000020004" pitchFamily="2" charset="-94"/>
+              </a:rPr>
+              <a:t>Revenue Secured (Projected):</a:t>
+            </a:r>
+            <a:r>
+              <a:rPr lang="en-US" b="0" i="0" dirty="0">
+                <a:solidFill>
+                  <a:schemeClr val="bg1"/>
+                </a:solidFill>
+                <a:effectLst/>
+                <a:latin typeface="Helveticasinav" panose="02000503000000020004" pitchFamily="2" charset="-94"/>
+              </a:rPr>
+              <a:t> </a:t>
+            </a:r>
+            <a:r>
+              <a:rPr lang="en-US" b="1" i="0" dirty="0">
+                <a:solidFill>
+                  <a:schemeClr val="bg1"/>
+                </a:solidFill>
+                <a:effectLst/>
+                <a:latin typeface="Helveticasinav" panose="02000503000000020004" pitchFamily="2" charset="-94"/>
+              </a:rPr>
+              <a:t>~1,760,000/</a:t>
+            </a:r>
+            <a:r>
+              <a:rPr lang="en-US" b="1" i="1" dirty="0">
+                <a:solidFill>
+                  <a:schemeClr val="bg1"/>
+                </a:solidFill>
+                <a:effectLst/>
+                <a:latin typeface="Helveticasinav" panose="02000503000000020004" pitchFamily="2" charset="-94"/>
+              </a:rPr>
+              <a:t>year  </a:t>
+            </a:r>
+            <a:r>
+              <a:rPr lang="en-US" b="0" i="0" dirty="0">
+                <a:solidFill>
+                  <a:schemeClr val="bg1"/>
+                </a:solidFill>
+                <a:effectLst/>
+                <a:latin typeface="Helveticasinav" panose="02000503000000020004" pitchFamily="2" charset="-94"/>
+              </a:rPr>
+              <a:t>(</a:t>
+            </a:r>
+            <a:r>
+              <a:rPr lang="en-US" b="0" i="1" dirty="0" err="1">
+                <a:solidFill>
+                  <a:schemeClr val="bg1"/>
+                </a:solidFill>
+                <a:effectLst/>
+                <a:latin typeface="Helveticasinav" panose="02000503000000020004" pitchFamily="2" charset="-94"/>
+              </a:rPr>
+              <a:t>Alsocitedas</a:t>
+            </a:r>
+            <a:r>
+              <a:rPr lang="en-US" b="0" i="0" dirty="0">
+                <a:solidFill>
+                  <a:schemeClr val="bg1"/>
+                </a:solidFill>
+                <a:effectLst/>
+                <a:latin typeface="Helveticasinav" panose="02000503000000020004" pitchFamily="2" charset="-94"/>
+              </a:rPr>
+              <a:t> 1,850,000).</a:t>
+            </a:r>
+            <a:endParaRPr kumimoji="0" lang="en-US" altLang="en-US" b="1" i="0" u="none" strike="noStrike" cap="none" normalizeH="0" baseline="0" dirty="0">
+              <a:ln>
+                <a:noFill/>
+              </a:ln>
+              <a:solidFill>
+                <a:schemeClr val="bg1"/>
+              </a:solidFill>
+              <a:effectLst/>
+              <a:latin typeface="Helveticasinav" panose="02000503000000020004" pitchFamily="2" charset="-94"/>
+            </a:endParaRPr>
+          </a:p>
+        </p:txBody>
+      </p:sp>
+      <p:sp>
+        <p:nvSpPr>
+          <p:cNvPr id="7" name="Rectangle 10">
+            <a:extLst>
+              <a:ext uri="{FF2B5EF4-FFF2-40B4-BE49-F238E27FC236}">
+                <a16:creationId xmlns:a16="http://schemas.microsoft.com/office/drawing/2014/main" id="{D85F827A-CBEC-9AD9-016A-D5D4FE56AA41}"/>
+              </a:ext>
+            </a:extLst>
+          </p:cNvPr>
+          <p:cNvSpPr>
+            <a:spLocks noChangeArrowheads="1"/>
+          </p:cNvSpPr>
+          <p:nvPr/>
+        </p:nvSpPr>
+        <p:spPr bwMode="auto">
+          <a:xfrm>
+            <a:off x="570491" y="2572337"/>
+            <a:ext cx="7072449" cy="553998"/>
+          </a:xfrm>
+          <a:prstGeom prst="rect">
+            <a:avLst/>
+          </a:prstGeom>
+          <a:noFill/>
+          <a:ln>
+            <a:noFill/>
+          </a:ln>
+          <a:effectLst/>
+          <a:extLst>
+            <a:ext uri="{909E8E84-426E-40DD-AFC4-6F175D3DCCD1}">
+              <a14:hiddenFill xmlns:a14="http://schemas.microsoft.com/office/drawing/2010/main">
+                <a:solidFill>
+                  <a:schemeClr val="accent1"/>
+                </a:solidFill>
+              </a14:hiddenFill>
+            </a:ext>
+            <a:ext uri="{91240B29-F687-4F45-9708-019B960494DF}">
+              <a14:hiddenLine xmlns:a14="http://schemas.microsoft.com/office/drawing/2010/main" w="9525">
+                <a:solidFill>
+                  <a:schemeClr val="tx1"/>
+                </a:solidFill>
+                <a:miter lim="800000"/>
+                <a:headEnd/>
+                <a:tailEnd/>
+              </a14:hiddenLine>
+            </a:ext>
+            <a:ext uri="{AF507438-7753-43E0-B8FC-AC1667EBCBE1}">
+              <a14:hiddenEffects xmlns:a14="http://schemas.microsoft.com/office/drawing/2010/main">
+                <a:effectLst>
+                  <a:outerShdw dist="35921" dir="2700000" algn="ctr" rotWithShape="0">
+                    <a:schemeClr val="bg2"/>
+                  </a:outerShdw>
+                </a:effectLst>
+              </a14:hiddenEffects>
+            </a:ext>
+          </a:extLst>
+        </p:spPr>
+        <p:txBody>
+          <a:bodyPr vert="horz" wrap="none" lIns="0" tIns="0" rIns="0" bIns="0" numCol="1" anchor="ctr" anchorCtr="0" compatLnSpc="1">
+            <a:prstTxWarp prst="textNoShape">
+              <a:avLst/>
+            </a:prstTxWarp>
+            <a:spAutoFit/>
+          </a:bodyPr>
+          <a:lstStyle/>
+          <a:p>
+            <a:pPr marL="285750" marR="0" lvl="0" indent="-285750" algn="l" defTabSz="914400" rtl="0" eaLnBrk="0" fontAlgn="base" latinLnBrk="0" hangingPunct="0">
+              <a:lnSpc>
+                <a:spcPct val="100000"/>
+              </a:lnSpc>
+              <a:spcBef>
+                <a:spcPct val="0"/>
+              </a:spcBef>
+              <a:spcAft>
+                <a:spcPct val="0"/>
+              </a:spcAft>
+              <a:buClrTx/>
+              <a:buSzTx/>
+              <a:buFont typeface="Arial" panose="020B0604020202020204" pitchFamily="34" charset="0"/>
+              <a:buChar char="•"/>
+              <a:tabLst/>
+            </a:pPr>
+            <a:r>
+              <a:rPr lang="en-US" b="1" i="0" dirty="0">
+                <a:solidFill>
+                  <a:schemeClr val="bg1"/>
+                </a:solidFill>
+                <a:effectLst/>
+                <a:latin typeface="Helveticasinav" panose="02000503000000020004" pitchFamily="2" charset="-94"/>
+              </a:rPr>
+              <a:t>Net Profit:</a:t>
+            </a:r>
+            <a:r>
+              <a:rPr lang="en-US" b="0" i="0" dirty="0">
+                <a:solidFill>
+                  <a:schemeClr val="bg1"/>
+                </a:solidFill>
+                <a:effectLst/>
+                <a:latin typeface="Helveticasinav" panose="02000503000000020004" pitchFamily="2" charset="-94"/>
+              </a:rPr>
+              <a:t> After campaign costs, the project delivers an expected </a:t>
+            </a:r>
+          </a:p>
+          <a:p>
+            <a:pPr marR="0" lvl="0" algn="l" defTabSz="914400" rtl="0" eaLnBrk="0" fontAlgn="base" latinLnBrk="0" hangingPunct="0">
+              <a:lnSpc>
+                <a:spcPct val="100000"/>
+              </a:lnSpc>
+              <a:spcBef>
+                <a:spcPct val="0"/>
+              </a:spcBef>
+              <a:spcAft>
+                <a:spcPct val="0"/>
+              </a:spcAft>
+              <a:buClrTx/>
+              <a:buSzTx/>
+              <a:tabLst/>
+            </a:pPr>
+            <a:r>
+              <a:rPr lang="en-US" dirty="0">
+                <a:solidFill>
+                  <a:schemeClr val="bg1"/>
+                </a:solidFill>
+                <a:latin typeface="Helveticasinav" panose="02000503000000020004" pitchFamily="2" charset="-94"/>
+              </a:rPr>
+              <a:t>      </a:t>
+            </a:r>
+            <a:r>
+              <a:rPr lang="en-US" b="1" i="0" dirty="0">
+                <a:solidFill>
+                  <a:schemeClr val="bg1"/>
+                </a:solidFill>
+                <a:effectLst/>
+                <a:latin typeface="Helveticasinav" panose="02000503000000020004" pitchFamily="2" charset="-94"/>
+              </a:rPr>
+              <a:t>~ $1.61 Million / year</a:t>
+            </a:r>
+            <a:r>
+              <a:rPr lang="en-US" b="0" i="0" dirty="0">
+                <a:solidFill>
+                  <a:schemeClr val="bg1"/>
+                </a:solidFill>
+                <a:effectLst/>
+                <a:latin typeface="Helveticasinav" panose="02000503000000020004" pitchFamily="2" charset="-94"/>
+              </a:rPr>
+              <a:t> in net profit/additional retained revenue.</a:t>
+            </a:r>
+            <a:endParaRPr kumimoji="0" lang="en-US" altLang="en-US" b="0" i="0" u="none" strike="noStrike" cap="none" normalizeH="0" baseline="0" dirty="0">
+              <a:ln>
+                <a:noFill/>
+              </a:ln>
+              <a:solidFill>
+                <a:schemeClr val="bg1"/>
+              </a:solidFill>
+              <a:effectLst/>
+              <a:latin typeface="Helveticasinav" panose="02000503000000020004" pitchFamily="2" charset="-94"/>
+            </a:endParaRPr>
+          </a:p>
+        </p:txBody>
+      </p:sp>
+      <p:sp>
+        <p:nvSpPr>
+          <p:cNvPr id="8" name="Rectangle 11">
+            <a:extLst>
+              <a:ext uri="{FF2B5EF4-FFF2-40B4-BE49-F238E27FC236}">
+                <a16:creationId xmlns:a16="http://schemas.microsoft.com/office/drawing/2014/main" id="{704B5A6C-E74E-AE7B-89AE-093D52B8F686}"/>
+              </a:ext>
+            </a:extLst>
+          </p:cNvPr>
+          <p:cNvSpPr>
+            <a:spLocks noChangeArrowheads="1"/>
+          </p:cNvSpPr>
+          <p:nvPr/>
+        </p:nvSpPr>
+        <p:spPr bwMode="auto">
+          <a:xfrm>
+            <a:off x="570491" y="3454667"/>
+            <a:ext cx="7662354" cy="553998"/>
+          </a:xfrm>
+          <a:prstGeom prst="rect">
+            <a:avLst/>
+          </a:prstGeom>
+          <a:noFill/>
+          <a:ln>
+            <a:noFill/>
+          </a:ln>
+          <a:effectLst/>
+          <a:extLst>
+            <a:ext uri="{909E8E84-426E-40DD-AFC4-6F175D3DCCD1}">
+              <a14:hiddenFill xmlns:a14="http://schemas.microsoft.com/office/drawing/2010/main">
+                <a:solidFill>
+                  <a:schemeClr val="accent1"/>
+                </a:solidFill>
+              </a14:hiddenFill>
+            </a:ext>
+            <a:ext uri="{91240B29-F687-4F45-9708-019B960494DF}">
+              <a14:hiddenLine xmlns:a14="http://schemas.microsoft.com/office/drawing/2010/main" w="9525">
+                <a:solidFill>
+                  <a:schemeClr val="tx1"/>
+                </a:solidFill>
+                <a:miter lim="800000"/>
+                <a:headEnd/>
+                <a:tailEnd/>
+              </a14:hiddenLine>
+            </a:ext>
+            <a:ext uri="{AF507438-7753-43E0-B8FC-AC1667EBCBE1}">
+              <a14:hiddenEffects xmlns:a14="http://schemas.microsoft.com/office/drawing/2010/main">
+                <a:effectLst>
+                  <a:outerShdw dist="35921" dir="2700000" algn="ctr" rotWithShape="0">
+                    <a:schemeClr val="bg2"/>
+                  </a:outerShdw>
+                </a:effectLst>
+              </a14:hiddenEffects>
+            </a:ext>
+          </a:extLst>
+        </p:spPr>
+        <p:txBody>
+          <a:bodyPr vert="horz" wrap="none" lIns="0" tIns="0" rIns="0" bIns="0" numCol="1" anchor="ctr" anchorCtr="0" compatLnSpc="1">
+            <a:prstTxWarp prst="textNoShape">
+              <a:avLst/>
+            </a:prstTxWarp>
+            <a:spAutoFit/>
+          </a:bodyPr>
+          <a:lstStyle/>
+          <a:p>
+            <a:pPr marL="285750" marR="0" lvl="0" indent="-285750" algn="l" defTabSz="914400" rtl="0" eaLnBrk="0" fontAlgn="base" latinLnBrk="0" hangingPunct="0">
+              <a:lnSpc>
+                <a:spcPct val="100000"/>
+              </a:lnSpc>
+              <a:spcBef>
+                <a:spcPct val="0"/>
+              </a:spcBef>
+              <a:spcAft>
+                <a:spcPct val="0"/>
+              </a:spcAft>
+              <a:buClrTx/>
+              <a:buSzTx/>
+              <a:buFont typeface="Arial" panose="020B0604020202020204" pitchFamily="34" charset="0"/>
+              <a:buChar char="•"/>
+              <a:tabLst/>
+            </a:pPr>
+            <a:r>
+              <a:rPr lang="en-US" b="1" i="0" dirty="0">
+                <a:solidFill>
+                  <a:schemeClr val="bg1"/>
+                </a:solidFill>
+                <a:effectLst/>
+                <a:latin typeface="Helveticasinav" panose="02000503000000020004" pitchFamily="2" charset="-94"/>
+              </a:rPr>
+              <a:t>Business Strategy Focus:</a:t>
+            </a:r>
+            <a:r>
+              <a:rPr lang="en-US" b="0" i="0" dirty="0">
+                <a:solidFill>
+                  <a:schemeClr val="bg1"/>
+                </a:solidFill>
+                <a:effectLst/>
+                <a:latin typeface="Helveticasinav" panose="02000503000000020004" pitchFamily="2" charset="-94"/>
+              </a:rPr>
+              <a:t> We optimized the model to prioritize </a:t>
+            </a:r>
+            <a:r>
+              <a:rPr lang="en-US" b="1" i="0" dirty="0">
+                <a:solidFill>
+                  <a:schemeClr val="bg1"/>
+                </a:solidFill>
+                <a:effectLst/>
+                <a:latin typeface="Helveticasinav" panose="02000503000000020004" pitchFamily="2" charset="-94"/>
+              </a:rPr>
+              <a:t>Recall </a:t>
+            </a:r>
+          </a:p>
+          <a:p>
+            <a:pPr marR="0" lvl="0" algn="l" defTabSz="914400" rtl="0" eaLnBrk="0" fontAlgn="base" latinLnBrk="0" hangingPunct="0">
+              <a:lnSpc>
+                <a:spcPct val="100000"/>
+              </a:lnSpc>
+              <a:spcBef>
+                <a:spcPct val="0"/>
+              </a:spcBef>
+              <a:spcAft>
+                <a:spcPct val="0"/>
+              </a:spcAft>
+              <a:buClrTx/>
+              <a:buSzTx/>
+              <a:tabLst/>
+            </a:pPr>
+            <a:r>
+              <a:rPr lang="en-US" b="1" i="0" dirty="0">
+                <a:solidFill>
+                  <a:schemeClr val="bg1"/>
+                </a:solidFill>
+                <a:effectLst/>
+                <a:latin typeface="Helveticasinav" panose="02000503000000020004" pitchFamily="2" charset="-94"/>
+              </a:rPr>
+              <a:t>    (catching churners)</a:t>
+            </a:r>
+            <a:r>
+              <a:rPr lang="en-US" b="0" i="0" dirty="0">
+                <a:solidFill>
+                  <a:schemeClr val="bg1"/>
+                </a:solidFill>
+                <a:effectLst/>
+                <a:latin typeface="Helveticasinav" panose="02000503000000020004" pitchFamily="2" charset="-94"/>
+              </a:rPr>
+              <a:t> over Precision.</a:t>
+            </a:r>
+            <a:endParaRPr kumimoji="0" lang="en-US" altLang="en-US" b="0" i="0" u="none" strike="noStrike" cap="none" normalizeH="0" baseline="0" dirty="0">
+              <a:ln>
+                <a:noFill/>
+              </a:ln>
+              <a:solidFill>
+                <a:schemeClr val="bg1"/>
+              </a:solidFill>
+              <a:effectLst/>
+              <a:latin typeface="Helveticasinav" panose="02000503000000020004" pitchFamily="2" charset="-94"/>
+            </a:endParaRPr>
+          </a:p>
+        </p:txBody>
+      </p:sp>
+      <p:sp>
+        <p:nvSpPr>
+          <p:cNvPr id="9" name="Rectangle 12">
+            <a:extLst>
+              <a:ext uri="{FF2B5EF4-FFF2-40B4-BE49-F238E27FC236}">
+                <a16:creationId xmlns:a16="http://schemas.microsoft.com/office/drawing/2014/main" id="{0C082D98-7789-61CD-23F9-85FE7FD526DD}"/>
+              </a:ext>
+            </a:extLst>
+          </p:cNvPr>
+          <p:cNvSpPr>
+            <a:spLocks noChangeArrowheads="1"/>
+          </p:cNvSpPr>
+          <p:nvPr/>
+        </p:nvSpPr>
+        <p:spPr bwMode="auto">
+          <a:xfrm>
+            <a:off x="548050" y="4404251"/>
+            <a:ext cx="7341753" cy="553998"/>
+          </a:xfrm>
+          <a:prstGeom prst="rect">
+            <a:avLst/>
+          </a:prstGeom>
+          <a:noFill/>
+          <a:ln>
+            <a:noFill/>
+          </a:ln>
+          <a:effectLst/>
+          <a:extLst>
+            <a:ext uri="{909E8E84-426E-40DD-AFC4-6F175D3DCCD1}">
+              <a14:hiddenFill xmlns:a14="http://schemas.microsoft.com/office/drawing/2010/main">
+                <a:solidFill>
+                  <a:schemeClr val="accent1"/>
+                </a:solidFill>
+              </a14:hiddenFill>
+            </a:ext>
+            <a:ext uri="{91240B29-F687-4F45-9708-019B960494DF}">
+              <a14:hiddenLine xmlns:a14="http://schemas.microsoft.com/office/drawing/2010/main" w="9525">
+                <a:solidFill>
+                  <a:schemeClr val="tx1"/>
+                </a:solidFill>
+                <a:miter lim="800000"/>
+                <a:headEnd/>
+                <a:tailEnd/>
+              </a14:hiddenLine>
+            </a:ext>
+            <a:ext uri="{AF507438-7753-43E0-B8FC-AC1667EBCBE1}">
+              <a14:hiddenEffects xmlns:a14="http://schemas.microsoft.com/office/drawing/2010/main">
+                <a:effectLst>
+                  <a:outerShdw dist="35921" dir="2700000" algn="ctr" rotWithShape="0">
+                    <a:schemeClr val="bg2"/>
+                  </a:outerShdw>
+                </a:effectLst>
+              </a14:hiddenEffects>
+            </a:ext>
+          </a:extLst>
+        </p:spPr>
+        <p:txBody>
+          <a:bodyPr vert="horz" wrap="none" lIns="0" tIns="0" rIns="0" bIns="0" numCol="1" anchor="ctr" anchorCtr="0" compatLnSpc="1">
+            <a:prstTxWarp prst="textNoShape">
+              <a:avLst/>
+            </a:prstTxWarp>
+            <a:spAutoFit/>
+          </a:bodyPr>
+          <a:lstStyle/>
+          <a:p>
+            <a:pPr marL="285750" marR="0" lvl="0" indent="-285750" algn="l" defTabSz="914400" rtl="0" eaLnBrk="0" fontAlgn="base" latinLnBrk="0" hangingPunct="0">
+              <a:lnSpc>
+                <a:spcPct val="100000"/>
+              </a:lnSpc>
+              <a:spcBef>
+                <a:spcPct val="0"/>
+              </a:spcBef>
+              <a:spcAft>
+                <a:spcPct val="0"/>
+              </a:spcAft>
+              <a:buClrTx/>
+              <a:buSzTx/>
+              <a:buFont typeface="Arial" panose="020B0604020202020204" pitchFamily="34" charset="0"/>
+              <a:buChar char="•"/>
+              <a:tabLst/>
+            </a:pPr>
+            <a:r>
+              <a:rPr lang="en-US" b="1" i="0" dirty="0">
+                <a:solidFill>
+                  <a:schemeClr val="bg1"/>
+                </a:solidFill>
+                <a:effectLst/>
+                <a:latin typeface="Helveticasinav" panose="02000503000000020004" pitchFamily="2" charset="-94"/>
+              </a:rPr>
+              <a:t>High Catch Rate:</a:t>
+            </a:r>
+            <a:r>
+              <a:rPr lang="en-US" b="0" i="0" dirty="0">
+                <a:solidFill>
+                  <a:schemeClr val="bg1"/>
+                </a:solidFill>
+                <a:effectLst/>
+                <a:latin typeface="Helveticasinav" panose="02000503000000020004" pitchFamily="2" charset="-94"/>
+              </a:rPr>
+              <a:t> The model successfully identifies </a:t>
+            </a:r>
+            <a:r>
+              <a:rPr lang="en-US" b="1" i="0" dirty="0">
+                <a:solidFill>
+                  <a:schemeClr val="bg1"/>
+                </a:solidFill>
+                <a:effectLst/>
+                <a:latin typeface="Helveticasinav" panose="02000503000000020004" pitchFamily="2" charset="-94"/>
+              </a:rPr>
+              <a:t>81 out of every </a:t>
+            </a:r>
+          </a:p>
+          <a:p>
+            <a:pPr marR="0" lvl="0" algn="l" defTabSz="914400" rtl="0" eaLnBrk="0" fontAlgn="base" latinLnBrk="0" hangingPunct="0">
+              <a:lnSpc>
+                <a:spcPct val="100000"/>
+              </a:lnSpc>
+              <a:spcBef>
+                <a:spcPct val="0"/>
+              </a:spcBef>
+              <a:spcAft>
+                <a:spcPct val="0"/>
+              </a:spcAft>
+              <a:buClrTx/>
+              <a:buSzTx/>
+              <a:tabLst/>
+            </a:pPr>
+            <a:r>
+              <a:rPr lang="en-US" b="1" dirty="0">
+                <a:solidFill>
+                  <a:schemeClr val="bg1"/>
+                </a:solidFill>
+                <a:latin typeface="Helveticasinav" panose="02000503000000020004" pitchFamily="2" charset="-94"/>
+              </a:rPr>
+              <a:t>     </a:t>
+            </a:r>
+            <a:r>
+              <a:rPr lang="en-US" b="1" i="0" dirty="0">
+                <a:solidFill>
+                  <a:schemeClr val="bg1"/>
+                </a:solidFill>
+                <a:effectLst/>
+                <a:latin typeface="Helveticasinav" panose="02000503000000020004" pitchFamily="2" charset="-94"/>
+              </a:rPr>
+              <a:t>100 potential churners</a:t>
+            </a:r>
+            <a:r>
+              <a:rPr lang="en-US" b="0" i="0" dirty="0">
+                <a:solidFill>
+                  <a:schemeClr val="bg1"/>
+                </a:solidFill>
+                <a:effectLst/>
+                <a:latin typeface="Helveticasinav" panose="02000503000000020004" pitchFamily="2" charset="-94"/>
+              </a:rPr>
+              <a:t> (</a:t>
+            </a:r>
+            <a:r>
+              <a:rPr lang="en-US" b="1" i="0" dirty="0">
+                <a:solidFill>
+                  <a:schemeClr val="bg1"/>
+                </a:solidFill>
+                <a:effectLst/>
+                <a:latin typeface="Helveticasinav" panose="02000503000000020004" pitchFamily="2" charset="-94"/>
+              </a:rPr>
+              <a:t>81% Recall</a:t>
+            </a:r>
+            <a:r>
+              <a:rPr lang="en-US" b="0" i="0" dirty="0">
+                <a:solidFill>
+                  <a:schemeClr val="bg1"/>
+                </a:solidFill>
+                <a:effectLst/>
+                <a:latin typeface="Helveticasinav" panose="02000503000000020004" pitchFamily="2" charset="-94"/>
+              </a:rPr>
+              <a:t>).</a:t>
+            </a:r>
+            <a:endParaRPr kumimoji="0" lang="en-US" altLang="en-US" b="0" i="0" u="none" strike="noStrike" cap="none" normalizeH="0" baseline="0" dirty="0">
+              <a:ln>
+                <a:noFill/>
+              </a:ln>
+              <a:solidFill>
+                <a:schemeClr val="bg1"/>
+              </a:solidFill>
+              <a:effectLst/>
+              <a:latin typeface="Helveticasinav" panose="02000503000000020004" pitchFamily="2" charset="-94"/>
+            </a:endParaRPr>
+          </a:p>
+        </p:txBody>
+      </p:sp>
+      <p:sp>
+        <p:nvSpPr>
+          <p:cNvPr id="11" name="Rectangle 12">
+            <a:extLst>
+              <a:ext uri="{FF2B5EF4-FFF2-40B4-BE49-F238E27FC236}">
+                <a16:creationId xmlns:a16="http://schemas.microsoft.com/office/drawing/2014/main" id="{212954AF-B6A6-3992-F56F-200A9B0C0DA0}"/>
+              </a:ext>
+            </a:extLst>
+          </p:cNvPr>
+          <p:cNvSpPr>
+            <a:spLocks noChangeArrowheads="1"/>
+          </p:cNvSpPr>
+          <p:nvPr/>
+        </p:nvSpPr>
+        <p:spPr bwMode="auto">
+          <a:xfrm>
+            <a:off x="570491" y="5353835"/>
+            <a:ext cx="8444619" cy="830997"/>
+          </a:xfrm>
+          <a:prstGeom prst="rect">
+            <a:avLst/>
+          </a:prstGeom>
+          <a:noFill/>
+          <a:ln>
+            <a:noFill/>
+          </a:ln>
+          <a:effectLst/>
+          <a:extLst>
+            <a:ext uri="{909E8E84-426E-40DD-AFC4-6F175D3DCCD1}">
+              <a14:hiddenFill xmlns:a14="http://schemas.microsoft.com/office/drawing/2010/main">
+                <a:solidFill>
+                  <a:schemeClr val="accent1"/>
+                </a:solidFill>
+              </a14:hiddenFill>
+            </a:ext>
+            <a:ext uri="{91240B29-F687-4F45-9708-019B960494DF}">
+              <a14:hiddenLine xmlns:a14="http://schemas.microsoft.com/office/drawing/2010/main" w="9525">
+                <a:solidFill>
+                  <a:schemeClr val="tx1"/>
+                </a:solidFill>
+                <a:miter lim="800000"/>
+                <a:headEnd/>
+                <a:tailEnd/>
+              </a14:hiddenLine>
+            </a:ext>
+            <a:ext uri="{AF507438-7753-43E0-B8FC-AC1667EBCBE1}">
+              <a14:hiddenEffects xmlns:a14="http://schemas.microsoft.com/office/drawing/2010/main">
+                <a:effectLst>
+                  <a:outerShdw dist="35921" dir="2700000" algn="ctr" rotWithShape="0">
+                    <a:schemeClr val="bg2"/>
+                  </a:outerShdw>
+                </a:effectLst>
+              </a14:hiddenEffects>
+            </a:ext>
+          </a:extLst>
+        </p:spPr>
+        <p:txBody>
+          <a:bodyPr vert="horz" wrap="none" lIns="0" tIns="0" rIns="0" bIns="0" numCol="1" anchor="ctr" anchorCtr="0" compatLnSpc="1">
+            <a:prstTxWarp prst="textNoShape">
+              <a:avLst/>
+            </a:prstTxWarp>
+            <a:spAutoFit/>
+          </a:bodyPr>
+          <a:lstStyle/>
+          <a:p>
+            <a:pPr marL="285750" marR="0" lvl="0" indent="-285750" algn="l" defTabSz="914400" rtl="0" eaLnBrk="0" fontAlgn="base" latinLnBrk="0" hangingPunct="0">
+              <a:lnSpc>
+                <a:spcPct val="100000"/>
+              </a:lnSpc>
+              <a:spcBef>
+                <a:spcPct val="0"/>
+              </a:spcBef>
+              <a:spcAft>
+                <a:spcPct val="0"/>
+              </a:spcAft>
+              <a:buClrTx/>
+              <a:buSzTx/>
+              <a:buFont typeface="Arial" panose="020B0604020202020204" pitchFamily="34" charset="0"/>
+              <a:buChar char="•"/>
+              <a:tabLst/>
+            </a:pPr>
+            <a:r>
+              <a:rPr lang="en-US" b="1" i="0" dirty="0">
+                <a:solidFill>
+                  <a:schemeClr val="bg1"/>
+                </a:solidFill>
+                <a:effectLst/>
+                <a:latin typeface="Helveticasinav" panose="02000503000000020004" pitchFamily="2" charset="-94"/>
+              </a:rPr>
+              <a:t>Why 81% Recall Matters:</a:t>
+            </a:r>
+            <a:r>
+              <a:rPr lang="en-US" b="0" i="0" dirty="0">
+                <a:solidFill>
+                  <a:schemeClr val="bg1"/>
+                </a:solidFill>
+                <a:effectLst/>
+                <a:latin typeface="Helveticasinav" panose="02000503000000020004" pitchFamily="2" charset="-94"/>
+              </a:rPr>
+              <a:t> In churn prediction, a </a:t>
+            </a:r>
+            <a:r>
+              <a:rPr lang="en-US" b="1" i="0" dirty="0">
+                <a:solidFill>
+                  <a:schemeClr val="bg1"/>
+                </a:solidFill>
+                <a:effectLst/>
+                <a:latin typeface="Helveticasinav" panose="02000503000000020004" pitchFamily="2" charset="-94"/>
+              </a:rPr>
+              <a:t>False Negative</a:t>
+            </a:r>
+            <a:r>
+              <a:rPr lang="en-US" b="0" i="0" dirty="0">
+                <a:solidFill>
+                  <a:schemeClr val="bg1"/>
+                </a:solidFill>
+                <a:effectLst/>
+                <a:latin typeface="Helveticasinav" panose="02000503000000020004" pitchFamily="2" charset="-94"/>
+              </a:rPr>
+              <a:t> (missing </a:t>
+            </a:r>
+          </a:p>
+          <a:p>
+            <a:pPr marR="0" lvl="0" algn="l" defTabSz="914400" rtl="0" eaLnBrk="0" fontAlgn="base" latinLnBrk="0" hangingPunct="0">
+              <a:lnSpc>
+                <a:spcPct val="100000"/>
+              </a:lnSpc>
+              <a:spcBef>
+                <a:spcPct val="0"/>
+              </a:spcBef>
+              <a:spcAft>
+                <a:spcPct val="0"/>
+              </a:spcAft>
+              <a:buClrTx/>
+              <a:buSzTx/>
+              <a:tabLst/>
+            </a:pPr>
+            <a:r>
+              <a:rPr lang="en-US" b="0" i="0" dirty="0">
+                <a:solidFill>
+                  <a:schemeClr val="bg1"/>
+                </a:solidFill>
+                <a:effectLst/>
+                <a:latin typeface="Helveticasinav" panose="02000503000000020004" pitchFamily="2" charset="-94"/>
+              </a:rPr>
+              <a:t>     a customer who leaves) is much costlier than a False Positive (giving a discount</a:t>
+            </a:r>
+          </a:p>
+          <a:p>
+            <a:pPr marR="0" lvl="0" algn="l" defTabSz="914400" rtl="0" eaLnBrk="0" fontAlgn="base" latinLnBrk="0" hangingPunct="0">
+              <a:lnSpc>
+                <a:spcPct val="100000"/>
+              </a:lnSpc>
+              <a:spcBef>
+                <a:spcPct val="0"/>
+              </a:spcBef>
+              <a:spcAft>
+                <a:spcPct val="0"/>
+              </a:spcAft>
+              <a:buClrTx/>
+              <a:buSzTx/>
+              <a:tabLst/>
+            </a:pPr>
+            <a:r>
+              <a:rPr lang="en-US" dirty="0">
+                <a:solidFill>
+                  <a:schemeClr val="bg1"/>
+                </a:solidFill>
+                <a:latin typeface="Helveticasinav" panose="02000503000000020004" pitchFamily="2" charset="-94"/>
+              </a:rPr>
+              <a:t>    </a:t>
+            </a:r>
+            <a:r>
+              <a:rPr lang="en-US" b="0" i="0" dirty="0">
+                <a:solidFill>
+                  <a:schemeClr val="bg1"/>
+                </a:solidFill>
+                <a:effectLst/>
+                <a:latin typeface="Helveticasinav" panose="02000503000000020004" pitchFamily="2" charset="-94"/>
+              </a:rPr>
+              <a:t> to an active customer).</a:t>
+            </a:r>
+            <a:endParaRPr kumimoji="0" lang="en-US" altLang="en-US" b="0" i="0" u="none" strike="noStrike" cap="none" normalizeH="0" baseline="0" dirty="0">
+              <a:ln>
+                <a:noFill/>
+              </a:ln>
+              <a:solidFill>
+                <a:schemeClr val="bg1"/>
+              </a:solidFill>
+              <a:effectLst/>
+              <a:latin typeface="Helveticasinav" panose="02000503000000020004" pitchFamily="2" charset="-94"/>
+            </a:endParaRPr>
           </a:p>
         </p:txBody>
       </p:sp>
@@ -3786,6 +6918,9 @@
   <p:clrMapOvr>
     <a:masterClrMapping/>
   </p:clrMapOvr>
+  <p:transition spd="med">
+    <p:pull/>
+  </p:transition>
 </p:sld>
 </file>
 
@@ -3816,81 +6951,920 @@
       </p:grpSpPr>
       <p:sp>
         <p:nvSpPr>
-          <p:cNvPr id="3" name="Content Placeholder 2"/>
-          <p:cNvSpPr>
-            <a:spLocks noGrp="1"/>
+          <p:cNvPr id="5" name="Content Placeholder 2">
+            <a:extLst>
+              <a:ext uri="{FF2B5EF4-FFF2-40B4-BE49-F238E27FC236}">
+                <a16:creationId xmlns:a16="http://schemas.microsoft.com/office/drawing/2014/main" id="{2F306582-B481-3C66-FE05-9CF2B753F5B8}"/>
+              </a:ext>
+            </a:extLst>
+          </p:cNvPr>
+          <p:cNvSpPr txBox="1">
+            <a:spLocks/>
           </p:cNvSpPr>
-          <p:nvPr>
-            <p:ph idx="1"/>
-          </p:nvPr>
+          <p:nvPr/>
         </p:nvSpPr>
         <p:spPr>
           <a:xfrm>
-            <a:off x="457200" y="1298642"/>
-            <a:ext cx="8229600" cy="4525963"/>
+            <a:off x="457200" y="641763"/>
+            <a:ext cx="8229600" cy="821278"/>
           </a:xfrm>
+          <a:prstGeom prst="rect">
+            <a:avLst/>
+          </a:prstGeom>
         </p:spPr>
         <p:txBody>
-          <a:bodyPr/>
+          <a:bodyPr vert="horz" lIns="91440" tIns="45720" rIns="91440" bIns="45720" rtlCol="0">
+            <a:normAutofit lnSpcReduction="10000"/>
+          </a:bodyPr>
+          <a:lstStyle>
+            <a:lvl1pPr marL="342900" indent="-342900" algn="l" defTabSz="457200" rtl="0" eaLnBrk="1" latinLnBrk="0" hangingPunct="1">
+              <a:spcBef>
+                <a:spcPct val="20000"/>
+              </a:spcBef>
+              <a:buFont typeface="Arial"/>
+              <a:buChar char="•"/>
+              <a:defRPr sz="3200" kern="1200">
+                <a:solidFill>
+                  <a:schemeClr val="tx1"/>
+                </a:solidFill>
+                <a:latin typeface="+mn-lt"/>
+                <a:ea typeface="+mn-ea"/>
+                <a:cs typeface="+mn-cs"/>
+              </a:defRPr>
+            </a:lvl1pPr>
+            <a:lvl2pPr marL="742950" indent="-285750" algn="l" defTabSz="457200" rtl="0" eaLnBrk="1" latinLnBrk="0" hangingPunct="1">
+              <a:spcBef>
+                <a:spcPct val="20000"/>
+              </a:spcBef>
+              <a:buFont typeface="Arial"/>
+              <a:buChar char="–"/>
+              <a:defRPr sz="2800" kern="1200">
+                <a:solidFill>
+                  <a:schemeClr val="tx1"/>
+                </a:solidFill>
+                <a:latin typeface="+mn-lt"/>
+                <a:ea typeface="+mn-ea"/>
+                <a:cs typeface="+mn-cs"/>
+              </a:defRPr>
+            </a:lvl2pPr>
+            <a:lvl3pPr marL="1143000" indent="-228600" algn="l" defTabSz="457200" rtl="0" eaLnBrk="1" latinLnBrk="0" hangingPunct="1">
+              <a:spcBef>
+                <a:spcPct val="20000"/>
+              </a:spcBef>
+              <a:buFont typeface="Arial"/>
+              <a:buChar char="•"/>
+              <a:defRPr sz="2400" kern="1200">
+                <a:solidFill>
+                  <a:schemeClr val="tx1"/>
+                </a:solidFill>
+                <a:latin typeface="+mn-lt"/>
+                <a:ea typeface="+mn-ea"/>
+                <a:cs typeface="+mn-cs"/>
+              </a:defRPr>
+            </a:lvl3pPr>
+            <a:lvl4pPr marL="1600200" indent="-228600" algn="l" defTabSz="457200" rtl="0" eaLnBrk="1" latinLnBrk="0" hangingPunct="1">
+              <a:spcBef>
+                <a:spcPct val="20000"/>
+              </a:spcBef>
+              <a:buFont typeface="Arial"/>
+              <a:buChar char="–"/>
+              <a:defRPr sz="2000" kern="1200">
+                <a:solidFill>
+                  <a:schemeClr val="tx1"/>
+                </a:solidFill>
+                <a:latin typeface="+mn-lt"/>
+                <a:ea typeface="+mn-ea"/>
+                <a:cs typeface="+mn-cs"/>
+              </a:defRPr>
+            </a:lvl4pPr>
+            <a:lvl5pPr marL="2057400" indent="-228600" algn="l" defTabSz="457200" rtl="0" eaLnBrk="1" latinLnBrk="0" hangingPunct="1">
+              <a:spcBef>
+                <a:spcPct val="20000"/>
+              </a:spcBef>
+              <a:buFont typeface="Arial"/>
+              <a:buChar char="»"/>
+              <a:defRPr sz="2000" kern="1200">
+                <a:solidFill>
+                  <a:schemeClr val="tx1"/>
+                </a:solidFill>
+                <a:latin typeface="+mn-lt"/>
+                <a:ea typeface="+mn-ea"/>
+                <a:cs typeface="+mn-cs"/>
+              </a:defRPr>
+            </a:lvl5pPr>
+            <a:lvl6pPr marL="2514600" indent="-228600" algn="l" defTabSz="457200" rtl="0" eaLnBrk="1" latinLnBrk="0" hangingPunct="1">
+              <a:spcBef>
+                <a:spcPct val="20000"/>
+              </a:spcBef>
+              <a:buFont typeface="Arial"/>
+              <a:buChar char="•"/>
+              <a:defRPr sz="2000" kern="1200">
+                <a:solidFill>
+                  <a:schemeClr val="tx1"/>
+                </a:solidFill>
+                <a:latin typeface="+mn-lt"/>
+                <a:ea typeface="+mn-ea"/>
+                <a:cs typeface="+mn-cs"/>
+              </a:defRPr>
+            </a:lvl6pPr>
+            <a:lvl7pPr marL="2971800" indent="-228600" algn="l" defTabSz="457200" rtl="0" eaLnBrk="1" latinLnBrk="0" hangingPunct="1">
+              <a:spcBef>
+                <a:spcPct val="20000"/>
+              </a:spcBef>
+              <a:buFont typeface="Arial"/>
+              <a:buChar char="•"/>
+              <a:defRPr sz="2000" kern="1200">
+                <a:solidFill>
+                  <a:schemeClr val="tx1"/>
+                </a:solidFill>
+                <a:latin typeface="+mn-lt"/>
+                <a:ea typeface="+mn-ea"/>
+                <a:cs typeface="+mn-cs"/>
+              </a:defRPr>
+            </a:lvl7pPr>
+            <a:lvl8pPr marL="3429000" indent="-228600" algn="l" defTabSz="457200" rtl="0" eaLnBrk="1" latinLnBrk="0" hangingPunct="1">
+              <a:spcBef>
+                <a:spcPct val="20000"/>
+              </a:spcBef>
+              <a:buFont typeface="Arial"/>
+              <a:buChar char="•"/>
+              <a:defRPr sz="2000" kern="1200">
+                <a:solidFill>
+                  <a:schemeClr val="tx1"/>
+                </a:solidFill>
+                <a:latin typeface="+mn-lt"/>
+                <a:ea typeface="+mn-ea"/>
+                <a:cs typeface="+mn-cs"/>
+              </a:defRPr>
+            </a:lvl8pPr>
+            <a:lvl9pPr marL="3886200" indent="-228600" algn="l" defTabSz="457200" rtl="0" eaLnBrk="1" latinLnBrk="0" hangingPunct="1">
+              <a:spcBef>
+                <a:spcPct val="20000"/>
+              </a:spcBef>
+              <a:buFont typeface="Arial"/>
+              <a:buChar char="•"/>
+              <a:defRPr sz="2000" kern="1200">
+                <a:solidFill>
+                  <a:schemeClr val="tx1"/>
+                </a:solidFill>
+                <a:latin typeface="+mn-lt"/>
+                <a:ea typeface="+mn-ea"/>
+                <a:cs typeface="+mn-cs"/>
+              </a:defRPr>
+            </a:lvl9pPr>
+          </a:lstStyle>
+          <a:p>
+            <a:pPr marL="0" indent="0" algn="ctr">
+              <a:buFont typeface="Arial"/>
+              <a:buNone/>
+            </a:pPr>
+            <a:r>
+              <a:rPr lang="en-US" sz="2800" b="1" dirty="0">
+                <a:solidFill>
+                  <a:srgbClr val="FFFFFF"/>
+                </a:solidFill>
+              </a:rPr>
+              <a:t>Financial Summary and Status</a:t>
+            </a:r>
+          </a:p>
+          <a:p>
+            <a:pPr marL="0" indent="0" algn="ctr">
+              <a:buFont typeface="Arial"/>
+              <a:buNone/>
+            </a:pPr>
+            <a:r>
+              <a:rPr lang="en-US" sz="2000" b="1" dirty="0">
+                <a:solidFill>
+                  <a:srgbClr val="FFFFFF"/>
+                </a:solidFill>
+              </a:rPr>
+              <a:t>Key Metrics Overview</a:t>
+            </a:r>
+          </a:p>
+        </p:txBody>
+      </p:sp>
+      <p:sp>
+        <p:nvSpPr>
+          <p:cNvPr id="6" name="Rectangle 9">
+            <a:extLst>
+              <a:ext uri="{FF2B5EF4-FFF2-40B4-BE49-F238E27FC236}">
+                <a16:creationId xmlns:a16="http://schemas.microsoft.com/office/drawing/2014/main" id="{FDE6DA17-040B-9DF8-EFC7-DFCA4F999904}"/>
+              </a:ext>
+            </a:extLst>
+          </p:cNvPr>
+          <p:cNvSpPr>
+            <a:spLocks noChangeArrowheads="1"/>
+          </p:cNvSpPr>
+          <p:nvPr/>
+        </p:nvSpPr>
+        <p:spPr bwMode="auto">
+          <a:xfrm>
+            <a:off x="548050" y="1761253"/>
+            <a:ext cx="8361263" cy="553998"/>
+          </a:xfrm>
+          <a:prstGeom prst="rect">
+            <a:avLst/>
+          </a:prstGeom>
+          <a:noFill/>
+          <a:ln>
+            <a:noFill/>
+          </a:ln>
+          <a:effectLst/>
+          <a:extLst>
+            <a:ext uri="{909E8E84-426E-40DD-AFC4-6F175D3DCCD1}">
+              <a14:hiddenFill xmlns:a14="http://schemas.microsoft.com/office/drawing/2010/main">
+                <a:solidFill>
+                  <a:schemeClr val="accent1"/>
+                </a:solidFill>
+              </a14:hiddenFill>
+            </a:ext>
+            <a:ext uri="{91240B29-F687-4F45-9708-019B960494DF}">
+              <a14:hiddenLine xmlns:a14="http://schemas.microsoft.com/office/drawing/2010/main" w="9525">
+                <a:solidFill>
+                  <a:schemeClr val="tx1"/>
+                </a:solidFill>
+                <a:miter lim="800000"/>
+                <a:headEnd/>
+                <a:tailEnd/>
+              </a14:hiddenLine>
+            </a:ext>
+            <a:ext uri="{AF507438-7753-43E0-B8FC-AC1667EBCBE1}">
+              <a14:hiddenEffects xmlns:a14="http://schemas.microsoft.com/office/drawing/2010/main">
+                <a:effectLst>
+                  <a:outerShdw dist="35921" dir="2700000" algn="ctr" rotWithShape="0">
+                    <a:schemeClr val="bg2"/>
+                  </a:outerShdw>
+                </a:effectLst>
+              </a14:hiddenEffects>
+            </a:ext>
+          </a:extLst>
+        </p:spPr>
+        <p:txBody>
+          <a:bodyPr vert="horz" wrap="square" lIns="0" tIns="0" rIns="0" bIns="0" numCol="1" anchor="ctr" anchorCtr="0" compatLnSpc="1">
+            <a:prstTxWarp prst="textNoShape">
+              <a:avLst/>
+            </a:prstTxWarp>
+            <a:spAutoFit/>
+          </a:bodyPr>
           <a:lstStyle/>
           <a:p>
-            <a:r>
-              <a:rPr sz="2200" dirty="0">
-                <a:solidFill>
-                  <a:srgbClr val="FFFFFF"/>
-                </a:solidFill>
-              </a:rPr>
-              <a:t>Prepared By: Murat IYIGUN</a:t>
-            </a:r>
-          </a:p>
-          <a:p>
-            <a:r>
-              <a:rPr sz="2200" dirty="0">
-                <a:solidFill>
-                  <a:srgbClr val="FFFFFF"/>
-                </a:solidFill>
-              </a:rPr>
-              <a:t>The Opportunity: Identifying at-risk customers 14 days in advance allows us to intervene proactively and retain them.</a:t>
-            </a:r>
-          </a:p>
-          <a:p>
-            <a:r>
-              <a:rPr sz="2200" dirty="0">
-                <a:solidFill>
-                  <a:srgbClr val="FFFFFF"/>
-                </a:solidFill>
-              </a:rPr>
-              <a:t>Slide 4: Financial Impact &amp; ROI (Key Metrics)</a:t>
-            </a:r>
-          </a:p>
-          <a:p>
-            <a:r>
-              <a:rPr sz="2200" dirty="0">
-                <a:solidFill>
-                  <a:srgbClr val="FFFFFF"/>
-                </a:solidFill>
-              </a:rPr>
-              <a:t>Net Profit: ~$1.7 Million in additional retained revenue per year.</a:t>
-            </a:r>
-          </a:p>
-          <a:p>
-            <a:r>
-              <a:rPr sz="2200" dirty="0">
-                <a:solidFill>
-                  <a:srgbClr val="FFFFFF"/>
-                </a:solidFill>
-              </a:rPr>
-              <a:t>Slide 6: Operational Roadmap (Next Steps)</a:t>
-            </a:r>
-          </a:p>
-          <a:p>
-            <a:r>
-              <a:rPr sz="2200" dirty="0">
-                <a:solidFill>
-                  <a:srgbClr val="FFFFFF"/>
-                </a:solidFill>
-              </a:rPr>
-              <a:t>Slide 7: Conclusion &amp; Ask</a:t>
+            <a:pPr marL="285750" marR="0" lvl="0" indent="-285750" algn="l" defTabSz="914400" rtl="0" eaLnBrk="0" fontAlgn="base" latinLnBrk="0" hangingPunct="0">
+              <a:lnSpc>
+                <a:spcPct val="100000"/>
+              </a:lnSpc>
+              <a:spcBef>
+                <a:spcPct val="0"/>
+              </a:spcBef>
+              <a:spcAft>
+                <a:spcPct val="0"/>
+              </a:spcAft>
+              <a:buClrTx/>
+              <a:buSzTx/>
+              <a:buFont typeface="Arial" panose="020B0604020202020204" pitchFamily="34" charset="0"/>
+              <a:buChar char="•"/>
+              <a:tabLst/>
+            </a:pPr>
+            <a:r>
+              <a:rPr lang="en-US" b="1" i="0" dirty="0">
+                <a:solidFill>
+                  <a:schemeClr val="bg1"/>
+                </a:solidFill>
+                <a:effectLst/>
+                <a:latin typeface="Helveticasinav" panose="02000503000000020004" pitchFamily="2" charset="-94"/>
+              </a:rPr>
+              <a:t>Opportunity Highlight:</a:t>
+            </a:r>
+            <a:r>
+              <a:rPr lang="en-US" b="0" i="0" dirty="0">
+                <a:solidFill>
+                  <a:schemeClr val="bg1"/>
+                </a:solidFill>
+                <a:effectLst/>
+                <a:latin typeface="Helveticasinav" panose="02000503000000020004" pitchFamily="2" charset="-94"/>
+              </a:rPr>
+              <a:t> Identifying at-risk customers </a:t>
+            </a:r>
+            <a:r>
+              <a:rPr lang="en-US" b="1" i="0" dirty="0">
+                <a:solidFill>
+                  <a:schemeClr val="bg1"/>
+                </a:solidFill>
+                <a:effectLst/>
+                <a:latin typeface="Helveticasinav" panose="02000503000000020004" pitchFamily="2" charset="-94"/>
+              </a:rPr>
+              <a:t>14 days in advance</a:t>
+            </a:r>
+            <a:r>
+              <a:rPr lang="en-US" b="0" i="0" dirty="0">
+                <a:solidFill>
+                  <a:schemeClr val="bg1"/>
+                </a:solidFill>
+                <a:effectLst/>
+                <a:latin typeface="Helveticasinav" panose="02000503000000020004" pitchFamily="2" charset="-94"/>
+              </a:rPr>
+              <a:t> allows us to intervene proactively and retain them.</a:t>
+            </a:r>
+            <a:endParaRPr kumimoji="0" lang="en-US" altLang="en-US" b="1" i="0" u="none" strike="noStrike" cap="none" normalizeH="0" baseline="0" dirty="0">
+              <a:ln>
+                <a:noFill/>
+              </a:ln>
+              <a:solidFill>
+                <a:schemeClr val="bg1"/>
+              </a:solidFill>
+              <a:effectLst/>
+              <a:latin typeface="Helveticasinav" panose="02000503000000020004" pitchFamily="2" charset="-94"/>
+            </a:endParaRPr>
+          </a:p>
+        </p:txBody>
+      </p:sp>
+      <p:sp>
+        <p:nvSpPr>
+          <p:cNvPr id="7" name="Rectangle 10">
+            <a:extLst>
+              <a:ext uri="{FF2B5EF4-FFF2-40B4-BE49-F238E27FC236}">
+                <a16:creationId xmlns:a16="http://schemas.microsoft.com/office/drawing/2014/main" id="{639C9295-8993-9200-00D4-C9B3CB610341}"/>
+              </a:ext>
+            </a:extLst>
+          </p:cNvPr>
+          <p:cNvSpPr>
+            <a:spLocks noChangeArrowheads="1"/>
+          </p:cNvSpPr>
+          <p:nvPr/>
+        </p:nvSpPr>
+        <p:spPr bwMode="auto">
+          <a:xfrm>
+            <a:off x="548050" y="2821199"/>
+            <a:ext cx="6848029" cy="276999"/>
+          </a:xfrm>
+          <a:prstGeom prst="rect">
+            <a:avLst/>
+          </a:prstGeom>
+          <a:noFill/>
+          <a:ln>
+            <a:noFill/>
+          </a:ln>
+          <a:effectLst/>
+          <a:extLst>
+            <a:ext uri="{909E8E84-426E-40DD-AFC4-6F175D3DCCD1}">
+              <a14:hiddenFill xmlns:a14="http://schemas.microsoft.com/office/drawing/2010/main">
+                <a:solidFill>
+                  <a:schemeClr val="accent1"/>
+                </a:solidFill>
+              </a14:hiddenFill>
+            </a:ext>
+            <a:ext uri="{91240B29-F687-4F45-9708-019B960494DF}">
+              <a14:hiddenLine xmlns:a14="http://schemas.microsoft.com/office/drawing/2010/main" w="9525">
+                <a:solidFill>
+                  <a:schemeClr val="tx1"/>
+                </a:solidFill>
+                <a:miter lim="800000"/>
+                <a:headEnd/>
+                <a:tailEnd/>
+              </a14:hiddenLine>
+            </a:ext>
+            <a:ext uri="{AF507438-7753-43E0-B8FC-AC1667EBCBE1}">
+              <a14:hiddenEffects xmlns:a14="http://schemas.microsoft.com/office/drawing/2010/main">
+                <a:effectLst>
+                  <a:outerShdw dist="35921" dir="2700000" algn="ctr" rotWithShape="0">
+                    <a:schemeClr val="bg2"/>
+                  </a:outerShdw>
+                </a:effectLst>
+              </a14:hiddenEffects>
+            </a:ext>
+          </a:extLst>
+        </p:spPr>
+        <p:txBody>
+          <a:bodyPr vert="horz" wrap="none" lIns="0" tIns="0" rIns="0" bIns="0" numCol="1" anchor="ctr" anchorCtr="0" compatLnSpc="1">
+            <a:prstTxWarp prst="textNoShape">
+              <a:avLst/>
+            </a:prstTxWarp>
+            <a:spAutoFit/>
+          </a:bodyPr>
+          <a:lstStyle/>
+          <a:p>
+            <a:pPr marL="285750" marR="0" lvl="0" indent="-285750" algn="l" defTabSz="914400" rtl="0" eaLnBrk="0" fontAlgn="base" latinLnBrk="0" hangingPunct="0">
+              <a:lnSpc>
+                <a:spcPct val="100000"/>
+              </a:lnSpc>
+              <a:spcBef>
+                <a:spcPct val="0"/>
+              </a:spcBef>
+              <a:spcAft>
+                <a:spcPct val="0"/>
+              </a:spcAft>
+              <a:buClrTx/>
+              <a:buSzTx/>
+              <a:buFont typeface="Arial" panose="020B0604020202020204" pitchFamily="34" charset="0"/>
+              <a:buChar char="•"/>
+              <a:tabLst/>
+            </a:pPr>
+            <a:r>
+              <a:rPr lang="en-US" b="1" i="0" dirty="0">
+                <a:solidFill>
+                  <a:schemeClr val="bg1"/>
+                </a:solidFill>
+                <a:effectLst/>
+                <a:latin typeface="Helveticasinav" panose="02000503000000020004" pitchFamily="2" charset="-94"/>
+              </a:rPr>
+              <a:t>Net Profit:</a:t>
+            </a:r>
+            <a:r>
+              <a:rPr lang="en-US" b="0" i="0" dirty="0">
+                <a:solidFill>
+                  <a:schemeClr val="bg1"/>
+                </a:solidFill>
+                <a:effectLst/>
+                <a:latin typeface="Helveticasinav" panose="02000503000000020004" pitchFamily="2" charset="-94"/>
+              </a:rPr>
+              <a:t> </a:t>
+            </a:r>
+            <a:r>
+              <a:rPr lang="en-US" b="1" i="0" dirty="0">
+                <a:solidFill>
+                  <a:schemeClr val="bg1"/>
+                </a:solidFill>
+                <a:effectLst/>
+                <a:latin typeface="Helveticasinav" panose="02000503000000020004" pitchFamily="2" charset="-94"/>
+              </a:rPr>
+              <a:t>~$1.7 Million</a:t>
+            </a:r>
+            <a:r>
+              <a:rPr lang="en-US" b="0" i="0" dirty="0">
+                <a:solidFill>
+                  <a:schemeClr val="bg1"/>
+                </a:solidFill>
+                <a:effectLst/>
+                <a:latin typeface="Helveticasinav" panose="02000503000000020004" pitchFamily="2" charset="-94"/>
+              </a:rPr>
+              <a:t> in additional retained revenue per year.</a:t>
+            </a:r>
+            <a:endParaRPr kumimoji="0" lang="en-US" altLang="en-US" b="0" i="0" u="none" strike="noStrike" cap="none" normalizeH="0" baseline="0" dirty="0">
+              <a:ln>
+                <a:noFill/>
+              </a:ln>
+              <a:solidFill>
+                <a:schemeClr val="bg1"/>
+              </a:solidFill>
+              <a:effectLst/>
+              <a:latin typeface="Helveticasinav" panose="02000503000000020004" pitchFamily="2" charset="-94"/>
+            </a:endParaRPr>
+          </a:p>
+        </p:txBody>
+      </p:sp>
+      <p:sp>
+        <p:nvSpPr>
+          <p:cNvPr id="8" name="Rectangle 11">
+            <a:extLst>
+              <a:ext uri="{FF2B5EF4-FFF2-40B4-BE49-F238E27FC236}">
+                <a16:creationId xmlns:a16="http://schemas.microsoft.com/office/drawing/2014/main" id="{4725D57B-26E7-96DD-75E2-4DDA63BAE830}"/>
+              </a:ext>
+            </a:extLst>
+          </p:cNvPr>
+          <p:cNvSpPr>
+            <a:spLocks noChangeArrowheads="1"/>
+          </p:cNvSpPr>
+          <p:nvPr/>
+        </p:nvSpPr>
+        <p:spPr bwMode="auto">
+          <a:xfrm>
+            <a:off x="570491" y="3593166"/>
+            <a:ext cx="8091959" cy="276999"/>
+          </a:xfrm>
+          <a:prstGeom prst="rect">
+            <a:avLst/>
+          </a:prstGeom>
+          <a:noFill/>
+          <a:ln>
+            <a:noFill/>
+          </a:ln>
+          <a:effectLst/>
+          <a:extLst>
+            <a:ext uri="{909E8E84-426E-40DD-AFC4-6F175D3DCCD1}">
+              <a14:hiddenFill xmlns:a14="http://schemas.microsoft.com/office/drawing/2010/main">
+                <a:solidFill>
+                  <a:schemeClr val="accent1"/>
+                </a:solidFill>
+              </a14:hiddenFill>
+            </a:ext>
+            <a:ext uri="{91240B29-F687-4F45-9708-019B960494DF}">
+              <a14:hiddenLine xmlns:a14="http://schemas.microsoft.com/office/drawing/2010/main" w="9525">
+                <a:solidFill>
+                  <a:schemeClr val="tx1"/>
+                </a:solidFill>
+                <a:miter lim="800000"/>
+                <a:headEnd/>
+                <a:tailEnd/>
+              </a14:hiddenLine>
+            </a:ext>
+            <a:ext uri="{AF507438-7753-43E0-B8FC-AC1667EBCBE1}">
+              <a14:hiddenEffects xmlns:a14="http://schemas.microsoft.com/office/drawing/2010/main">
+                <a:effectLst>
+                  <a:outerShdw dist="35921" dir="2700000" algn="ctr" rotWithShape="0">
+                    <a:schemeClr val="bg2"/>
+                  </a:outerShdw>
+                </a:effectLst>
+              </a14:hiddenEffects>
+            </a:ext>
+          </a:extLst>
+        </p:spPr>
+        <p:txBody>
+          <a:bodyPr vert="horz" wrap="none" lIns="0" tIns="0" rIns="0" bIns="0" numCol="1" anchor="ctr" anchorCtr="0" compatLnSpc="1">
+            <a:prstTxWarp prst="textNoShape">
+              <a:avLst/>
+            </a:prstTxWarp>
+            <a:spAutoFit/>
+          </a:bodyPr>
+          <a:lstStyle/>
+          <a:p>
+            <a:pPr marL="285750" marR="0" lvl="0" indent="-285750" algn="l" defTabSz="914400" rtl="0" eaLnBrk="0" fontAlgn="base" latinLnBrk="0" hangingPunct="0">
+              <a:lnSpc>
+                <a:spcPct val="100000"/>
+              </a:lnSpc>
+              <a:spcBef>
+                <a:spcPct val="0"/>
+              </a:spcBef>
+              <a:spcAft>
+                <a:spcPct val="0"/>
+              </a:spcAft>
+              <a:buClrTx/>
+              <a:buSzTx/>
+              <a:buFont typeface="Arial" panose="020B0604020202020204" pitchFamily="34" charset="0"/>
+              <a:buChar char="•"/>
+              <a:tabLst/>
+            </a:pPr>
+            <a:r>
+              <a:rPr lang="en-US" b="1" i="0" dirty="0">
+                <a:solidFill>
+                  <a:schemeClr val="bg1"/>
+                </a:solidFill>
+                <a:effectLst/>
+                <a:latin typeface="Helveticasinav" panose="02000503000000020004" pitchFamily="2" charset="-94"/>
+              </a:rPr>
+              <a:t>Return on Investment (ROI):</a:t>
+            </a:r>
+            <a:r>
+              <a:rPr lang="en-US" b="0" i="0" dirty="0">
+                <a:solidFill>
+                  <a:schemeClr val="bg1"/>
+                </a:solidFill>
+                <a:effectLst/>
+                <a:latin typeface="Helveticasinav" panose="02000503000000020004" pitchFamily="2" charset="-94"/>
+              </a:rPr>
+              <a:t> The projected ROI is approximately </a:t>
+            </a:r>
+            <a:r>
+              <a:rPr lang="en-US" b="1" i="0" dirty="0">
+                <a:solidFill>
+                  <a:schemeClr val="bg1"/>
+                </a:solidFill>
+                <a:effectLst/>
+                <a:latin typeface="Helveticasinav" panose="02000503000000020004" pitchFamily="2" charset="-94"/>
+              </a:rPr>
+              <a:t>~1070% .</a:t>
+            </a:r>
+            <a:endParaRPr kumimoji="0" lang="en-US" altLang="en-US" b="0" i="0" u="none" strike="noStrike" cap="none" normalizeH="0" baseline="0" dirty="0">
+              <a:ln>
+                <a:noFill/>
+              </a:ln>
+              <a:solidFill>
+                <a:schemeClr val="bg1"/>
+              </a:solidFill>
+              <a:effectLst/>
+              <a:latin typeface="Helveticasinav" panose="02000503000000020004" pitchFamily="2" charset="-94"/>
+            </a:endParaRPr>
+          </a:p>
+        </p:txBody>
+      </p:sp>
+      <p:sp>
+        <p:nvSpPr>
+          <p:cNvPr id="9" name="Rectangle 12">
+            <a:extLst>
+              <a:ext uri="{FF2B5EF4-FFF2-40B4-BE49-F238E27FC236}">
+                <a16:creationId xmlns:a16="http://schemas.microsoft.com/office/drawing/2014/main" id="{C9843C7D-6713-19E3-EDFC-11B0FBA31D84}"/>
+              </a:ext>
+            </a:extLst>
+          </p:cNvPr>
+          <p:cNvSpPr>
+            <a:spLocks noChangeArrowheads="1"/>
+          </p:cNvSpPr>
+          <p:nvPr/>
+        </p:nvSpPr>
+        <p:spPr bwMode="auto">
+          <a:xfrm>
+            <a:off x="570491" y="4369042"/>
+            <a:ext cx="7367401" cy="276999"/>
+          </a:xfrm>
+          <a:prstGeom prst="rect">
+            <a:avLst/>
+          </a:prstGeom>
+          <a:noFill/>
+          <a:ln>
+            <a:noFill/>
+          </a:ln>
+          <a:effectLst/>
+          <a:extLst>
+            <a:ext uri="{909E8E84-426E-40DD-AFC4-6F175D3DCCD1}">
+              <a14:hiddenFill xmlns:a14="http://schemas.microsoft.com/office/drawing/2010/main">
+                <a:solidFill>
+                  <a:schemeClr val="accent1"/>
+                </a:solidFill>
+              </a14:hiddenFill>
+            </a:ext>
+            <a:ext uri="{91240B29-F687-4F45-9708-019B960494DF}">
+              <a14:hiddenLine xmlns:a14="http://schemas.microsoft.com/office/drawing/2010/main" w="9525">
+                <a:solidFill>
+                  <a:schemeClr val="tx1"/>
+                </a:solidFill>
+                <a:miter lim="800000"/>
+                <a:headEnd/>
+                <a:tailEnd/>
+              </a14:hiddenLine>
+            </a:ext>
+            <a:ext uri="{AF507438-7753-43E0-B8FC-AC1667EBCBE1}">
+              <a14:hiddenEffects xmlns:a14="http://schemas.microsoft.com/office/drawing/2010/main">
+                <a:effectLst>
+                  <a:outerShdw dist="35921" dir="2700000" algn="ctr" rotWithShape="0">
+                    <a:schemeClr val="bg2"/>
+                  </a:outerShdw>
+                </a:effectLst>
+              </a14:hiddenEffects>
+            </a:ext>
+          </a:extLst>
+        </p:spPr>
+        <p:txBody>
+          <a:bodyPr vert="horz" wrap="none" lIns="0" tIns="0" rIns="0" bIns="0" numCol="1" anchor="ctr" anchorCtr="0" compatLnSpc="1">
+            <a:prstTxWarp prst="textNoShape">
+              <a:avLst/>
+            </a:prstTxWarp>
+            <a:spAutoFit/>
+          </a:bodyPr>
+          <a:lstStyle/>
+          <a:p>
+            <a:pPr marL="285750" marR="0" lvl="0" indent="-285750" algn="l" defTabSz="914400" rtl="0" eaLnBrk="0" fontAlgn="base" latinLnBrk="0" hangingPunct="0">
+              <a:lnSpc>
+                <a:spcPct val="100000"/>
+              </a:lnSpc>
+              <a:spcBef>
+                <a:spcPct val="0"/>
+              </a:spcBef>
+              <a:spcAft>
+                <a:spcPct val="0"/>
+              </a:spcAft>
+              <a:buClrTx/>
+              <a:buSzTx/>
+              <a:buFont typeface="Arial" panose="020B0604020202020204" pitchFamily="34" charset="0"/>
+              <a:buChar char="•"/>
+              <a:tabLst/>
+            </a:pPr>
+            <a:r>
+              <a:rPr lang="en-US" b="1" i="0" dirty="0">
+                <a:solidFill>
+                  <a:schemeClr val="bg1"/>
+                </a:solidFill>
+                <a:effectLst/>
+                <a:latin typeface="Helveticasinav" panose="02000503000000020004" pitchFamily="2" charset="-94"/>
+              </a:rPr>
+              <a:t>Simple ROI Metric:</a:t>
+            </a:r>
+            <a:r>
+              <a:rPr lang="en-US" b="0" i="0" dirty="0">
+                <a:solidFill>
+                  <a:schemeClr val="bg1"/>
+                </a:solidFill>
+                <a:effectLst/>
+                <a:latin typeface="Helveticasinav" panose="02000503000000020004" pitchFamily="2" charset="-94"/>
+              </a:rPr>
+              <a:t> For every 1</a:t>
+            </a:r>
+            <a:r>
+              <a:rPr lang="en-US" b="0" i="1" dirty="0">
+                <a:solidFill>
+                  <a:schemeClr val="bg1"/>
+                </a:solidFill>
+                <a:effectLst/>
+                <a:latin typeface="Helveticasinav" panose="02000503000000020004" pitchFamily="2" charset="-94"/>
+              </a:rPr>
+              <a:t>spent</a:t>
+            </a:r>
+            <a:r>
+              <a:rPr lang="en-US" dirty="0">
+                <a:solidFill>
+                  <a:schemeClr val="bg1"/>
+                </a:solidFill>
+                <a:latin typeface="Helveticasinav" panose="02000503000000020004" pitchFamily="2" charset="-94"/>
+              </a:rPr>
+              <a:t> </a:t>
+            </a:r>
+            <a:r>
+              <a:rPr lang="en-US" b="1" i="1" dirty="0">
+                <a:solidFill>
+                  <a:schemeClr val="bg1"/>
+                </a:solidFill>
+                <a:effectLst/>
+                <a:latin typeface="Helveticasinav" panose="02000503000000020004" pitchFamily="2" charset="-94"/>
+              </a:rPr>
+              <a:t>on the </a:t>
+            </a:r>
+            <a:r>
+              <a:rPr lang="en-US" b="1" i="1" dirty="0" err="1">
+                <a:solidFill>
+                  <a:schemeClr val="bg1"/>
+                </a:solidFill>
+                <a:effectLst/>
+                <a:latin typeface="Helveticasinav" panose="02000503000000020004" pitchFamily="2" charset="-94"/>
+              </a:rPr>
+              <a:t>campaign</a:t>
+            </a:r>
+            <a:r>
+              <a:rPr lang="en-US" b="1" i="0" dirty="0" err="1">
+                <a:solidFill>
+                  <a:schemeClr val="bg1"/>
+                </a:solidFill>
+                <a:effectLst/>
+                <a:latin typeface="Helveticasinav" panose="02000503000000020004" pitchFamily="2" charset="-94"/>
+              </a:rPr>
+              <a:t>,</a:t>
+            </a:r>
+            <a:r>
+              <a:rPr lang="en-US" b="1" i="1" dirty="0" err="1">
+                <a:solidFill>
+                  <a:schemeClr val="bg1"/>
+                </a:solidFill>
+                <a:effectLst/>
+                <a:latin typeface="Helveticasinav" panose="02000503000000020004" pitchFamily="2" charset="-94"/>
+              </a:rPr>
+              <a:t>we</a:t>
+            </a:r>
+            <a:r>
+              <a:rPr lang="en-US" b="1" i="1" dirty="0">
+                <a:solidFill>
+                  <a:schemeClr val="bg1"/>
+                </a:solidFill>
+                <a:effectLst/>
+                <a:latin typeface="Helveticasinav" panose="02000503000000020004" pitchFamily="2" charset="-94"/>
+              </a:rPr>
+              <a:t> save </a:t>
+            </a:r>
+            <a:r>
+              <a:rPr lang="en-US" b="1" i="0" dirty="0">
+                <a:solidFill>
+                  <a:schemeClr val="bg1"/>
+                </a:solidFill>
+                <a:effectLst/>
+                <a:latin typeface="Helveticasinav" panose="02000503000000020004" pitchFamily="2" charset="-94"/>
+              </a:rPr>
+              <a:t>11.</a:t>
+            </a:r>
+            <a:endParaRPr kumimoji="0" lang="en-US" altLang="en-US" b="0" i="0" u="none" strike="noStrike" cap="none" normalizeH="0" baseline="0" dirty="0">
+              <a:ln>
+                <a:noFill/>
+              </a:ln>
+              <a:solidFill>
+                <a:schemeClr val="bg1"/>
+              </a:solidFill>
+              <a:effectLst/>
+              <a:latin typeface="Helveticasinav" panose="02000503000000020004" pitchFamily="2" charset="-94"/>
+            </a:endParaRPr>
+          </a:p>
+        </p:txBody>
+      </p:sp>
+      <p:sp>
+        <p:nvSpPr>
+          <p:cNvPr id="10" name="Rectangle 12">
+            <a:extLst>
+              <a:ext uri="{FF2B5EF4-FFF2-40B4-BE49-F238E27FC236}">
+                <a16:creationId xmlns:a16="http://schemas.microsoft.com/office/drawing/2014/main" id="{481EB498-4AAF-85F5-D6E3-06F4DAE34B5F}"/>
+              </a:ext>
+            </a:extLst>
+          </p:cNvPr>
+          <p:cNvSpPr>
+            <a:spLocks noChangeArrowheads="1"/>
+          </p:cNvSpPr>
+          <p:nvPr/>
+        </p:nvSpPr>
+        <p:spPr bwMode="auto">
+          <a:xfrm>
+            <a:off x="575605" y="5144918"/>
+            <a:ext cx="8111195" cy="553998"/>
+          </a:xfrm>
+          <a:prstGeom prst="rect">
+            <a:avLst/>
+          </a:prstGeom>
+          <a:noFill/>
+          <a:ln>
+            <a:noFill/>
+          </a:ln>
+          <a:effectLst/>
+          <a:extLst>
+            <a:ext uri="{909E8E84-426E-40DD-AFC4-6F175D3DCCD1}">
+              <a14:hiddenFill xmlns:a14="http://schemas.microsoft.com/office/drawing/2010/main">
+                <a:solidFill>
+                  <a:schemeClr val="accent1"/>
+                </a:solidFill>
+              </a14:hiddenFill>
+            </a:ext>
+            <a:ext uri="{91240B29-F687-4F45-9708-019B960494DF}">
+              <a14:hiddenLine xmlns:a14="http://schemas.microsoft.com/office/drawing/2010/main" w="9525">
+                <a:solidFill>
+                  <a:schemeClr val="tx1"/>
+                </a:solidFill>
+                <a:miter lim="800000"/>
+                <a:headEnd/>
+                <a:tailEnd/>
+              </a14:hiddenLine>
+            </a:ext>
+            <a:ext uri="{AF507438-7753-43E0-B8FC-AC1667EBCBE1}">
+              <a14:hiddenEffects xmlns:a14="http://schemas.microsoft.com/office/drawing/2010/main">
+                <a:effectLst>
+                  <a:outerShdw dist="35921" dir="2700000" algn="ctr" rotWithShape="0">
+                    <a:schemeClr val="bg2"/>
+                  </a:outerShdw>
+                </a:effectLst>
+              </a14:hiddenEffects>
+            </a:ext>
+          </a:extLst>
+        </p:spPr>
+        <p:txBody>
+          <a:bodyPr vert="horz" wrap="none" lIns="0" tIns="0" rIns="0" bIns="0" numCol="1" anchor="ctr" anchorCtr="0" compatLnSpc="1">
+            <a:prstTxWarp prst="textNoShape">
+              <a:avLst/>
+            </a:prstTxWarp>
+            <a:spAutoFit/>
+          </a:bodyPr>
+          <a:lstStyle/>
+          <a:p>
+            <a:pPr marL="285750" marR="0" lvl="0" indent="-285750" algn="l" defTabSz="914400" rtl="0" eaLnBrk="0" fontAlgn="base" latinLnBrk="0" hangingPunct="0">
+              <a:lnSpc>
+                <a:spcPct val="100000"/>
+              </a:lnSpc>
+              <a:spcBef>
+                <a:spcPct val="0"/>
+              </a:spcBef>
+              <a:spcAft>
+                <a:spcPct val="0"/>
+              </a:spcAft>
+              <a:buClrTx/>
+              <a:buSzTx/>
+              <a:buFont typeface="Arial" panose="020B0604020202020204" pitchFamily="34" charset="0"/>
+              <a:buChar char="•"/>
+              <a:tabLst/>
+            </a:pPr>
+            <a:r>
+              <a:rPr kumimoji="0" lang="en-US" altLang="en-US" b="1" i="0" u="none" strike="noStrike" cap="none" normalizeH="0" baseline="0" dirty="0">
+                <a:ln>
+                  <a:noFill/>
+                </a:ln>
+                <a:solidFill>
+                  <a:schemeClr val="bg1"/>
+                </a:solidFill>
+                <a:effectLst/>
+                <a:latin typeface="Helveticasinav" panose="02000503000000020004" pitchFamily="2" charset="-94"/>
+              </a:rPr>
+              <a:t>Project Status:</a:t>
+            </a:r>
+            <a:r>
+              <a:rPr kumimoji="0" lang="en-US" altLang="en-US" b="0" i="0" u="none" strike="noStrike" cap="none" normalizeH="0" baseline="0" dirty="0">
+                <a:ln>
+                  <a:noFill/>
+                </a:ln>
+                <a:solidFill>
+                  <a:schemeClr val="bg1"/>
+                </a:solidFill>
+                <a:effectLst/>
+                <a:latin typeface="Helveticasinav" panose="02000503000000020004" pitchFamily="2" charset="-94"/>
+              </a:rPr>
+              <a:t> The project is technically complete, validated, and achieves </a:t>
+            </a:r>
+          </a:p>
+          <a:p>
+            <a:pPr marL="0" marR="0" lvl="0" indent="0" algn="l" defTabSz="914400" rtl="0" eaLnBrk="0" fontAlgn="base" latinLnBrk="0" hangingPunct="0">
+              <a:lnSpc>
+                <a:spcPct val="100000"/>
+              </a:lnSpc>
+              <a:spcBef>
+                <a:spcPct val="0"/>
+              </a:spcBef>
+              <a:spcAft>
+                <a:spcPct val="0"/>
+              </a:spcAft>
+              <a:buClrTx/>
+              <a:buSzTx/>
+              <a:buFontTx/>
+              <a:buNone/>
+              <a:tabLst/>
+            </a:pPr>
+            <a:r>
+              <a:rPr kumimoji="0" lang="en-US" altLang="en-US" b="0" i="0" u="none" strike="noStrike" cap="none" normalizeH="0" baseline="0" dirty="0">
+                <a:ln>
+                  <a:noFill/>
+                </a:ln>
+                <a:solidFill>
+                  <a:schemeClr val="bg1"/>
+                </a:solidFill>
+                <a:effectLst/>
+                <a:latin typeface="Helveticasinav" panose="02000503000000020004" pitchFamily="2" charset="-94"/>
+              </a:rPr>
+              <a:t>     a strong predictive capability score (ROC-AUC of 0.7644).</a:t>
             </a:r>
           </a:p>
         </p:txBody>
@@ -3900,6 +7874,18 @@
   <p:clrMapOvr>
     <a:masterClrMapping/>
   </p:clrMapOvr>
+  <mc:AlternateContent xmlns:mc="http://schemas.openxmlformats.org/markup-compatibility/2006">
+    <mc:Choice xmlns:p14="http://schemas.microsoft.com/office/powerpoint/2010/main" Requires="p14">
+      <p:transition spd="slow" p14:dur="3400">
+        <p14:reveal/>
+      </p:transition>
+    </mc:Choice>
+    <mc:Fallback>
+      <p:transition spd="slow">
+        <p:fade/>
+      </p:transition>
+    </mc:Fallback>
+  </mc:AlternateContent>
 </p:sld>
 </file>
 
@@ -3930,98 +7916,846 @@
       </p:grpSpPr>
       <p:sp>
         <p:nvSpPr>
-          <p:cNvPr id="3" name="Content Placeholder 2"/>
-          <p:cNvSpPr>
-            <a:spLocks noGrp="1"/>
+          <p:cNvPr id="5" name="Content Placeholder 2">
+            <a:extLst>
+              <a:ext uri="{FF2B5EF4-FFF2-40B4-BE49-F238E27FC236}">
+                <a16:creationId xmlns:a16="http://schemas.microsoft.com/office/drawing/2014/main" id="{5C30B8B4-9E9E-7DA0-88AF-A8901BD84315}"/>
+              </a:ext>
+            </a:extLst>
+          </p:cNvPr>
+          <p:cNvSpPr txBox="1">
+            <a:spLocks/>
           </p:cNvSpPr>
-          <p:nvPr>
-            <p:ph idx="1"/>
-          </p:nvPr>
+          <p:nvPr/>
         </p:nvSpPr>
         <p:spPr>
           <a:xfrm>
-            <a:off x="457200" y="948447"/>
-            <a:ext cx="8229600" cy="4525963"/>
+            <a:off x="457200" y="641763"/>
+            <a:ext cx="8229600" cy="821278"/>
           </a:xfrm>
+          <a:prstGeom prst="rect">
+            <a:avLst/>
+          </a:prstGeom>
         </p:spPr>
         <p:txBody>
-          <a:bodyPr/>
+          <a:bodyPr vert="horz" lIns="91440" tIns="45720" rIns="91440" bIns="45720" rtlCol="0">
+            <a:normAutofit lnSpcReduction="10000"/>
+          </a:bodyPr>
+          <a:lstStyle>
+            <a:lvl1pPr marL="342900" indent="-342900" algn="l" defTabSz="457200" rtl="0" eaLnBrk="1" latinLnBrk="0" hangingPunct="1">
+              <a:spcBef>
+                <a:spcPct val="20000"/>
+              </a:spcBef>
+              <a:buFont typeface="Arial"/>
+              <a:buChar char="•"/>
+              <a:defRPr sz="3200" kern="1200">
+                <a:solidFill>
+                  <a:schemeClr val="tx1"/>
+                </a:solidFill>
+                <a:latin typeface="+mn-lt"/>
+                <a:ea typeface="+mn-ea"/>
+                <a:cs typeface="+mn-cs"/>
+              </a:defRPr>
+            </a:lvl1pPr>
+            <a:lvl2pPr marL="742950" indent="-285750" algn="l" defTabSz="457200" rtl="0" eaLnBrk="1" latinLnBrk="0" hangingPunct="1">
+              <a:spcBef>
+                <a:spcPct val="20000"/>
+              </a:spcBef>
+              <a:buFont typeface="Arial"/>
+              <a:buChar char="–"/>
+              <a:defRPr sz="2800" kern="1200">
+                <a:solidFill>
+                  <a:schemeClr val="tx1"/>
+                </a:solidFill>
+                <a:latin typeface="+mn-lt"/>
+                <a:ea typeface="+mn-ea"/>
+                <a:cs typeface="+mn-cs"/>
+              </a:defRPr>
+            </a:lvl2pPr>
+            <a:lvl3pPr marL="1143000" indent="-228600" algn="l" defTabSz="457200" rtl="0" eaLnBrk="1" latinLnBrk="0" hangingPunct="1">
+              <a:spcBef>
+                <a:spcPct val="20000"/>
+              </a:spcBef>
+              <a:buFont typeface="Arial"/>
+              <a:buChar char="•"/>
+              <a:defRPr sz="2400" kern="1200">
+                <a:solidFill>
+                  <a:schemeClr val="tx1"/>
+                </a:solidFill>
+                <a:latin typeface="+mn-lt"/>
+                <a:ea typeface="+mn-ea"/>
+                <a:cs typeface="+mn-cs"/>
+              </a:defRPr>
+            </a:lvl3pPr>
+            <a:lvl4pPr marL="1600200" indent="-228600" algn="l" defTabSz="457200" rtl="0" eaLnBrk="1" latinLnBrk="0" hangingPunct="1">
+              <a:spcBef>
+                <a:spcPct val="20000"/>
+              </a:spcBef>
+              <a:buFont typeface="Arial"/>
+              <a:buChar char="–"/>
+              <a:defRPr sz="2000" kern="1200">
+                <a:solidFill>
+                  <a:schemeClr val="tx1"/>
+                </a:solidFill>
+                <a:latin typeface="+mn-lt"/>
+                <a:ea typeface="+mn-ea"/>
+                <a:cs typeface="+mn-cs"/>
+              </a:defRPr>
+            </a:lvl4pPr>
+            <a:lvl5pPr marL="2057400" indent="-228600" algn="l" defTabSz="457200" rtl="0" eaLnBrk="1" latinLnBrk="0" hangingPunct="1">
+              <a:spcBef>
+                <a:spcPct val="20000"/>
+              </a:spcBef>
+              <a:buFont typeface="Arial"/>
+              <a:buChar char="»"/>
+              <a:defRPr sz="2000" kern="1200">
+                <a:solidFill>
+                  <a:schemeClr val="tx1"/>
+                </a:solidFill>
+                <a:latin typeface="+mn-lt"/>
+                <a:ea typeface="+mn-ea"/>
+                <a:cs typeface="+mn-cs"/>
+              </a:defRPr>
+            </a:lvl5pPr>
+            <a:lvl6pPr marL="2514600" indent="-228600" algn="l" defTabSz="457200" rtl="0" eaLnBrk="1" latinLnBrk="0" hangingPunct="1">
+              <a:spcBef>
+                <a:spcPct val="20000"/>
+              </a:spcBef>
+              <a:buFont typeface="Arial"/>
+              <a:buChar char="•"/>
+              <a:defRPr sz="2000" kern="1200">
+                <a:solidFill>
+                  <a:schemeClr val="tx1"/>
+                </a:solidFill>
+                <a:latin typeface="+mn-lt"/>
+                <a:ea typeface="+mn-ea"/>
+                <a:cs typeface="+mn-cs"/>
+              </a:defRPr>
+            </a:lvl6pPr>
+            <a:lvl7pPr marL="2971800" indent="-228600" algn="l" defTabSz="457200" rtl="0" eaLnBrk="1" latinLnBrk="0" hangingPunct="1">
+              <a:spcBef>
+                <a:spcPct val="20000"/>
+              </a:spcBef>
+              <a:buFont typeface="Arial"/>
+              <a:buChar char="•"/>
+              <a:defRPr sz="2000" kern="1200">
+                <a:solidFill>
+                  <a:schemeClr val="tx1"/>
+                </a:solidFill>
+                <a:latin typeface="+mn-lt"/>
+                <a:ea typeface="+mn-ea"/>
+                <a:cs typeface="+mn-cs"/>
+              </a:defRPr>
+            </a:lvl7pPr>
+            <a:lvl8pPr marL="3429000" indent="-228600" algn="l" defTabSz="457200" rtl="0" eaLnBrk="1" latinLnBrk="0" hangingPunct="1">
+              <a:spcBef>
+                <a:spcPct val="20000"/>
+              </a:spcBef>
+              <a:buFont typeface="Arial"/>
+              <a:buChar char="•"/>
+              <a:defRPr sz="2000" kern="1200">
+                <a:solidFill>
+                  <a:schemeClr val="tx1"/>
+                </a:solidFill>
+                <a:latin typeface="+mn-lt"/>
+                <a:ea typeface="+mn-ea"/>
+                <a:cs typeface="+mn-cs"/>
+              </a:defRPr>
+            </a:lvl8pPr>
+            <a:lvl9pPr marL="3886200" indent="-228600" algn="l" defTabSz="457200" rtl="0" eaLnBrk="1" latinLnBrk="0" hangingPunct="1">
+              <a:spcBef>
+                <a:spcPct val="20000"/>
+              </a:spcBef>
+              <a:buFont typeface="Arial"/>
+              <a:buChar char="•"/>
+              <a:defRPr sz="2000" kern="1200">
+                <a:solidFill>
+                  <a:schemeClr val="tx1"/>
+                </a:solidFill>
+                <a:latin typeface="+mn-lt"/>
+                <a:ea typeface="+mn-ea"/>
+                <a:cs typeface="+mn-cs"/>
+              </a:defRPr>
+            </a:lvl9pPr>
+          </a:lstStyle>
+          <a:p>
+            <a:pPr marL="0" indent="0" algn="ctr">
+              <a:buFont typeface="Arial"/>
+              <a:buNone/>
+            </a:pPr>
+            <a:r>
+              <a:rPr lang="en-US" sz="2800" b="1" dirty="0">
+                <a:solidFill>
+                  <a:srgbClr val="FFFFFF"/>
+                </a:solidFill>
+              </a:rPr>
+              <a:t>Operationalization and Key Drivers</a:t>
+            </a:r>
+          </a:p>
+          <a:p>
+            <a:pPr marL="0" indent="0" algn="ctr">
+              <a:buFont typeface="Arial"/>
+              <a:buNone/>
+            </a:pPr>
+            <a:r>
+              <a:rPr lang="en-US" sz="2000" b="1" dirty="0">
+                <a:solidFill>
+                  <a:srgbClr val="FFFFFF"/>
+                </a:solidFill>
+              </a:rPr>
+              <a:t>Integration and Why Customers Leave</a:t>
+            </a:r>
+          </a:p>
+        </p:txBody>
+      </p:sp>
+      <p:sp>
+        <p:nvSpPr>
+          <p:cNvPr id="6" name="Rectangle 9">
+            <a:extLst>
+              <a:ext uri="{FF2B5EF4-FFF2-40B4-BE49-F238E27FC236}">
+                <a16:creationId xmlns:a16="http://schemas.microsoft.com/office/drawing/2014/main" id="{509DB972-6D81-0341-2FBA-212B1FF11A26}"/>
+              </a:ext>
+            </a:extLst>
+          </p:cNvPr>
+          <p:cNvSpPr>
+            <a:spLocks noChangeArrowheads="1"/>
+          </p:cNvSpPr>
+          <p:nvPr/>
+        </p:nvSpPr>
+        <p:spPr bwMode="auto">
+          <a:xfrm>
+            <a:off x="548050" y="1761253"/>
+            <a:ext cx="8361263" cy="553998"/>
+          </a:xfrm>
+          <a:prstGeom prst="rect">
+            <a:avLst/>
+          </a:prstGeom>
+          <a:noFill/>
+          <a:ln>
+            <a:noFill/>
+          </a:ln>
+          <a:effectLst/>
+          <a:extLst>
+            <a:ext uri="{909E8E84-426E-40DD-AFC4-6F175D3DCCD1}">
+              <a14:hiddenFill xmlns:a14="http://schemas.microsoft.com/office/drawing/2010/main">
+                <a:solidFill>
+                  <a:schemeClr val="accent1"/>
+                </a:solidFill>
+              </a14:hiddenFill>
+            </a:ext>
+            <a:ext uri="{91240B29-F687-4F45-9708-019B960494DF}">
+              <a14:hiddenLine xmlns:a14="http://schemas.microsoft.com/office/drawing/2010/main" w="9525">
+                <a:solidFill>
+                  <a:schemeClr val="tx1"/>
+                </a:solidFill>
+                <a:miter lim="800000"/>
+                <a:headEnd/>
+                <a:tailEnd/>
+              </a14:hiddenLine>
+            </a:ext>
+            <a:ext uri="{AF507438-7753-43E0-B8FC-AC1667EBCBE1}">
+              <a14:hiddenEffects xmlns:a14="http://schemas.microsoft.com/office/drawing/2010/main">
+                <a:effectLst>
+                  <a:outerShdw dist="35921" dir="2700000" algn="ctr" rotWithShape="0">
+                    <a:schemeClr val="bg2"/>
+                  </a:outerShdw>
+                </a:effectLst>
+              </a14:hiddenEffects>
+            </a:ext>
+          </a:extLst>
+        </p:spPr>
+        <p:txBody>
+          <a:bodyPr vert="horz" wrap="square" lIns="0" tIns="0" rIns="0" bIns="0" numCol="1" anchor="ctr" anchorCtr="0" compatLnSpc="1">
+            <a:prstTxWarp prst="textNoShape">
+              <a:avLst/>
+            </a:prstTxWarp>
+            <a:spAutoFit/>
+          </a:bodyPr>
           <a:lstStyle/>
           <a:p>
-            <a:r>
-              <a:rPr sz="2200" dirty="0">
-                <a:solidFill>
-                  <a:srgbClr val="FFFFFF"/>
-                </a:solidFill>
-              </a:rPr>
-              <a:t>Date: November 2025</a:t>
-            </a:r>
-          </a:p>
-          <a:p>
-            <a:r>
-              <a:rPr sz="2200" dirty="0">
-                <a:solidFill>
-                  <a:srgbClr val="FFFFFF"/>
-                </a:solidFill>
-              </a:rPr>
-              <a:t>Slide 3: Our Solution (The AI Model)</a:t>
-            </a:r>
-          </a:p>
-          <a:p>
-            <a:r>
-              <a:rPr sz="2200" dirty="0">
-                <a:solidFill>
-                  <a:srgbClr val="FFFFFF"/>
-                </a:solidFill>
-              </a:rPr>
-              <a:t>(Based on test data analysis)</a:t>
-            </a:r>
-          </a:p>
-          <a:p>
-            <a:r>
-              <a:rPr sz="2200" dirty="0">
-                <a:solidFill>
-                  <a:srgbClr val="FFFFFF"/>
-                </a:solidFill>
-              </a:rPr>
-              <a:t>Return on Investment (ROI): ~1100% (For every $1 spent, we save $11).</a:t>
-            </a:r>
-          </a:p>
-          <a:p>
-            <a:r>
-              <a:rPr sz="2200" dirty="0">
-                <a:solidFill>
-                  <a:srgbClr val="FFFFFF"/>
-                </a:solidFill>
-              </a:rPr>
-              <a:t>How we integrate this into our business workflow:</a:t>
-            </a:r>
-          </a:p>
-          <a:p>
-            <a:r>
-              <a:rPr sz="2200" dirty="0">
-                <a:solidFill>
-                  <a:srgbClr val="FFFFFF"/>
-                </a:solidFill>
-              </a:rPr>
-              <a:t>Status: The project is technically complete, validated, and achieves a </a:t>
-            </a:r>
-            <a:r>
-              <a:rPr lang="en-US" sz="2200" dirty="0">
-                <a:solidFill>
-                  <a:srgbClr val="FFFFFF"/>
-                </a:solidFill>
-              </a:rPr>
-              <a:t>77</a:t>
-            </a:r>
-            <a:r>
-              <a:rPr sz="2200" dirty="0">
-                <a:solidFill>
-                  <a:srgbClr val="FFFFFF"/>
-                </a:solidFill>
-              </a:rPr>
-              <a:t>% AUC score.</a:t>
-            </a:r>
+            <a:pPr marL="285750" marR="0" lvl="0" indent="-285750" algn="l" defTabSz="914400" rtl="0" eaLnBrk="0" fontAlgn="base" latinLnBrk="0" hangingPunct="0">
+              <a:lnSpc>
+                <a:spcPct val="100000"/>
+              </a:lnSpc>
+              <a:spcBef>
+                <a:spcPct val="0"/>
+              </a:spcBef>
+              <a:spcAft>
+                <a:spcPct val="0"/>
+              </a:spcAft>
+              <a:buClrTx/>
+              <a:buSzTx/>
+              <a:buFont typeface="Arial" panose="020B0604020202020204" pitchFamily="34" charset="0"/>
+              <a:buChar char="•"/>
+              <a:tabLst/>
+            </a:pPr>
+            <a:r>
+              <a:rPr kumimoji="0" lang="en-US" altLang="en-US" b="1" i="0" u="none" strike="noStrike" cap="none" normalizeH="0" baseline="0" dirty="0">
+                <a:ln>
+                  <a:noFill/>
+                </a:ln>
+                <a:solidFill>
+                  <a:schemeClr val="bg1"/>
+                </a:solidFill>
+                <a:effectLst/>
+                <a:latin typeface="Helveticasinav" panose="02000503000000020004" pitchFamily="2" charset="-94"/>
+              </a:rPr>
+              <a:t>System Workflow:</a:t>
+            </a:r>
+            <a:r>
+              <a:rPr kumimoji="0" lang="en-US" altLang="en-US" b="0" i="0" u="none" strike="noStrike" cap="none" normalizeH="0" baseline="0" dirty="0">
+                <a:ln>
+                  <a:noFill/>
+                </a:ln>
+                <a:solidFill>
+                  <a:schemeClr val="bg1"/>
+                </a:solidFill>
+                <a:effectLst/>
+                <a:latin typeface="Helveticasinav" panose="02000503000000020004" pitchFamily="2" charset="-94"/>
+              </a:rPr>
+              <a:t> The system runs </a:t>
+            </a:r>
+            <a:r>
+              <a:rPr kumimoji="0" lang="en-US" altLang="en-US" b="1" i="0" u="none" strike="noStrike" cap="none" normalizeH="0" baseline="0" dirty="0">
+                <a:ln>
+                  <a:noFill/>
+                </a:ln>
+                <a:solidFill>
+                  <a:schemeClr val="bg1"/>
+                </a:solidFill>
+                <a:effectLst/>
+                <a:latin typeface="Helveticasinav" panose="02000503000000020004" pitchFamily="2" charset="-94"/>
+              </a:rPr>
+              <a:t>every night</a:t>
+            </a:r>
+            <a:r>
+              <a:rPr kumimoji="0" lang="en-US" altLang="en-US" b="0" i="0" u="none" strike="noStrike" cap="none" normalizeH="0" baseline="0" dirty="0">
+                <a:ln>
+                  <a:noFill/>
+                </a:ln>
+                <a:solidFill>
+                  <a:schemeClr val="bg1"/>
+                </a:solidFill>
+                <a:effectLst/>
+                <a:latin typeface="Helveticasinav" panose="02000503000000020004" pitchFamily="2" charset="-94"/>
+              </a:rPr>
+              <a:t> to identify "High-Risk" customers and feed this data to marketing systems. </a:t>
+            </a:r>
+          </a:p>
+        </p:txBody>
+      </p:sp>
+      <p:sp>
+        <p:nvSpPr>
+          <p:cNvPr id="7" name="Rectangle 10">
+            <a:extLst>
+              <a:ext uri="{FF2B5EF4-FFF2-40B4-BE49-F238E27FC236}">
+                <a16:creationId xmlns:a16="http://schemas.microsoft.com/office/drawing/2014/main" id="{3E57ABD1-E3E2-832D-B050-CE2F56CC5D4C}"/>
+              </a:ext>
+            </a:extLst>
+          </p:cNvPr>
+          <p:cNvSpPr>
+            <a:spLocks noChangeArrowheads="1"/>
+          </p:cNvSpPr>
+          <p:nvPr/>
+        </p:nvSpPr>
+        <p:spPr bwMode="auto">
+          <a:xfrm>
+            <a:off x="548050" y="2697095"/>
+            <a:ext cx="7675178" cy="553998"/>
+          </a:xfrm>
+          <a:prstGeom prst="rect">
+            <a:avLst/>
+          </a:prstGeom>
+          <a:noFill/>
+          <a:ln>
+            <a:noFill/>
+          </a:ln>
+          <a:effectLst/>
+          <a:extLst>
+            <a:ext uri="{909E8E84-426E-40DD-AFC4-6F175D3DCCD1}">
+              <a14:hiddenFill xmlns:a14="http://schemas.microsoft.com/office/drawing/2010/main">
+                <a:solidFill>
+                  <a:schemeClr val="accent1"/>
+                </a:solidFill>
+              </a14:hiddenFill>
+            </a:ext>
+            <a:ext uri="{91240B29-F687-4F45-9708-019B960494DF}">
+              <a14:hiddenLine xmlns:a14="http://schemas.microsoft.com/office/drawing/2010/main" w="9525">
+                <a:solidFill>
+                  <a:schemeClr val="tx1"/>
+                </a:solidFill>
+                <a:miter lim="800000"/>
+                <a:headEnd/>
+                <a:tailEnd/>
+              </a14:hiddenLine>
+            </a:ext>
+            <a:ext uri="{AF507438-7753-43E0-B8FC-AC1667EBCBE1}">
+              <a14:hiddenEffects xmlns:a14="http://schemas.microsoft.com/office/drawing/2010/main">
+                <a:effectLst>
+                  <a:outerShdw dist="35921" dir="2700000" algn="ctr" rotWithShape="0">
+                    <a:schemeClr val="bg2"/>
+                  </a:outerShdw>
+                </a:effectLst>
+              </a14:hiddenEffects>
+            </a:ext>
+          </a:extLst>
+        </p:spPr>
+        <p:txBody>
+          <a:bodyPr vert="horz" wrap="none" lIns="0" tIns="0" rIns="0" bIns="0" numCol="1" anchor="ctr" anchorCtr="0" compatLnSpc="1">
+            <a:prstTxWarp prst="textNoShape">
+              <a:avLst/>
+            </a:prstTxWarp>
+            <a:spAutoFit/>
+          </a:bodyPr>
+          <a:lstStyle/>
+          <a:p>
+            <a:pPr marL="285750" marR="0" lvl="0" indent="-285750" algn="l" defTabSz="914400" rtl="0" eaLnBrk="0" fontAlgn="base" latinLnBrk="0" hangingPunct="0">
+              <a:lnSpc>
+                <a:spcPct val="100000"/>
+              </a:lnSpc>
+              <a:spcBef>
+                <a:spcPct val="0"/>
+              </a:spcBef>
+              <a:spcAft>
+                <a:spcPct val="0"/>
+              </a:spcAft>
+              <a:buClrTx/>
+              <a:buSzTx/>
+              <a:buFont typeface="Arial" panose="020B0604020202020204" pitchFamily="34" charset="0"/>
+              <a:buChar char="•"/>
+              <a:tabLst/>
+            </a:pPr>
+            <a:r>
+              <a:rPr lang="en-US" b="1" i="0" dirty="0">
+                <a:solidFill>
+                  <a:schemeClr val="bg1"/>
+                </a:solidFill>
+                <a:effectLst/>
+                <a:latin typeface="Helveticasinav" panose="02000503000000020004" pitchFamily="2" charset="-94"/>
+              </a:rPr>
+              <a:t>Predictive Power:</a:t>
+            </a:r>
+            <a:r>
+              <a:rPr lang="en-US" b="0" i="0" dirty="0">
+                <a:solidFill>
+                  <a:schemeClr val="bg1"/>
+                </a:solidFill>
+                <a:effectLst/>
+                <a:latin typeface="Helveticasinav" panose="02000503000000020004" pitchFamily="2" charset="-94"/>
+              </a:rPr>
+              <a:t> The model is highly reliable, analyzing over 3 Million </a:t>
+            </a:r>
+          </a:p>
+          <a:p>
+            <a:pPr marR="0" lvl="0" algn="l" defTabSz="914400" rtl="0" eaLnBrk="0" fontAlgn="base" latinLnBrk="0" hangingPunct="0">
+              <a:lnSpc>
+                <a:spcPct val="100000"/>
+              </a:lnSpc>
+              <a:spcBef>
+                <a:spcPct val="0"/>
+              </a:spcBef>
+              <a:spcAft>
+                <a:spcPct val="0"/>
+              </a:spcAft>
+              <a:buClrTx/>
+              <a:buSzTx/>
+              <a:tabLst/>
+            </a:pPr>
+            <a:r>
+              <a:rPr lang="en-US" b="0" i="0" dirty="0">
+                <a:solidFill>
+                  <a:schemeClr val="bg1"/>
+                </a:solidFill>
+                <a:effectLst/>
+                <a:latin typeface="Helveticasinav" panose="02000503000000020004" pitchFamily="2" charset="-94"/>
+              </a:rPr>
+              <a:t>     historical orders.</a:t>
+            </a:r>
+            <a:endParaRPr kumimoji="0" lang="en-US" altLang="en-US" b="0" i="0" u="none" strike="noStrike" cap="none" normalizeH="0" baseline="0" dirty="0">
+              <a:ln>
+                <a:noFill/>
+              </a:ln>
+              <a:solidFill>
+                <a:schemeClr val="bg1"/>
+              </a:solidFill>
+              <a:effectLst/>
+              <a:latin typeface="Helveticasinav" panose="02000503000000020004" pitchFamily="2" charset="-94"/>
+            </a:endParaRPr>
+          </a:p>
+        </p:txBody>
+      </p:sp>
+      <p:sp>
+        <p:nvSpPr>
+          <p:cNvPr id="8" name="Rectangle 11">
+            <a:extLst>
+              <a:ext uri="{FF2B5EF4-FFF2-40B4-BE49-F238E27FC236}">
+                <a16:creationId xmlns:a16="http://schemas.microsoft.com/office/drawing/2014/main" id="{BE56DA60-F3CC-A70C-E420-814F6A403F88}"/>
+              </a:ext>
+            </a:extLst>
+          </p:cNvPr>
+          <p:cNvSpPr>
+            <a:spLocks noChangeArrowheads="1"/>
+          </p:cNvSpPr>
+          <p:nvPr/>
+        </p:nvSpPr>
+        <p:spPr bwMode="auto">
+          <a:xfrm>
+            <a:off x="516402" y="3621303"/>
+            <a:ext cx="8111195" cy="1384995"/>
+          </a:xfrm>
+          <a:prstGeom prst="rect">
+            <a:avLst/>
+          </a:prstGeom>
+          <a:noFill/>
+          <a:ln>
+            <a:noFill/>
+          </a:ln>
+          <a:effectLst/>
+          <a:extLst>
+            <a:ext uri="{909E8E84-426E-40DD-AFC4-6F175D3DCCD1}">
+              <a14:hiddenFill xmlns:a14="http://schemas.microsoft.com/office/drawing/2010/main">
+                <a:solidFill>
+                  <a:schemeClr val="accent1"/>
+                </a:solidFill>
+              </a14:hiddenFill>
+            </a:ext>
+            <a:ext uri="{91240B29-F687-4F45-9708-019B960494DF}">
+              <a14:hiddenLine xmlns:a14="http://schemas.microsoft.com/office/drawing/2010/main" w="9525">
+                <a:solidFill>
+                  <a:schemeClr val="tx1"/>
+                </a:solidFill>
+                <a:miter lim="800000"/>
+                <a:headEnd/>
+                <a:tailEnd/>
+              </a14:hiddenLine>
+            </a:ext>
+            <a:ext uri="{AF507438-7753-43E0-B8FC-AC1667EBCBE1}">
+              <a14:hiddenEffects xmlns:a14="http://schemas.microsoft.com/office/drawing/2010/main">
+                <a:effectLst>
+                  <a:outerShdw dist="35921" dir="2700000" algn="ctr" rotWithShape="0">
+                    <a:schemeClr val="bg2"/>
+                  </a:outerShdw>
+                </a:effectLst>
+              </a14:hiddenEffects>
+            </a:ext>
+          </a:extLst>
+        </p:spPr>
+        <p:txBody>
+          <a:bodyPr vert="horz" wrap="none" lIns="0" tIns="0" rIns="0" bIns="0" numCol="1" anchor="ctr" anchorCtr="0" compatLnSpc="1">
+            <a:prstTxWarp prst="textNoShape">
+              <a:avLst/>
+            </a:prstTxWarp>
+            <a:spAutoFit/>
+          </a:bodyPr>
+          <a:lstStyle/>
+          <a:p>
+            <a:pPr marL="285750" marR="0" lvl="0" indent="-285750" algn="l" defTabSz="914400" rtl="0" eaLnBrk="0" fontAlgn="base" latinLnBrk="0" hangingPunct="0">
+              <a:lnSpc>
+                <a:spcPct val="100000"/>
+              </a:lnSpc>
+              <a:spcBef>
+                <a:spcPct val="0"/>
+              </a:spcBef>
+              <a:spcAft>
+                <a:spcPct val="0"/>
+              </a:spcAft>
+              <a:buClrTx/>
+              <a:buSzTx/>
+              <a:buFont typeface="Arial" panose="020B0604020202020204" pitchFamily="34" charset="0"/>
+              <a:buChar char="•"/>
+              <a:tabLst/>
+            </a:pPr>
+            <a:r>
+              <a:rPr lang="en-US" b="1" i="0" dirty="0">
+                <a:solidFill>
+                  <a:schemeClr val="bg1"/>
+                </a:solidFill>
+                <a:effectLst/>
+                <a:latin typeface="Helveticasinav" panose="02000503000000020004" pitchFamily="2" charset="-94"/>
+              </a:rPr>
+              <a:t>Top 3 Churn Drivers (Key Drivers):</a:t>
+            </a:r>
+            <a:r>
+              <a:rPr lang="en-US" b="0" i="0" dirty="0">
+                <a:solidFill>
+                  <a:schemeClr val="bg1"/>
+                </a:solidFill>
+                <a:effectLst/>
+                <a:latin typeface="Helveticasinav" panose="02000503000000020004" pitchFamily="2" charset="-94"/>
+              </a:rPr>
+              <a:t> The model identifies the main reasons </a:t>
+            </a:r>
+          </a:p>
+          <a:p>
+            <a:pPr marR="0" lvl="0" algn="l" defTabSz="914400" rtl="0" eaLnBrk="0" fontAlgn="base" latinLnBrk="0" hangingPunct="0">
+              <a:lnSpc>
+                <a:spcPct val="100000"/>
+              </a:lnSpc>
+              <a:spcBef>
+                <a:spcPct val="0"/>
+              </a:spcBef>
+              <a:spcAft>
+                <a:spcPct val="0"/>
+              </a:spcAft>
+              <a:buClrTx/>
+              <a:buSzTx/>
+              <a:tabLst/>
+            </a:pPr>
+            <a:r>
+              <a:rPr lang="en-US" dirty="0">
+                <a:solidFill>
+                  <a:schemeClr val="bg1"/>
+                </a:solidFill>
+                <a:latin typeface="Helveticasinav" panose="02000503000000020004" pitchFamily="2" charset="-94"/>
+              </a:rPr>
+              <a:t>     </a:t>
+            </a:r>
+            <a:r>
+              <a:rPr lang="en-US" b="0" i="0" dirty="0">
+                <a:solidFill>
+                  <a:schemeClr val="bg1"/>
+                </a:solidFill>
+                <a:effectLst/>
+                <a:latin typeface="Helveticasinav" panose="02000503000000020004" pitchFamily="2" charset="-94"/>
+              </a:rPr>
+              <a:t>customers leave:</a:t>
+            </a:r>
+          </a:p>
+          <a:p>
+            <a:pPr marL="800100" lvl="1" indent="-342900" defTabSz="914400" eaLnBrk="0" fontAlgn="base" hangingPunct="0">
+              <a:spcBef>
+                <a:spcPct val="0"/>
+              </a:spcBef>
+              <a:spcAft>
+                <a:spcPct val="0"/>
+              </a:spcAft>
+              <a:buFont typeface="+mj-lt"/>
+              <a:buAutoNum type="arabicPeriod"/>
+            </a:pPr>
+            <a:r>
+              <a:rPr lang="en-US" b="1" i="0" dirty="0">
+                <a:solidFill>
+                  <a:schemeClr val="bg1"/>
+                </a:solidFill>
+                <a:effectLst/>
+                <a:latin typeface="Helveticasinav" panose="02000503000000020004" pitchFamily="2" charset="-94"/>
+              </a:rPr>
+              <a:t>Decrease in order frequency</a:t>
+            </a:r>
+            <a:r>
+              <a:rPr lang="en-US" b="0" i="0" dirty="0">
+                <a:solidFill>
+                  <a:schemeClr val="bg1"/>
+                </a:solidFill>
+                <a:effectLst/>
+                <a:latin typeface="Helveticasinav" panose="02000503000000020004" pitchFamily="2" charset="-94"/>
+              </a:rPr>
+              <a:t> (Purchase Velocity)</a:t>
+            </a:r>
+          </a:p>
+          <a:p>
+            <a:pPr marL="800100" lvl="1" indent="-342900" defTabSz="914400" eaLnBrk="0" fontAlgn="base" hangingPunct="0">
+              <a:spcBef>
+                <a:spcPct val="0"/>
+              </a:spcBef>
+              <a:spcAft>
+                <a:spcPct val="0"/>
+              </a:spcAft>
+              <a:buFont typeface="+mj-lt"/>
+              <a:buAutoNum type="arabicPeriod"/>
+            </a:pPr>
+            <a:r>
+              <a:rPr lang="en-US" b="1" i="0" dirty="0">
+                <a:solidFill>
+                  <a:schemeClr val="bg1"/>
+                </a:solidFill>
+                <a:effectLst/>
+                <a:latin typeface="Helveticasinav" panose="02000503000000020004" pitchFamily="2" charset="-94"/>
+              </a:rPr>
+              <a:t>Reduction in average basket value</a:t>
+            </a:r>
+          </a:p>
+          <a:p>
+            <a:pPr marL="800100" lvl="1" indent="-342900" defTabSz="914400" eaLnBrk="0" fontAlgn="base" hangingPunct="0">
+              <a:spcBef>
+                <a:spcPct val="0"/>
+              </a:spcBef>
+              <a:spcAft>
+                <a:spcPct val="0"/>
+              </a:spcAft>
+              <a:buFont typeface="+mj-lt"/>
+              <a:buAutoNum type="arabicPeriod"/>
+            </a:pPr>
+            <a:r>
+              <a:rPr lang="en-US" b="1" i="0" dirty="0">
+                <a:solidFill>
+                  <a:schemeClr val="bg1"/>
+                </a:solidFill>
+                <a:effectLst/>
+                <a:latin typeface="Helveticasinav" panose="02000503000000020004" pitchFamily="2" charset="-94"/>
+              </a:rPr>
+              <a:t>Days Since Last Order</a:t>
+            </a:r>
+            <a:r>
+              <a:rPr lang="en-US" b="0" i="0" dirty="0">
+                <a:solidFill>
+                  <a:schemeClr val="bg1"/>
+                </a:solidFill>
+                <a:effectLst/>
+                <a:latin typeface="Helveticasinav" panose="02000503000000020004" pitchFamily="2" charset="-94"/>
+              </a:rPr>
+              <a:t> (Recency)</a:t>
+            </a:r>
+            <a:endParaRPr kumimoji="0" lang="en-US" altLang="en-US" b="0" i="0" u="none" strike="noStrike" cap="none" normalizeH="0" baseline="0" dirty="0">
+              <a:ln>
+                <a:noFill/>
+              </a:ln>
+              <a:solidFill>
+                <a:schemeClr val="bg1"/>
+              </a:solidFill>
+              <a:effectLst/>
+              <a:latin typeface="Helveticasinav" panose="02000503000000020004" pitchFamily="2" charset="-94"/>
+            </a:endParaRPr>
+          </a:p>
+        </p:txBody>
+      </p:sp>
+      <p:sp>
+        <p:nvSpPr>
+          <p:cNvPr id="9" name="Rectangle 12">
+            <a:extLst>
+              <a:ext uri="{FF2B5EF4-FFF2-40B4-BE49-F238E27FC236}">
+                <a16:creationId xmlns:a16="http://schemas.microsoft.com/office/drawing/2014/main" id="{AFECC359-102D-55BE-3615-7108FCACAFDB}"/>
+              </a:ext>
+            </a:extLst>
+          </p:cNvPr>
+          <p:cNvSpPr>
+            <a:spLocks noChangeArrowheads="1"/>
+          </p:cNvSpPr>
+          <p:nvPr/>
+        </p:nvSpPr>
+        <p:spPr bwMode="auto">
+          <a:xfrm>
+            <a:off x="575605" y="5376508"/>
+            <a:ext cx="7418698" cy="553998"/>
+          </a:xfrm>
+          <a:prstGeom prst="rect">
+            <a:avLst/>
+          </a:prstGeom>
+          <a:noFill/>
+          <a:ln>
+            <a:noFill/>
+          </a:ln>
+          <a:effectLst/>
+          <a:extLst>
+            <a:ext uri="{909E8E84-426E-40DD-AFC4-6F175D3DCCD1}">
+              <a14:hiddenFill xmlns:a14="http://schemas.microsoft.com/office/drawing/2010/main">
+                <a:solidFill>
+                  <a:schemeClr val="accent1"/>
+                </a:solidFill>
+              </a14:hiddenFill>
+            </a:ext>
+            <a:ext uri="{91240B29-F687-4F45-9708-019B960494DF}">
+              <a14:hiddenLine xmlns:a14="http://schemas.microsoft.com/office/drawing/2010/main" w="9525">
+                <a:solidFill>
+                  <a:schemeClr val="tx1"/>
+                </a:solidFill>
+                <a:miter lim="800000"/>
+                <a:headEnd/>
+                <a:tailEnd/>
+              </a14:hiddenLine>
+            </a:ext>
+            <a:ext uri="{AF507438-7753-43E0-B8FC-AC1667EBCBE1}">
+              <a14:hiddenEffects xmlns:a14="http://schemas.microsoft.com/office/drawing/2010/main">
+                <a:effectLst>
+                  <a:outerShdw dist="35921" dir="2700000" algn="ctr" rotWithShape="0">
+                    <a:schemeClr val="bg2"/>
+                  </a:outerShdw>
+                </a:effectLst>
+              </a14:hiddenEffects>
+            </a:ext>
+          </a:extLst>
+        </p:spPr>
+        <p:txBody>
+          <a:bodyPr vert="horz" wrap="none" lIns="0" tIns="0" rIns="0" bIns="0" numCol="1" anchor="ctr" anchorCtr="0" compatLnSpc="1">
+            <a:prstTxWarp prst="textNoShape">
+              <a:avLst/>
+            </a:prstTxWarp>
+            <a:spAutoFit/>
+          </a:bodyPr>
+          <a:lstStyle/>
+          <a:p>
+            <a:pPr marL="285750" marR="0" lvl="0" indent="-285750" algn="l" defTabSz="914400" rtl="0" eaLnBrk="0" fontAlgn="base" latinLnBrk="0" hangingPunct="0">
+              <a:lnSpc>
+                <a:spcPct val="100000"/>
+              </a:lnSpc>
+              <a:spcBef>
+                <a:spcPct val="0"/>
+              </a:spcBef>
+              <a:spcAft>
+                <a:spcPct val="0"/>
+              </a:spcAft>
+              <a:buClrTx/>
+              <a:buSzTx/>
+              <a:buFont typeface="Arial" panose="020B0604020202020204" pitchFamily="34" charset="0"/>
+              <a:buChar char="•"/>
+              <a:tabLst/>
+            </a:pPr>
+            <a:r>
+              <a:rPr lang="en-US" b="1" i="0" dirty="0">
+                <a:solidFill>
+                  <a:schemeClr val="bg1"/>
+                </a:solidFill>
+                <a:effectLst/>
+                <a:latin typeface="Helveticasinav" panose="02000503000000020004" pitchFamily="2" charset="-94"/>
+              </a:rPr>
+              <a:t>Technical Status:</a:t>
+            </a:r>
+            <a:r>
+              <a:rPr lang="en-US" b="0" i="0" dirty="0">
+                <a:solidFill>
+                  <a:schemeClr val="bg1"/>
+                </a:solidFill>
+                <a:effectLst/>
+                <a:latin typeface="Helveticasinav" panose="02000503000000020004" pitchFamily="2" charset="-94"/>
+              </a:rPr>
+              <a:t> The project is technically complete, validated, and </a:t>
+            </a:r>
+          </a:p>
+          <a:p>
+            <a:pPr marR="0" lvl="0" algn="l" defTabSz="914400" rtl="0" eaLnBrk="0" fontAlgn="base" latinLnBrk="0" hangingPunct="0">
+              <a:lnSpc>
+                <a:spcPct val="100000"/>
+              </a:lnSpc>
+              <a:spcBef>
+                <a:spcPct val="0"/>
+              </a:spcBef>
+              <a:spcAft>
+                <a:spcPct val="0"/>
+              </a:spcAft>
+              <a:buClrTx/>
+              <a:buSzTx/>
+              <a:tabLst/>
+            </a:pPr>
+            <a:r>
+              <a:rPr lang="en-US" b="0" i="0" dirty="0">
+                <a:solidFill>
+                  <a:schemeClr val="bg1"/>
+                </a:solidFill>
+                <a:effectLst/>
+                <a:latin typeface="Helveticasinav" panose="02000503000000020004" pitchFamily="2" charset="-94"/>
+              </a:rPr>
+              <a:t>     achieves  a 77% AUC score.</a:t>
+            </a:r>
+            <a:endParaRPr kumimoji="0" lang="en-US" altLang="en-US" b="0" i="0" u="none" strike="noStrike" cap="none" normalizeH="0" baseline="0" dirty="0">
+              <a:ln>
+                <a:noFill/>
+              </a:ln>
+              <a:solidFill>
+                <a:schemeClr val="bg1"/>
+              </a:solidFill>
+              <a:effectLst/>
+              <a:latin typeface="Helveticasinav" panose="02000503000000020004" pitchFamily="2" charset="-94"/>
+            </a:endParaRPr>
           </a:p>
         </p:txBody>
       </p:sp>
@@ -4030,6 +8764,18 @@
   <p:clrMapOvr>
     <a:masterClrMapping/>
   </p:clrMapOvr>
+  <mc:AlternateContent xmlns:mc="http://schemas.openxmlformats.org/markup-compatibility/2006">
+    <mc:Choice xmlns:p159="http://schemas.microsoft.com/office/powerpoint/2015/09/main" Requires="p159">
+      <p:transition xmlns:p14="http://schemas.microsoft.com/office/powerpoint/2010/main" spd="slow" p14:dur="2000">
+        <p159:morph option="byObject"/>
+      </p:transition>
+    </mc:Choice>
+    <mc:Fallback>
+      <p:transition spd="slow">
+        <p:fade/>
+      </p:transition>
+    </mc:Fallback>
+  </mc:AlternateContent>
 </p:sld>
 </file>
 
@@ -4060,114 +8806,783 @@
       </p:grpSpPr>
       <p:sp>
         <p:nvSpPr>
-          <p:cNvPr id="3" name="Content Placeholder 2"/>
-          <p:cNvSpPr>
-            <a:spLocks noGrp="1"/>
+          <p:cNvPr id="5" name="Content Placeholder 2">
+            <a:extLst>
+              <a:ext uri="{FF2B5EF4-FFF2-40B4-BE49-F238E27FC236}">
+                <a16:creationId xmlns:a16="http://schemas.microsoft.com/office/drawing/2014/main" id="{42D38F70-F62A-DC19-A60E-5C486C7E553D}"/>
+              </a:ext>
+            </a:extLst>
+          </p:cNvPr>
+          <p:cNvSpPr txBox="1">
+            <a:spLocks/>
           </p:cNvSpPr>
-          <p:nvPr>
-            <p:ph idx="1"/>
-          </p:nvPr>
+          <p:nvPr/>
         </p:nvSpPr>
         <p:spPr>
           <a:xfrm>
-            <a:off x="457200" y="997085"/>
-            <a:ext cx="8229600" cy="4525963"/>
+            <a:off x="457200" y="641763"/>
+            <a:ext cx="8229600" cy="821278"/>
           </a:xfrm>
+          <a:prstGeom prst="rect">
+            <a:avLst/>
+          </a:prstGeom>
         </p:spPr>
         <p:txBody>
-          <a:bodyPr/>
+          <a:bodyPr vert="horz" lIns="91440" tIns="45720" rIns="91440" bIns="45720" rtlCol="0">
+            <a:normAutofit lnSpcReduction="10000"/>
+          </a:bodyPr>
+          <a:lstStyle>
+            <a:lvl1pPr marL="342900" indent="-342900" algn="l" defTabSz="457200" rtl="0" eaLnBrk="1" latinLnBrk="0" hangingPunct="1">
+              <a:spcBef>
+                <a:spcPct val="20000"/>
+              </a:spcBef>
+              <a:buFont typeface="Arial"/>
+              <a:buChar char="•"/>
+              <a:defRPr sz="3200" kern="1200">
+                <a:solidFill>
+                  <a:schemeClr val="tx1"/>
+                </a:solidFill>
+                <a:latin typeface="+mn-lt"/>
+                <a:ea typeface="+mn-ea"/>
+                <a:cs typeface="+mn-cs"/>
+              </a:defRPr>
+            </a:lvl1pPr>
+            <a:lvl2pPr marL="742950" indent="-285750" algn="l" defTabSz="457200" rtl="0" eaLnBrk="1" latinLnBrk="0" hangingPunct="1">
+              <a:spcBef>
+                <a:spcPct val="20000"/>
+              </a:spcBef>
+              <a:buFont typeface="Arial"/>
+              <a:buChar char="–"/>
+              <a:defRPr sz="2800" kern="1200">
+                <a:solidFill>
+                  <a:schemeClr val="tx1"/>
+                </a:solidFill>
+                <a:latin typeface="+mn-lt"/>
+                <a:ea typeface="+mn-ea"/>
+                <a:cs typeface="+mn-cs"/>
+              </a:defRPr>
+            </a:lvl2pPr>
+            <a:lvl3pPr marL="1143000" indent="-228600" algn="l" defTabSz="457200" rtl="0" eaLnBrk="1" latinLnBrk="0" hangingPunct="1">
+              <a:spcBef>
+                <a:spcPct val="20000"/>
+              </a:spcBef>
+              <a:buFont typeface="Arial"/>
+              <a:buChar char="•"/>
+              <a:defRPr sz="2400" kern="1200">
+                <a:solidFill>
+                  <a:schemeClr val="tx1"/>
+                </a:solidFill>
+                <a:latin typeface="+mn-lt"/>
+                <a:ea typeface="+mn-ea"/>
+                <a:cs typeface="+mn-cs"/>
+              </a:defRPr>
+            </a:lvl3pPr>
+            <a:lvl4pPr marL="1600200" indent="-228600" algn="l" defTabSz="457200" rtl="0" eaLnBrk="1" latinLnBrk="0" hangingPunct="1">
+              <a:spcBef>
+                <a:spcPct val="20000"/>
+              </a:spcBef>
+              <a:buFont typeface="Arial"/>
+              <a:buChar char="–"/>
+              <a:defRPr sz="2000" kern="1200">
+                <a:solidFill>
+                  <a:schemeClr val="tx1"/>
+                </a:solidFill>
+                <a:latin typeface="+mn-lt"/>
+                <a:ea typeface="+mn-ea"/>
+                <a:cs typeface="+mn-cs"/>
+              </a:defRPr>
+            </a:lvl4pPr>
+            <a:lvl5pPr marL="2057400" indent="-228600" algn="l" defTabSz="457200" rtl="0" eaLnBrk="1" latinLnBrk="0" hangingPunct="1">
+              <a:spcBef>
+                <a:spcPct val="20000"/>
+              </a:spcBef>
+              <a:buFont typeface="Arial"/>
+              <a:buChar char="»"/>
+              <a:defRPr sz="2000" kern="1200">
+                <a:solidFill>
+                  <a:schemeClr val="tx1"/>
+                </a:solidFill>
+                <a:latin typeface="+mn-lt"/>
+                <a:ea typeface="+mn-ea"/>
+                <a:cs typeface="+mn-cs"/>
+              </a:defRPr>
+            </a:lvl5pPr>
+            <a:lvl6pPr marL="2514600" indent="-228600" algn="l" defTabSz="457200" rtl="0" eaLnBrk="1" latinLnBrk="0" hangingPunct="1">
+              <a:spcBef>
+                <a:spcPct val="20000"/>
+              </a:spcBef>
+              <a:buFont typeface="Arial"/>
+              <a:buChar char="•"/>
+              <a:defRPr sz="2000" kern="1200">
+                <a:solidFill>
+                  <a:schemeClr val="tx1"/>
+                </a:solidFill>
+                <a:latin typeface="+mn-lt"/>
+                <a:ea typeface="+mn-ea"/>
+                <a:cs typeface="+mn-cs"/>
+              </a:defRPr>
+            </a:lvl6pPr>
+            <a:lvl7pPr marL="2971800" indent="-228600" algn="l" defTabSz="457200" rtl="0" eaLnBrk="1" latinLnBrk="0" hangingPunct="1">
+              <a:spcBef>
+                <a:spcPct val="20000"/>
+              </a:spcBef>
+              <a:buFont typeface="Arial"/>
+              <a:buChar char="•"/>
+              <a:defRPr sz="2000" kern="1200">
+                <a:solidFill>
+                  <a:schemeClr val="tx1"/>
+                </a:solidFill>
+                <a:latin typeface="+mn-lt"/>
+                <a:ea typeface="+mn-ea"/>
+                <a:cs typeface="+mn-cs"/>
+              </a:defRPr>
+            </a:lvl7pPr>
+            <a:lvl8pPr marL="3429000" indent="-228600" algn="l" defTabSz="457200" rtl="0" eaLnBrk="1" latinLnBrk="0" hangingPunct="1">
+              <a:spcBef>
+                <a:spcPct val="20000"/>
+              </a:spcBef>
+              <a:buFont typeface="Arial"/>
+              <a:buChar char="•"/>
+              <a:defRPr sz="2000" kern="1200">
+                <a:solidFill>
+                  <a:schemeClr val="tx1"/>
+                </a:solidFill>
+                <a:latin typeface="+mn-lt"/>
+                <a:ea typeface="+mn-ea"/>
+                <a:cs typeface="+mn-cs"/>
+              </a:defRPr>
+            </a:lvl8pPr>
+            <a:lvl9pPr marL="3886200" indent="-228600" algn="l" defTabSz="457200" rtl="0" eaLnBrk="1" latinLnBrk="0" hangingPunct="1">
+              <a:spcBef>
+                <a:spcPct val="20000"/>
+              </a:spcBef>
+              <a:buFont typeface="Arial"/>
+              <a:buChar char="•"/>
+              <a:defRPr sz="2000" kern="1200">
+                <a:solidFill>
+                  <a:schemeClr val="tx1"/>
+                </a:solidFill>
+                <a:latin typeface="+mn-lt"/>
+                <a:ea typeface="+mn-ea"/>
+                <a:cs typeface="+mn-cs"/>
+              </a:defRPr>
+            </a:lvl9pPr>
+          </a:lstStyle>
+          <a:p>
+            <a:pPr marL="0" indent="0" algn="ctr">
+              <a:buFont typeface="Arial"/>
+              <a:buNone/>
+            </a:pPr>
+            <a:r>
+              <a:rPr lang="en-US" sz="2800" b="1" dirty="0">
+                <a:solidFill>
+                  <a:srgbClr val="FFFFFF"/>
+                </a:solidFill>
+              </a:rPr>
+              <a:t>Conclusion and Call to Action</a:t>
+            </a:r>
+          </a:p>
+          <a:p>
+            <a:pPr marL="0" indent="0" algn="ctr">
+              <a:buFont typeface="Arial"/>
+              <a:buNone/>
+            </a:pPr>
+            <a:r>
+              <a:rPr lang="en-US" sz="2000" b="1" dirty="0">
+                <a:solidFill>
+                  <a:srgbClr val="FFFFFF"/>
+                </a:solidFill>
+              </a:rPr>
+              <a:t>The Ask</a:t>
+            </a:r>
+          </a:p>
+        </p:txBody>
+      </p:sp>
+      <p:sp>
+        <p:nvSpPr>
+          <p:cNvPr id="6" name="Rectangle 9">
+            <a:extLst>
+              <a:ext uri="{FF2B5EF4-FFF2-40B4-BE49-F238E27FC236}">
+                <a16:creationId xmlns:a16="http://schemas.microsoft.com/office/drawing/2014/main" id="{11BAC6CE-5BE9-DE7B-FDEF-B49BD5EC865A}"/>
+              </a:ext>
+            </a:extLst>
+          </p:cNvPr>
+          <p:cNvSpPr>
+            <a:spLocks noChangeArrowheads="1"/>
+          </p:cNvSpPr>
+          <p:nvPr/>
+        </p:nvSpPr>
+        <p:spPr bwMode="auto">
+          <a:xfrm>
+            <a:off x="548050" y="1899752"/>
+            <a:ext cx="8361263" cy="276999"/>
+          </a:xfrm>
+          <a:prstGeom prst="rect">
+            <a:avLst/>
+          </a:prstGeom>
+          <a:noFill/>
+          <a:ln>
+            <a:noFill/>
+          </a:ln>
+          <a:effectLst/>
+          <a:extLst>
+            <a:ext uri="{909E8E84-426E-40DD-AFC4-6F175D3DCCD1}">
+              <a14:hiddenFill xmlns:a14="http://schemas.microsoft.com/office/drawing/2010/main">
+                <a:solidFill>
+                  <a:schemeClr val="accent1"/>
+                </a:solidFill>
+              </a14:hiddenFill>
+            </a:ext>
+            <a:ext uri="{91240B29-F687-4F45-9708-019B960494DF}">
+              <a14:hiddenLine xmlns:a14="http://schemas.microsoft.com/office/drawing/2010/main" w="9525">
+                <a:solidFill>
+                  <a:schemeClr val="tx1"/>
+                </a:solidFill>
+                <a:miter lim="800000"/>
+                <a:headEnd/>
+                <a:tailEnd/>
+              </a14:hiddenLine>
+            </a:ext>
+            <a:ext uri="{AF507438-7753-43E0-B8FC-AC1667EBCBE1}">
+              <a14:hiddenEffects xmlns:a14="http://schemas.microsoft.com/office/drawing/2010/main">
+                <a:effectLst>
+                  <a:outerShdw dist="35921" dir="2700000" algn="ctr" rotWithShape="0">
+                    <a:schemeClr val="bg2"/>
+                  </a:outerShdw>
+                </a:effectLst>
+              </a14:hiddenEffects>
+            </a:ext>
+          </a:extLst>
+        </p:spPr>
+        <p:txBody>
+          <a:bodyPr vert="horz" wrap="square" lIns="0" tIns="0" rIns="0" bIns="0" numCol="1" anchor="ctr" anchorCtr="0" compatLnSpc="1">
+            <a:prstTxWarp prst="textNoShape">
+              <a:avLst/>
+            </a:prstTxWarp>
+            <a:spAutoFit/>
+          </a:bodyPr>
           <a:lstStyle/>
           <a:p>
-            <a:r>
-              <a:rPr sz="2200" dirty="0">
-                <a:solidFill>
-                  <a:srgbClr val="FFFFFF"/>
-                </a:solidFill>
-              </a:rPr>
-              <a:t>Key Highlight: "Projected Annual Revenue Protection: $1.8 Million"</a:t>
-            </a:r>
-          </a:p>
-          <a:p>
-            <a:r>
-              <a:rPr sz="2200" dirty="0">
-                <a:solidFill>
-                  <a:srgbClr val="FFFFFF"/>
-                </a:solidFill>
-              </a:rPr>
-              <a:t>What We Built: An intelligent "Early Warning System" analyzing over 3 Million historical orders.</a:t>
-            </a:r>
-          </a:p>
-          <a:p>
-            <a:r>
-              <a:rPr sz="2200" dirty="0">
-                <a:solidFill>
-                  <a:srgbClr val="FFFFFF"/>
-                </a:solidFill>
-              </a:rPr>
-              <a:t>Predictive Power: The model successfully identifies 8</a:t>
-            </a:r>
-            <a:r>
-              <a:rPr lang="en-US" sz="2200" dirty="0">
-                <a:solidFill>
-                  <a:srgbClr val="FFFFFF"/>
-                </a:solidFill>
-              </a:rPr>
-              <a:t>1</a:t>
-            </a:r>
-            <a:r>
-              <a:rPr sz="2200" dirty="0">
-                <a:solidFill>
-                  <a:srgbClr val="FFFFFF"/>
-                </a:solidFill>
-              </a:rPr>
-              <a:t> out of every 100 customers who are about to churn (8</a:t>
-            </a:r>
-            <a:r>
-              <a:rPr lang="en-US" sz="2200" dirty="0">
-                <a:solidFill>
-                  <a:srgbClr val="FFFFFF"/>
-                </a:solidFill>
-              </a:rPr>
-              <a:t>1</a:t>
-            </a:r>
-            <a:r>
-              <a:rPr sz="2200" dirty="0">
-                <a:solidFill>
-                  <a:srgbClr val="FFFFFF"/>
-                </a:solidFill>
-              </a:rPr>
-              <a:t>% Recall).</a:t>
-            </a:r>
-          </a:p>
-          <a:p>
-            <a:r>
-              <a:rPr sz="2200" dirty="0">
-                <a:solidFill>
-                  <a:srgbClr val="FFFFFF"/>
-                </a:solidFill>
-              </a:rPr>
-              <a:t>Slide 5: Why Do They Leave? (Key Drivers)</a:t>
-            </a:r>
-          </a:p>
-          <a:p>
-            <a:r>
-              <a:rPr sz="2200" dirty="0">
-                <a:solidFill>
-                  <a:srgbClr val="FFFFFF"/>
-                </a:solidFill>
-              </a:rPr>
-              <a:t>Daily Scan: The system runs every night to identify "High-Risk" customers.</a:t>
-            </a:r>
-          </a:p>
-          <a:p>
-            <a:r>
-              <a:rPr sz="2200" dirty="0">
-                <a:solidFill>
-                  <a:srgbClr val="FFFFFF"/>
-                </a:solidFill>
-              </a:rPr>
-              <a:t>Recommendation: Launch a 1-month Pilot Program (A/B Test) to measure real-world impact.</a:t>
-            </a:r>
+            <a:pPr marL="285750" marR="0" lvl="0" indent="-285750" algn="l" defTabSz="914400" rtl="0" eaLnBrk="0" fontAlgn="base" latinLnBrk="0" hangingPunct="0">
+              <a:lnSpc>
+                <a:spcPct val="100000"/>
+              </a:lnSpc>
+              <a:spcBef>
+                <a:spcPct val="0"/>
+              </a:spcBef>
+              <a:spcAft>
+                <a:spcPct val="0"/>
+              </a:spcAft>
+              <a:buClrTx/>
+              <a:buSzTx/>
+              <a:buFont typeface="Arial" panose="020B0604020202020204" pitchFamily="34" charset="0"/>
+              <a:buChar char="•"/>
+              <a:tabLst/>
+            </a:pPr>
+            <a:r>
+              <a:rPr lang="en-US" b="1" i="0" dirty="0">
+                <a:solidFill>
+                  <a:schemeClr val="bg1"/>
+                </a:solidFill>
+                <a:effectLst/>
+                <a:latin typeface="Helveticasinav" panose="02000503000000020004" pitchFamily="2" charset="-94"/>
+              </a:rPr>
+              <a:t>Key Highlight Recap:</a:t>
+            </a:r>
+            <a:r>
+              <a:rPr lang="en-US" b="0" i="0" dirty="0">
+                <a:solidFill>
+                  <a:schemeClr val="bg1"/>
+                </a:solidFill>
+                <a:effectLst/>
+                <a:latin typeface="Helveticasinav" panose="02000503000000020004" pitchFamily="2" charset="-94"/>
+              </a:rPr>
+              <a:t> Projected Annual Revenue Protection: </a:t>
+            </a:r>
+            <a:r>
+              <a:rPr lang="en-US" b="1" i="0" dirty="0">
+                <a:solidFill>
+                  <a:schemeClr val="bg1"/>
+                </a:solidFill>
+                <a:effectLst/>
+                <a:latin typeface="Helveticasinav" panose="02000503000000020004" pitchFamily="2" charset="-94"/>
+              </a:rPr>
+              <a:t>$1.8 Million.</a:t>
+            </a:r>
+            <a:endParaRPr kumimoji="0" lang="en-US" altLang="en-US" b="0" i="0" u="none" strike="noStrike" cap="none" normalizeH="0" baseline="0" dirty="0">
+              <a:ln>
+                <a:noFill/>
+              </a:ln>
+              <a:solidFill>
+                <a:schemeClr val="bg1"/>
+              </a:solidFill>
+              <a:effectLst/>
+              <a:latin typeface="Helveticasinav" panose="02000503000000020004" pitchFamily="2" charset="-94"/>
+            </a:endParaRPr>
+          </a:p>
+        </p:txBody>
+      </p:sp>
+      <p:sp>
+        <p:nvSpPr>
+          <p:cNvPr id="7" name="Rectangle 10">
+            <a:extLst>
+              <a:ext uri="{FF2B5EF4-FFF2-40B4-BE49-F238E27FC236}">
+                <a16:creationId xmlns:a16="http://schemas.microsoft.com/office/drawing/2014/main" id="{F9CD4713-D255-23DA-4E93-EC2CDA583651}"/>
+              </a:ext>
+            </a:extLst>
+          </p:cNvPr>
+          <p:cNvSpPr>
+            <a:spLocks noChangeArrowheads="1"/>
+          </p:cNvSpPr>
+          <p:nvPr/>
+        </p:nvSpPr>
+        <p:spPr bwMode="auto">
+          <a:xfrm>
+            <a:off x="548050" y="2736503"/>
+            <a:ext cx="7989367" cy="553998"/>
+          </a:xfrm>
+          <a:prstGeom prst="rect">
+            <a:avLst/>
+          </a:prstGeom>
+          <a:noFill/>
+          <a:ln>
+            <a:noFill/>
+          </a:ln>
+          <a:effectLst/>
+          <a:extLst>
+            <a:ext uri="{909E8E84-426E-40DD-AFC4-6F175D3DCCD1}">
+              <a14:hiddenFill xmlns:a14="http://schemas.microsoft.com/office/drawing/2010/main">
+                <a:solidFill>
+                  <a:schemeClr val="accent1"/>
+                </a:solidFill>
+              </a14:hiddenFill>
+            </a:ext>
+            <a:ext uri="{91240B29-F687-4F45-9708-019B960494DF}">
+              <a14:hiddenLine xmlns:a14="http://schemas.microsoft.com/office/drawing/2010/main" w="9525">
+                <a:solidFill>
+                  <a:schemeClr val="tx1"/>
+                </a:solidFill>
+                <a:miter lim="800000"/>
+                <a:headEnd/>
+                <a:tailEnd/>
+              </a14:hiddenLine>
+            </a:ext>
+            <a:ext uri="{AF507438-7753-43E0-B8FC-AC1667EBCBE1}">
+              <a14:hiddenEffects xmlns:a14="http://schemas.microsoft.com/office/drawing/2010/main">
+                <a:effectLst>
+                  <a:outerShdw dist="35921" dir="2700000" algn="ctr" rotWithShape="0">
+                    <a:schemeClr val="bg2"/>
+                  </a:outerShdw>
+                </a:effectLst>
+              </a14:hiddenEffects>
+            </a:ext>
+          </a:extLst>
+        </p:spPr>
+        <p:txBody>
+          <a:bodyPr vert="horz" wrap="none" lIns="0" tIns="0" rIns="0" bIns="0" numCol="1" anchor="ctr" anchorCtr="0" compatLnSpc="1">
+            <a:prstTxWarp prst="textNoShape">
+              <a:avLst/>
+            </a:prstTxWarp>
+            <a:spAutoFit/>
+          </a:bodyPr>
+          <a:lstStyle/>
+          <a:p>
+            <a:pPr marL="285750" marR="0" lvl="0" indent="-285750" algn="l" defTabSz="914400" rtl="0" eaLnBrk="0" fontAlgn="base" latinLnBrk="0" hangingPunct="0">
+              <a:lnSpc>
+                <a:spcPct val="100000"/>
+              </a:lnSpc>
+              <a:spcBef>
+                <a:spcPct val="0"/>
+              </a:spcBef>
+              <a:spcAft>
+                <a:spcPct val="0"/>
+              </a:spcAft>
+              <a:buClrTx/>
+              <a:buSzTx/>
+              <a:buFont typeface="Arial" panose="020B0604020202020204" pitchFamily="34" charset="0"/>
+              <a:buChar char="•"/>
+              <a:tabLst/>
+            </a:pPr>
+            <a:r>
+              <a:rPr lang="en-US" b="1" i="0" dirty="0">
+                <a:solidFill>
+                  <a:schemeClr val="bg1"/>
+                </a:solidFill>
+                <a:effectLst/>
+                <a:latin typeface="Helveticasinav" panose="02000503000000020004" pitchFamily="2" charset="-94"/>
+              </a:rPr>
+              <a:t>Value Proposition:</a:t>
+            </a:r>
+            <a:r>
+              <a:rPr lang="en-US" b="0" i="0" dirty="0">
+                <a:solidFill>
+                  <a:schemeClr val="bg1"/>
+                </a:solidFill>
+                <a:effectLst/>
+                <a:latin typeface="Helveticasinav" panose="02000503000000020004" pitchFamily="2" charset="-94"/>
+              </a:rPr>
+              <a:t> We have built an intelligent, validated </a:t>
+            </a:r>
+            <a:r>
+              <a:rPr lang="en-US" b="1" i="0" dirty="0">
+                <a:solidFill>
+                  <a:schemeClr val="bg1"/>
+                </a:solidFill>
+                <a:effectLst/>
+                <a:latin typeface="Helveticasinav" panose="02000503000000020004" pitchFamily="2" charset="-94"/>
+              </a:rPr>
+              <a:t>"Early Warning </a:t>
+            </a:r>
+          </a:p>
+          <a:p>
+            <a:pPr marR="0" lvl="0" algn="l" defTabSz="914400" rtl="0" eaLnBrk="0" fontAlgn="base" latinLnBrk="0" hangingPunct="0">
+              <a:lnSpc>
+                <a:spcPct val="100000"/>
+              </a:lnSpc>
+              <a:spcBef>
+                <a:spcPct val="0"/>
+              </a:spcBef>
+              <a:spcAft>
+                <a:spcPct val="0"/>
+              </a:spcAft>
+              <a:buClrTx/>
+              <a:buSzTx/>
+              <a:tabLst/>
+            </a:pPr>
+            <a:r>
+              <a:rPr lang="en-US" b="1" dirty="0">
+                <a:solidFill>
+                  <a:schemeClr val="bg1"/>
+                </a:solidFill>
+                <a:latin typeface="Helveticasinav" panose="02000503000000020004" pitchFamily="2" charset="-94"/>
+              </a:rPr>
+              <a:t>     </a:t>
+            </a:r>
+            <a:r>
+              <a:rPr lang="en-US" b="1" i="0" dirty="0">
+                <a:solidFill>
+                  <a:schemeClr val="bg1"/>
+                </a:solidFill>
+                <a:effectLst/>
+                <a:latin typeface="Helveticasinav" panose="02000503000000020004" pitchFamily="2" charset="-94"/>
+              </a:rPr>
+              <a:t>System"</a:t>
+            </a:r>
+            <a:r>
+              <a:rPr lang="en-US" b="0" i="0" dirty="0">
+                <a:solidFill>
+                  <a:schemeClr val="bg1"/>
+                </a:solidFill>
+                <a:effectLst/>
+                <a:latin typeface="Helveticasinav" panose="02000503000000020004" pitchFamily="2" charset="-94"/>
+              </a:rPr>
+              <a:t> that successfully identifies customers who are about to leave.</a:t>
+            </a:r>
+            <a:endParaRPr kumimoji="0" lang="en-US" altLang="en-US" b="0" i="0" u="none" strike="noStrike" cap="none" normalizeH="0" baseline="0" dirty="0">
+              <a:ln>
+                <a:noFill/>
+              </a:ln>
+              <a:solidFill>
+                <a:schemeClr val="bg1"/>
+              </a:solidFill>
+              <a:effectLst/>
+              <a:latin typeface="Helveticasinav" panose="02000503000000020004" pitchFamily="2" charset="-94"/>
+            </a:endParaRPr>
+          </a:p>
+        </p:txBody>
+      </p:sp>
+      <p:sp>
+        <p:nvSpPr>
+          <p:cNvPr id="8" name="Rectangle 11">
+            <a:extLst>
+              <a:ext uri="{FF2B5EF4-FFF2-40B4-BE49-F238E27FC236}">
+                <a16:creationId xmlns:a16="http://schemas.microsoft.com/office/drawing/2014/main" id="{33DDA3BA-1B2F-0E1D-5052-19835A6814B6}"/>
+              </a:ext>
+            </a:extLst>
+          </p:cNvPr>
+          <p:cNvSpPr>
+            <a:spLocks noChangeArrowheads="1"/>
+          </p:cNvSpPr>
+          <p:nvPr/>
+        </p:nvSpPr>
+        <p:spPr bwMode="auto">
+          <a:xfrm>
+            <a:off x="548050" y="3717604"/>
+            <a:ext cx="8374087" cy="1938992"/>
+          </a:xfrm>
+          <a:prstGeom prst="rect">
+            <a:avLst/>
+          </a:prstGeom>
+          <a:noFill/>
+          <a:ln>
+            <a:noFill/>
+          </a:ln>
+          <a:effectLst/>
+          <a:extLst>
+            <a:ext uri="{909E8E84-426E-40DD-AFC4-6F175D3DCCD1}">
+              <a14:hiddenFill xmlns:a14="http://schemas.microsoft.com/office/drawing/2010/main">
+                <a:solidFill>
+                  <a:schemeClr val="accent1"/>
+                </a:solidFill>
+              </a14:hiddenFill>
+            </a:ext>
+            <a:ext uri="{91240B29-F687-4F45-9708-019B960494DF}">
+              <a14:hiddenLine xmlns:a14="http://schemas.microsoft.com/office/drawing/2010/main" w="9525">
+                <a:solidFill>
+                  <a:schemeClr val="tx1"/>
+                </a:solidFill>
+                <a:miter lim="800000"/>
+                <a:headEnd/>
+                <a:tailEnd/>
+              </a14:hiddenLine>
+            </a:ext>
+            <a:ext uri="{AF507438-7753-43E0-B8FC-AC1667EBCBE1}">
+              <a14:hiddenEffects xmlns:a14="http://schemas.microsoft.com/office/drawing/2010/main">
+                <a:effectLst>
+                  <a:outerShdw dist="35921" dir="2700000" algn="ctr" rotWithShape="0">
+                    <a:schemeClr val="bg2"/>
+                  </a:outerShdw>
+                </a:effectLst>
+              </a14:hiddenEffects>
+            </a:ext>
+          </a:extLst>
+        </p:spPr>
+        <p:txBody>
+          <a:bodyPr vert="horz" wrap="none" lIns="0" tIns="0" rIns="0" bIns="0" numCol="1" anchor="ctr" anchorCtr="0" compatLnSpc="1">
+            <a:prstTxWarp prst="textNoShape">
+              <a:avLst/>
+            </a:prstTxWarp>
+            <a:spAutoFit/>
+          </a:bodyPr>
+          <a:lstStyle/>
+          <a:p>
+            <a:pPr marL="285750" marR="0" lvl="0" indent="-285750" algn="l" defTabSz="914400" rtl="0" eaLnBrk="0" fontAlgn="base" latinLnBrk="0" hangingPunct="0">
+              <a:lnSpc>
+                <a:spcPct val="100000"/>
+              </a:lnSpc>
+              <a:spcBef>
+                <a:spcPct val="0"/>
+              </a:spcBef>
+              <a:spcAft>
+                <a:spcPct val="0"/>
+              </a:spcAft>
+              <a:buClrTx/>
+              <a:buSzTx/>
+              <a:buFont typeface="Arial" panose="020B0604020202020204" pitchFamily="34" charset="0"/>
+              <a:buChar char="•"/>
+              <a:tabLst/>
+            </a:pPr>
+            <a:r>
+              <a:rPr lang="en-US" b="1" i="0" dirty="0">
+                <a:solidFill>
+                  <a:schemeClr val="bg1"/>
+                </a:solidFill>
+                <a:effectLst/>
+                <a:latin typeface="Helveticasinav" panose="02000503000000020004" pitchFamily="2" charset="-94"/>
+              </a:rPr>
+              <a:t>Recommendation (Call to Action):</a:t>
+            </a:r>
+          </a:p>
+          <a:p>
+            <a:pPr marR="0" lvl="0" algn="l" defTabSz="914400" rtl="0" eaLnBrk="0" fontAlgn="base" latinLnBrk="0" hangingPunct="0">
+              <a:lnSpc>
+                <a:spcPct val="100000"/>
+              </a:lnSpc>
+              <a:spcBef>
+                <a:spcPct val="0"/>
+              </a:spcBef>
+              <a:spcAft>
+                <a:spcPct val="0"/>
+              </a:spcAft>
+              <a:buClrTx/>
+              <a:buSzTx/>
+              <a:tabLst/>
+            </a:pPr>
+            <a:endParaRPr lang="en-US" b="0" i="0" dirty="0">
+              <a:solidFill>
+                <a:schemeClr val="bg1"/>
+              </a:solidFill>
+              <a:effectLst/>
+              <a:latin typeface="Helveticasinav" panose="02000503000000020004" pitchFamily="2" charset="-94"/>
+            </a:endParaRPr>
+          </a:p>
+          <a:p>
+            <a:pPr marL="800100" lvl="1" indent="-342900" defTabSz="914400" eaLnBrk="0" fontAlgn="base" hangingPunct="0">
+              <a:spcBef>
+                <a:spcPct val="0"/>
+              </a:spcBef>
+              <a:spcAft>
+                <a:spcPct val="0"/>
+              </a:spcAft>
+              <a:buFont typeface="+mj-lt"/>
+              <a:buAutoNum type="arabicPeriod"/>
+            </a:pPr>
+            <a:r>
+              <a:rPr lang="en-US" b="1" i="0" dirty="0">
+                <a:solidFill>
+                  <a:schemeClr val="bg1"/>
+                </a:solidFill>
+                <a:effectLst/>
+                <a:latin typeface="Helveticasinav" panose="02000503000000020004" pitchFamily="2" charset="-94"/>
+              </a:rPr>
+              <a:t>Launch a 1-month Pilot Program (A/B Test)</a:t>
+            </a:r>
+            <a:r>
+              <a:rPr lang="en-US" b="0" i="0" dirty="0">
+                <a:solidFill>
+                  <a:schemeClr val="bg1"/>
+                </a:solidFill>
+                <a:effectLst/>
+                <a:latin typeface="Helveticasinav" panose="02000503000000020004" pitchFamily="2" charset="-94"/>
+              </a:rPr>
+              <a:t> immediately to measure </a:t>
+            </a:r>
+          </a:p>
+          <a:p>
+            <a:pPr lvl="1" defTabSz="914400" eaLnBrk="0" fontAlgn="base" hangingPunct="0">
+              <a:spcBef>
+                <a:spcPct val="0"/>
+              </a:spcBef>
+              <a:spcAft>
+                <a:spcPct val="0"/>
+              </a:spcAft>
+            </a:pPr>
+            <a:r>
+              <a:rPr lang="en-US" dirty="0">
+                <a:solidFill>
+                  <a:schemeClr val="bg1"/>
+                </a:solidFill>
+                <a:latin typeface="Helveticasinav" panose="02000503000000020004" pitchFamily="2" charset="-94"/>
+              </a:rPr>
+              <a:t>      </a:t>
+            </a:r>
+            <a:r>
+              <a:rPr lang="en-US" b="0" i="0" dirty="0">
+                <a:solidFill>
+                  <a:schemeClr val="bg1"/>
+                </a:solidFill>
+                <a:effectLst/>
+                <a:latin typeface="Helveticasinav" panose="02000503000000020004" pitchFamily="2" charset="-94"/>
+              </a:rPr>
+              <a:t>the real-world impact and confirm ROI </a:t>
+            </a:r>
+            <a:r>
+              <a:rPr lang="en-US" b="0" i="0" dirty="0" err="1">
+                <a:solidFill>
+                  <a:schemeClr val="bg1"/>
+                </a:solidFill>
+                <a:effectLst/>
+                <a:latin typeface="Helveticasinav" panose="02000503000000020004" pitchFamily="2" charset="-94"/>
+              </a:rPr>
+              <a:t>projections</a:t>
+            </a:r>
+            <a:r>
+              <a:rPr lang="en-US" b="1" i="0" dirty="0" err="1">
+                <a:solidFill>
+                  <a:schemeClr val="bg1"/>
+                </a:solidFill>
+                <a:effectLst/>
+                <a:latin typeface="Helveticasinav" panose="02000503000000020004" pitchFamily="2" charset="-94"/>
+              </a:rPr>
+              <a:t>Days</a:t>
+            </a:r>
+            <a:r>
+              <a:rPr lang="en-US" b="1" i="0" dirty="0">
+                <a:solidFill>
+                  <a:schemeClr val="bg1"/>
+                </a:solidFill>
+                <a:effectLst/>
+                <a:latin typeface="Helveticasinav" panose="02000503000000020004" pitchFamily="2" charset="-94"/>
+              </a:rPr>
+              <a:t> Since Last Order</a:t>
+            </a:r>
+          </a:p>
+          <a:p>
+            <a:pPr lvl="1" defTabSz="914400" eaLnBrk="0" fontAlgn="base" hangingPunct="0">
+              <a:spcBef>
+                <a:spcPct val="0"/>
+              </a:spcBef>
+              <a:spcAft>
+                <a:spcPct val="0"/>
+              </a:spcAft>
+            </a:pPr>
+            <a:r>
+              <a:rPr lang="en-US" b="0" i="0" dirty="0">
+                <a:solidFill>
+                  <a:schemeClr val="bg1"/>
+                </a:solidFill>
+                <a:effectLst/>
+                <a:latin typeface="Helveticasinav" panose="02000503000000020004" pitchFamily="2" charset="-94"/>
+              </a:rPr>
+              <a:t>     (Recency).</a:t>
+            </a:r>
+          </a:p>
+          <a:p>
+            <a:pPr marL="800100" lvl="1" indent="-342900" defTabSz="914400" eaLnBrk="0" fontAlgn="base" hangingPunct="0">
+              <a:spcBef>
+                <a:spcPct val="0"/>
+              </a:spcBef>
+              <a:spcAft>
+                <a:spcPct val="0"/>
+              </a:spcAft>
+              <a:buFont typeface="+mj-lt"/>
+              <a:buAutoNum type="arabicPeriod" startAt="2"/>
+            </a:pPr>
+            <a:r>
+              <a:rPr lang="en-US" b="1" i="0" dirty="0">
+                <a:solidFill>
+                  <a:schemeClr val="bg1"/>
+                </a:solidFill>
+                <a:effectLst/>
+                <a:latin typeface="Helveticasinav" panose="02000503000000020004" pitchFamily="2" charset="-94"/>
+              </a:rPr>
+              <a:t>Authorize IT resources</a:t>
+            </a:r>
+            <a:r>
+              <a:rPr lang="en-US" b="0" i="0" dirty="0">
+                <a:solidFill>
+                  <a:schemeClr val="bg1"/>
+                </a:solidFill>
+                <a:effectLst/>
+                <a:latin typeface="Helveticasinav" panose="02000503000000020004" pitchFamily="2" charset="-94"/>
+              </a:rPr>
+              <a:t> for integrating the daily risk scores into the </a:t>
+            </a:r>
+          </a:p>
+          <a:p>
+            <a:pPr lvl="1" defTabSz="914400" eaLnBrk="0" fontAlgn="base" hangingPunct="0">
+              <a:spcBef>
+                <a:spcPct val="0"/>
+              </a:spcBef>
+              <a:spcAft>
+                <a:spcPct val="0"/>
+              </a:spcAft>
+            </a:pPr>
+            <a:r>
+              <a:rPr lang="en-US" dirty="0">
+                <a:solidFill>
+                  <a:schemeClr val="bg1"/>
+                </a:solidFill>
+                <a:latin typeface="Helveticasinav" panose="02000503000000020004" pitchFamily="2" charset="-94"/>
+              </a:rPr>
+              <a:t>     </a:t>
+            </a:r>
+            <a:r>
+              <a:rPr lang="en-US" b="0" i="0" dirty="0">
+                <a:solidFill>
+                  <a:schemeClr val="bg1"/>
+                </a:solidFill>
+                <a:effectLst/>
+                <a:latin typeface="Helveticasinav" panose="02000503000000020004" pitchFamily="2" charset="-94"/>
+              </a:rPr>
+              <a:t>CRM/Marketing automation workflow.</a:t>
+            </a:r>
+            <a:endParaRPr lang="en-US" dirty="0">
+              <a:solidFill>
+                <a:schemeClr val="bg1"/>
+              </a:solidFill>
+              <a:latin typeface="Helveticasinav" panose="02000503000000020004" pitchFamily="2" charset="-94"/>
+            </a:endParaRPr>
           </a:p>
         </p:txBody>
       </p:sp>
@@ -4176,6 +9591,18 @@
   <p:clrMapOvr>
     <a:masterClrMapping/>
   </p:clrMapOvr>
+  <mc:AlternateContent xmlns:mc="http://schemas.openxmlformats.org/markup-compatibility/2006">
+    <mc:Choice xmlns:p14="http://schemas.microsoft.com/office/powerpoint/2010/main" Requires="p14">
+      <p:transition spd="slow" p14:dur="800">
+        <p14:flythrough/>
+      </p:transition>
+    </mc:Choice>
+    <mc:Fallback>
+      <p:transition spd="slow">
+        <p:fade/>
+      </p:transition>
+    </mc:Fallback>
+  </mc:AlternateContent>
 </p:sld>
 </file>
 

--- a/docs/FreshCart_Executive_Presentation.pptx
+++ b/docs/FreshCart_Executive_Presentation.pptx
@@ -309,7 +309,7 @@
           <a:p>
             <a:fld id="{5BCAD085-E8A6-8845-BD4E-CB4CCA059FC4}" type="datetimeFigureOut">
               <a:rPr lang="en-US" smtClean="0"/>
-              <a:t>11/30/2025</a:t>
+              <a:t>12/9/2025</a:t>
             </a:fld>
             <a:endParaRPr lang="en-US"/>
           </a:p>
@@ -477,7 +477,7 @@
           <a:p>
             <a:fld id="{5BCAD085-E8A6-8845-BD4E-CB4CCA059FC4}" type="datetimeFigureOut">
               <a:rPr lang="en-US" smtClean="0"/>
-              <a:t>11/30/2025</a:t>
+              <a:t>12/9/2025</a:t>
             </a:fld>
             <a:endParaRPr lang="en-US"/>
           </a:p>
@@ -655,7 +655,7 @@
           <a:p>
             <a:fld id="{5BCAD085-E8A6-8845-BD4E-CB4CCA059FC4}" type="datetimeFigureOut">
               <a:rPr lang="en-US" smtClean="0"/>
-              <a:t>11/30/2025</a:t>
+              <a:t>12/9/2025</a:t>
             </a:fld>
             <a:endParaRPr lang="en-US"/>
           </a:p>
@@ -823,7 +823,7 @@
           <a:p>
             <a:fld id="{5BCAD085-E8A6-8845-BD4E-CB4CCA059FC4}" type="datetimeFigureOut">
               <a:rPr lang="en-US" smtClean="0"/>
-              <a:t>11/30/2025</a:t>
+              <a:t>12/9/2025</a:t>
             </a:fld>
             <a:endParaRPr lang="en-US"/>
           </a:p>
@@ -1068,7 +1068,7 @@
           <a:p>
             <a:fld id="{5BCAD085-E8A6-8845-BD4E-CB4CCA059FC4}" type="datetimeFigureOut">
               <a:rPr lang="en-US" smtClean="0"/>
-              <a:t>11/30/2025</a:t>
+              <a:t>12/9/2025</a:t>
             </a:fld>
             <a:endParaRPr lang="en-US"/>
           </a:p>
@@ -1353,7 +1353,7 @@
           <a:p>
             <a:fld id="{5BCAD085-E8A6-8845-BD4E-CB4CCA059FC4}" type="datetimeFigureOut">
               <a:rPr lang="en-US" smtClean="0"/>
-              <a:t>11/30/2025</a:t>
+              <a:t>12/9/2025</a:t>
             </a:fld>
             <a:endParaRPr lang="en-US"/>
           </a:p>
@@ -1772,7 +1772,7 @@
           <a:p>
             <a:fld id="{5BCAD085-E8A6-8845-BD4E-CB4CCA059FC4}" type="datetimeFigureOut">
               <a:rPr lang="en-US" smtClean="0"/>
-              <a:t>11/30/2025</a:t>
+              <a:t>12/9/2025</a:t>
             </a:fld>
             <a:endParaRPr lang="en-US"/>
           </a:p>
@@ -1889,7 +1889,7 @@
           <a:p>
             <a:fld id="{5BCAD085-E8A6-8845-BD4E-CB4CCA059FC4}" type="datetimeFigureOut">
               <a:rPr lang="en-US" smtClean="0"/>
-              <a:t>11/30/2025</a:t>
+              <a:t>12/9/2025</a:t>
             </a:fld>
             <a:endParaRPr lang="en-US"/>
           </a:p>
@@ -1984,7 +1984,7 @@
           <a:p>
             <a:fld id="{5BCAD085-E8A6-8845-BD4E-CB4CCA059FC4}" type="datetimeFigureOut">
               <a:rPr lang="en-US" smtClean="0"/>
-              <a:t>11/30/2025</a:t>
+              <a:t>12/9/2025</a:t>
             </a:fld>
             <a:endParaRPr lang="en-US"/>
           </a:p>
@@ -2259,7 +2259,7 @@
           <a:p>
             <a:fld id="{5BCAD085-E8A6-8845-BD4E-CB4CCA059FC4}" type="datetimeFigureOut">
               <a:rPr lang="en-US" smtClean="0"/>
-              <a:t>11/30/2025</a:t>
+              <a:t>12/9/2025</a:t>
             </a:fld>
             <a:endParaRPr lang="en-US"/>
           </a:p>
@@ -2511,7 +2511,7 @@
           <a:p>
             <a:fld id="{5BCAD085-E8A6-8845-BD4E-CB4CCA059FC4}" type="datetimeFigureOut">
               <a:rPr lang="en-US" smtClean="0"/>
-              <a:t>11/30/2025</a:t>
+              <a:t>12/9/2025</a:t>
             </a:fld>
             <a:endParaRPr lang="en-US"/>
           </a:p>
@@ -2722,7 +2722,7 @@
           <a:p>
             <a:fld id="{5BCAD085-E8A6-8845-BD4E-CB4CCA059FC4}" type="datetimeFigureOut">
               <a:rPr lang="en-US" smtClean="0"/>
-              <a:t>11/30/2025</a:t>
+              <a:t>12/9/2025</a:t>
             </a:fld>
             <a:endParaRPr lang="en-US"/>
           </a:p>
@@ -3193,7 +3193,7 @@
                 <a:effectLst/>
                 <a:latin typeface="-apple-system"/>
               </a:rPr>
-              <a:t>Securing $1.6M in Annual Revenue</a:t>
+              <a:t>Securing $1.7M in Annual Revenue</a:t>
             </a:r>
             <a:endParaRPr lang="en-US" sz="1400" dirty="0">
               <a:solidFill>
@@ -3240,13 +3240,13 @@
   <p:clrMapOvr>
     <a:masterClrMapping/>
   </p:clrMapOvr>
-  <mc:AlternateContent xmlns:mc="http://schemas.openxmlformats.org/markup-compatibility/2006">
-    <mc:Choice xmlns:p14="http://schemas.microsoft.com/office/powerpoint/2010/main" Requires="p14">
+  <mc:AlternateContent xmlns:mc="http://schemas.openxmlformats.org/markup-compatibility/2006" xmlns:p14="http://schemas.microsoft.com/office/powerpoint/2010/main">
+    <mc:Choice Requires="p14">
       <p:transition spd="slow" p14:dur="1500">
         <p:split orient="vert"/>
       </p:transition>
     </mc:Choice>
-    <mc:Fallback>
+    <mc:Fallback xmlns="">
       <p:transition spd="slow">
         <p:split orient="vert"/>
       </p:transition>
@@ -5812,13 +5812,13 @@
   <p:clrMapOvr>
     <a:masterClrMapping/>
   </p:clrMapOvr>
-  <mc:AlternateContent xmlns:mc="http://schemas.openxmlformats.org/markup-compatibility/2006">
-    <mc:Choice xmlns:p14="http://schemas.microsoft.com/office/powerpoint/2010/main" Requires="p14">
+  <mc:AlternateContent xmlns:mc="http://schemas.openxmlformats.org/markup-compatibility/2006" xmlns:p14="http://schemas.microsoft.com/office/powerpoint/2010/main">
+    <mc:Choice Requires="p14">
       <p:transition spd="slow" p14:dur="800">
         <p:circle/>
       </p:transition>
     </mc:Choice>
-    <mc:Fallback>
+    <mc:Fallback xmlns="">
       <p:transition spd="slow">
         <p:circle/>
       </p:transition>
@@ -6344,7 +6344,7 @@
                 <a:effectLst/>
                 <a:latin typeface="Helveticasinav" panose="02000503000000020004" pitchFamily="2" charset="-94"/>
               </a:rPr>
-              <a:t>~ $1.61 Million / year</a:t>
+              <a:t>~ $1.1 Million / year</a:t>
             </a:r>
             <a:r>
               <a:rPr lang="en-US" b="0" i="0" dirty="0">
@@ -7386,7 +7386,7 @@
                 <a:effectLst/>
                 <a:latin typeface="Helveticasinav" panose="02000503000000020004" pitchFamily="2" charset="-94"/>
               </a:rPr>
-              <a:t>~$1.7 Million</a:t>
+              <a:t>~$1.1 Million</a:t>
             </a:r>
             <a:r>
               <a:rPr lang="en-US" b="0" i="0" dirty="0">
@@ -7428,7 +7428,7 @@
         <p:spPr bwMode="auto">
           <a:xfrm>
             <a:off x="570491" y="3593166"/>
-            <a:ext cx="8091959" cy="276999"/>
+            <a:ext cx="7963719" cy="276999"/>
           </a:xfrm>
           <a:prstGeom prst="rect">
             <a:avLst/>
@@ -7520,7 +7520,7 @@
                 <a:effectLst/>
                 <a:latin typeface="Helveticasinav" panose="02000503000000020004" pitchFamily="2" charset="-94"/>
               </a:rPr>
-              <a:t>~1070% .</a:t>
+              <a:t>~153% .</a:t>
             </a:r>
             <a:endParaRPr kumimoji="0" lang="en-US" altLang="en-US" b="0" i="0" u="none" strike="noStrike" cap="none" normalizeH="0" baseline="0" dirty="0">
               <a:ln>
@@ -7552,7 +7552,7 @@
         <p:spPr bwMode="auto">
           <a:xfrm>
             <a:off x="570491" y="4369042"/>
-            <a:ext cx="7367401" cy="276999"/>
+            <a:ext cx="7559762" cy="276999"/>
           </a:xfrm>
           <a:prstGeom prst="rect">
             <a:avLst/>
@@ -7713,7 +7713,7 @@
                 <a:effectLst/>
                 <a:latin typeface="Helveticasinav" panose="02000503000000020004" pitchFamily="2" charset="-94"/>
               </a:rPr>
-              <a:t>11.</a:t>
+              <a:t>1.53.</a:t>
             </a:r>
             <a:endParaRPr kumimoji="0" lang="en-US" altLang="en-US" b="0" i="0" u="none" strike="noStrike" cap="none" normalizeH="0" baseline="0" dirty="0">
               <a:ln>
@@ -7864,7 +7864,7 @@
                 <a:effectLst/>
                 <a:latin typeface="Helveticasinav" panose="02000503000000020004" pitchFamily="2" charset="-94"/>
               </a:rPr>
-              <a:t>     a strong predictive capability score (ROC-AUC of 0.7644).</a:t>
+              <a:t>     a strong predictive capability score (ROC-AUC of 0.77).</a:t>
             </a:r>
           </a:p>
         </p:txBody>
@@ -7874,13 +7874,13 @@
   <p:clrMapOvr>
     <a:masterClrMapping/>
   </p:clrMapOvr>
-  <mc:AlternateContent xmlns:mc="http://schemas.openxmlformats.org/markup-compatibility/2006">
-    <mc:Choice xmlns:p14="http://schemas.microsoft.com/office/powerpoint/2010/main" Requires="p14">
+  <mc:AlternateContent xmlns:mc="http://schemas.openxmlformats.org/markup-compatibility/2006" xmlns:p14="http://schemas.microsoft.com/office/powerpoint/2010/main">
+    <mc:Choice Requires="p14">
       <p:transition spd="slow" p14:dur="3400">
         <p14:reveal/>
       </p:transition>
     </mc:Choice>
-    <mc:Fallback>
+    <mc:Fallback xmlns="">
       <p:transition spd="slow">
         <p:fade/>
       </p:transition>
@@ -8764,13 +8764,13 @@
   <p:clrMapOvr>
     <a:masterClrMapping/>
   </p:clrMapOvr>
-  <mc:AlternateContent xmlns:mc="http://schemas.openxmlformats.org/markup-compatibility/2006">
-    <mc:Choice xmlns:p159="http://schemas.microsoft.com/office/powerpoint/2015/09/main" Requires="p159">
+  <mc:AlternateContent xmlns:mc="http://schemas.openxmlformats.org/markup-compatibility/2006" xmlns:p159="http://schemas.microsoft.com/office/powerpoint/2015/09/main">
+    <mc:Choice Requires="p159">
       <p:transition xmlns:p14="http://schemas.microsoft.com/office/powerpoint/2010/main" spd="slow" p14:dur="2000">
         <p159:morph option="byObject"/>
       </p:transition>
     </mc:Choice>
-    <mc:Fallback>
+    <mc:Fallback xmlns="">
       <p:transition spd="slow">
         <p:fade/>
       </p:transition>
@@ -9591,13 +9591,13 @@
   <p:clrMapOvr>
     <a:masterClrMapping/>
   </p:clrMapOvr>
-  <mc:AlternateContent xmlns:mc="http://schemas.openxmlformats.org/markup-compatibility/2006">
-    <mc:Choice xmlns:p14="http://schemas.microsoft.com/office/powerpoint/2010/main" Requires="p14">
+  <mc:AlternateContent xmlns:mc="http://schemas.openxmlformats.org/markup-compatibility/2006" xmlns:p14="http://schemas.microsoft.com/office/powerpoint/2010/main">
+    <mc:Choice Requires="p14">
       <p:transition spd="slow" p14:dur="800">
         <p14:flythrough/>
       </p:transition>
     </mc:Choice>
-    <mc:Fallback>
+    <mc:Fallback xmlns="">
       <p:transition spd="slow">
         <p:fade/>
       </p:transition>
